--- a/Notes/TFM_presentations/2020_03_09/2020_03_09.pptx
+++ b/Notes/TFM_presentations/2020_03_09/2020_03_09.pptx
@@ -5,7 +5,7 @@
     <p:sldMasterId id="2147483648" r:id="rId1"/>
   </p:sldMasterIdLst>
   <p:notesMasterIdLst>
-    <p:notesMasterId r:id="rId9"/>
+    <p:notesMasterId r:id="rId12"/>
   </p:notesMasterIdLst>
   <p:sldIdLst>
     <p:sldId id="256" r:id="rId2"/>
@@ -14,7 +14,10 @@
     <p:sldId id="282" r:id="rId5"/>
     <p:sldId id="280" r:id="rId6"/>
     <p:sldId id="283" r:id="rId7"/>
-    <p:sldId id="281" r:id="rId8"/>
+    <p:sldId id="285" r:id="rId8"/>
+    <p:sldId id="286" r:id="rId9"/>
+    <p:sldId id="287" r:id="rId10"/>
+    <p:sldId id="281" r:id="rId11"/>
   </p:sldIdLst>
   <p:sldSz cx="12192000" cy="6858000"/>
   <p:notesSz cx="6858000" cy="9144000"/>
@@ -1543,6 +1546,258 @@
     <p:extLst>
       <p:ext uri="{BB962C8B-B14F-4D97-AF65-F5344CB8AC3E}">
         <p14:creationId xmlns:p14="http://schemas.microsoft.com/office/powerpoint/2010/main" val="4265683001"/>
+      </p:ext>
+    </p:extLst>
+  </p:cSld>
+  <p:clrMapOvr>
+    <a:masterClrMapping/>
+  </p:clrMapOvr>
+</p:notes>
+</file>
+
+<file path=ppt/notesSlides/notesSlide6.xml><?xml version="1.0" encoding="utf-8"?>
+<p:notes xmlns:a="http://schemas.openxmlformats.org/drawingml/2006/main" xmlns:r="http://schemas.openxmlformats.org/officeDocument/2006/relationships" xmlns:p="http://schemas.openxmlformats.org/presentationml/2006/main">
+  <p:cSld>
+    <p:spTree>
+      <p:nvGrpSpPr>
+        <p:cNvPr id="1" name=""/>
+        <p:cNvGrpSpPr/>
+        <p:nvPr/>
+      </p:nvGrpSpPr>
+      <p:grpSpPr>
+        <a:xfrm>
+          <a:off x="0" y="0"/>
+          <a:ext cx="0" cy="0"/>
+          <a:chOff x="0" y="0"/>
+          <a:chExt cx="0" cy="0"/>
+        </a:xfrm>
+      </p:grpSpPr>
+      <p:sp>
+        <p:nvSpPr>
+          <p:cNvPr id="2" name="Slide Image Placeholder 1"/>
+          <p:cNvSpPr>
+            <a:spLocks noGrp="1" noRot="1" noChangeAspect="1"/>
+          </p:cNvSpPr>
+          <p:nvPr>
+            <p:ph type="sldImg"/>
+          </p:nvPr>
+        </p:nvSpPr>
+        <p:spPr/>
+      </p:sp>
+      <p:sp>
+        <p:nvSpPr>
+          <p:cNvPr id="3" name="Notes Placeholder 2"/>
+          <p:cNvSpPr>
+            <a:spLocks noGrp="1"/>
+          </p:cNvSpPr>
+          <p:nvPr>
+            <p:ph type="body" idx="1"/>
+          </p:nvPr>
+        </p:nvSpPr>
+        <p:spPr/>
+        <p:txBody>
+          <a:bodyPr/>
+          <a:lstStyle/>
+          <a:p>
+            <a:endParaRPr lang="en-GB" dirty="0"/>
+          </a:p>
+        </p:txBody>
+      </p:sp>
+      <p:sp>
+        <p:nvSpPr>
+          <p:cNvPr id="4" name="Slide Number Placeholder 3"/>
+          <p:cNvSpPr>
+            <a:spLocks noGrp="1"/>
+          </p:cNvSpPr>
+          <p:nvPr>
+            <p:ph type="sldNum" sz="quarter" idx="5"/>
+          </p:nvPr>
+        </p:nvSpPr>
+        <p:spPr/>
+        <p:txBody>
+          <a:bodyPr/>
+          <a:lstStyle/>
+          <a:p>
+            <a:fld id="{CCADCBAA-299B-4552-9387-24D12127C082}" type="slidenum">
+              <a:rPr lang="en-GB" smtClean="0"/>
+              <a:t>7</a:t>
+            </a:fld>
+            <a:endParaRPr lang="en-GB" dirty="0"/>
+          </a:p>
+        </p:txBody>
+      </p:sp>
+    </p:spTree>
+    <p:extLst>
+      <p:ext uri="{BB962C8B-B14F-4D97-AF65-F5344CB8AC3E}">
+        <p14:creationId xmlns:p14="http://schemas.microsoft.com/office/powerpoint/2010/main" val="2117499539"/>
+      </p:ext>
+    </p:extLst>
+  </p:cSld>
+  <p:clrMapOvr>
+    <a:masterClrMapping/>
+  </p:clrMapOvr>
+</p:notes>
+</file>
+
+<file path=ppt/notesSlides/notesSlide7.xml><?xml version="1.0" encoding="utf-8"?>
+<p:notes xmlns:a="http://schemas.openxmlformats.org/drawingml/2006/main" xmlns:r="http://schemas.openxmlformats.org/officeDocument/2006/relationships" xmlns:p="http://schemas.openxmlformats.org/presentationml/2006/main">
+  <p:cSld>
+    <p:spTree>
+      <p:nvGrpSpPr>
+        <p:cNvPr id="1" name=""/>
+        <p:cNvGrpSpPr/>
+        <p:nvPr/>
+      </p:nvGrpSpPr>
+      <p:grpSpPr>
+        <a:xfrm>
+          <a:off x="0" y="0"/>
+          <a:ext cx="0" cy="0"/>
+          <a:chOff x="0" y="0"/>
+          <a:chExt cx="0" cy="0"/>
+        </a:xfrm>
+      </p:grpSpPr>
+      <p:sp>
+        <p:nvSpPr>
+          <p:cNvPr id="2" name="Slide Image Placeholder 1"/>
+          <p:cNvSpPr>
+            <a:spLocks noGrp="1" noRot="1" noChangeAspect="1"/>
+          </p:cNvSpPr>
+          <p:nvPr>
+            <p:ph type="sldImg"/>
+          </p:nvPr>
+        </p:nvSpPr>
+        <p:spPr/>
+      </p:sp>
+      <p:sp>
+        <p:nvSpPr>
+          <p:cNvPr id="3" name="Notes Placeholder 2"/>
+          <p:cNvSpPr>
+            <a:spLocks noGrp="1"/>
+          </p:cNvSpPr>
+          <p:nvPr>
+            <p:ph type="body" idx="1"/>
+          </p:nvPr>
+        </p:nvSpPr>
+        <p:spPr/>
+        <p:txBody>
+          <a:bodyPr/>
+          <a:lstStyle/>
+          <a:p>
+            <a:endParaRPr lang="en-GB" dirty="0"/>
+          </a:p>
+        </p:txBody>
+      </p:sp>
+      <p:sp>
+        <p:nvSpPr>
+          <p:cNvPr id="4" name="Slide Number Placeholder 3"/>
+          <p:cNvSpPr>
+            <a:spLocks noGrp="1"/>
+          </p:cNvSpPr>
+          <p:nvPr>
+            <p:ph type="sldNum" sz="quarter" idx="5"/>
+          </p:nvPr>
+        </p:nvSpPr>
+        <p:spPr/>
+        <p:txBody>
+          <a:bodyPr/>
+          <a:lstStyle/>
+          <a:p>
+            <a:fld id="{CCADCBAA-299B-4552-9387-24D12127C082}" type="slidenum">
+              <a:rPr lang="en-GB" smtClean="0"/>
+              <a:t>8</a:t>
+            </a:fld>
+            <a:endParaRPr lang="en-GB" dirty="0"/>
+          </a:p>
+        </p:txBody>
+      </p:sp>
+    </p:spTree>
+    <p:extLst>
+      <p:ext uri="{BB962C8B-B14F-4D97-AF65-F5344CB8AC3E}">
+        <p14:creationId xmlns:p14="http://schemas.microsoft.com/office/powerpoint/2010/main" val="761043446"/>
+      </p:ext>
+    </p:extLst>
+  </p:cSld>
+  <p:clrMapOvr>
+    <a:masterClrMapping/>
+  </p:clrMapOvr>
+</p:notes>
+</file>
+
+<file path=ppt/notesSlides/notesSlide8.xml><?xml version="1.0" encoding="utf-8"?>
+<p:notes xmlns:a="http://schemas.openxmlformats.org/drawingml/2006/main" xmlns:r="http://schemas.openxmlformats.org/officeDocument/2006/relationships" xmlns:p="http://schemas.openxmlformats.org/presentationml/2006/main">
+  <p:cSld>
+    <p:spTree>
+      <p:nvGrpSpPr>
+        <p:cNvPr id="1" name=""/>
+        <p:cNvGrpSpPr/>
+        <p:nvPr/>
+      </p:nvGrpSpPr>
+      <p:grpSpPr>
+        <a:xfrm>
+          <a:off x="0" y="0"/>
+          <a:ext cx="0" cy="0"/>
+          <a:chOff x="0" y="0"/>
+          <a:chExt cx="0" cy="0"/>
+        </a:xfrm>
+      </p:grpSpPr>
+      <p:sp>
+        <p:nvSpPr>
+          <p:cNvPr id="2" name="Slide Image Placeholder 1"/>
+          <p:cNvSpPr>
+            <a:spLocks noGrp="1" noRot="1" noChangeAspect="1"/>
+          </p:cNvSpPr>
+          <p:nvPr>
+            <p:ph type="sldImg"/>
+          </p:nvPr>
+        </p:nvSpPr>
+        <p:spPr/>
+      </p:sp>
+      <p:sp>
+        <p:nvSpPr>
+          <p:cNvPr id="3" name="Notes Placeholder 2"/>
+          <p:cNvSpPr>
+            <a:spLocks noGrp="1"/>
+          </p:cNvSpPr>
+          <p:nvPr>
+            <p:ph type="body" idx="1"/>
+          </p:nvPr>
+        </p:nvSpPr>
+        <p:spPr/>
+        <p:txBody>
+          <a:bodyPr/>
+          <a:lstStyle/>
+          <a:p>
+            <a:endParaRPr lang="en-GB" dirty="0"/>
+          </a:p>
+        </p:txBody>
+      </p:sp>
+      <p:sp>
+        <p:nvSpPr>
+          <p:cNvPr id="4" name="Slide Number Placeholder 3"/>
+          <p:cNvSpPr>
+            <a:spLocks noGrp="1"/>
+          </p:cNvSpPr>
+          <p:nvPr>
+            <p:ph type="sldNum" sz="quarter" idx="5"/>
+          </p:nvPr>
+        </p:nvSpPr>
+        <p:spPr/>
+        <p:txBody>
+          <a:bodyPr/>
+          <a:lstStyle/>
+          <a:p>
+            <a:fld id="{CCADCBAA-299B-4552-9387-24D12127C082}" type="slidenum">
+              <a:rPr lang="en-GB" smtClean="0"/>
+              <a:t>9</a:t>
+            </a:fld>
+            <a:endParaRPr lang="en-GB" dirty="0"/>
+          </a:p>
+        </p:txBody>
+      </p:sp>
+    </p:spTree>
+    <p:extLst>
+      <p:ext uri="{BB962C8B-B14F-4D97-AF65-F5344CB8AC3E}">
+        <p14:creationId xmlns:p14="http://schemas.microsoft.com/office/powerpoint/2010/main" val="2412171767"/>
       </p:ext>
     </p:extLst>
   </p:cSld>
@@ -6183,6 +6438,396 @@
 </p:sld>
 </file>
 
+<file path=ppt/slides/slide10.xml><?xml version="1.0" encoding="utf-8"?>
+<p:sld xmlns:a="http://schemas.openxmlformats.org/drawingml/2006/main" xmlns:r="http://schemas.openxmlformats.org/officeDocument/2006/relationships" xmlns:p="http://schemas.openxmlformats.org/presentationml/2006/main">
+  <p:cSld>
+    <p:spTree>
+      <p:nvGrpSpPr>
+        <p:cNvPr id="1" name=""/>
+        <p:cNvGrpSpPr/>
+        <p:nvPr/>
+      </p:nvGrpSpPr>
+      <p:grpSpPr>
+        <a:xfrm>
+          <a:off x="0" y="0"/>
+          <a:ext cx="0" cy="0"/>
+          <a:chOff x="0" y="0"/>
+          <a:chExt cx="0" cy="0"/>
+        </a:xfrm>
+      </p:grpSpPr>
+      <p:sp>
+        <p:nvSpPr>
+          <p:cNvPr id="2" name="Title 1">
+            <a:extLst>
+              <a:ext uri="{FF2B5EF4-FFF2-40B4-BE49-F238E27FC236}">
+                <a16:creationId xmlns:a16="http://schemas.microsoft.com/office/drawing/2014/main" id="{4D710711-00ED-4619-804C-698D6CD50837}"/>
+              </a:ext>
+            </a:extLst>
+          </p:cNvPr>
+          <p:cNvSpPr>
+            <a:spLocks noGrp="1"/>
+          </p:cNvSpPr>
+          <p:nvPr>
+            <p:ph type="title"/>
+          </p:nvPr>
+        </p:nvSpPr>
+        <p:spPr/>
+        <p:txBody>
+          <a:bodyPr/>
+          <a:lstStyle/>
+          <a:p>
+            <a:r>
+              <a:rPr lang="en-150" dirty="0"/>
+              <a:t>W</a:t>
+            </a:r>
+            <a:r>
+              <a:rPr lang="en-GB" dirty="0"/>
+              <a:t>h</a:t>
+            </a:r>
+            <a:r>
+              <a:rPr lang="en-150" dirty="0"/>
+              <a:t>a</a:t>
+            </a:r>
+            <a:r>
+              <a:rPr lang="en-GB" dirty="0"/>
+              <a:t>t</a:t>
+            </a:r>
+            <a:r>
+              <a:rPr lang="en-150" dirty="0"/>
+              <a:t>’</a:t>
+            </a:r>
+            <a:r>
+              <a:rPr lang="en-GB" dirty="0"/>
+              <a:t>s</a:t>
+            </a:r>
+            <a:r>
+              <a:rPr lang="en-150" dirty="0"/>
+              <a:t> </a:t>
+            </a:r>
+            <a:r>
+              <a:rPr lang="en-GB" dirty="0"/>
+              <a:t>n</a:t>
+            </a:r>
+            <a:r>
+              <a:rPr lang="en-150" dirty="0"/>
+              <a:t>e</a:t>
+            </a:r>
+            <a:r>
+              <a:rPr lang="en-GB" dirty="0"/>
+              <a:t>x</a:t>
+            </a:r>
+            <a:r>
+              <a:rPr lang="en-150" dirty="0"/>
+              <a:t>t?</a:t>
+            </a:r>
+            <a:endParaRPr lang="en-GB" dirty="0"/>
+          </a:p>
+        </p:txBody>
+      </p:sp>
+      <p:sp>
+        <p:nvSpPr>
+          <p:cNvPr id="3" name="Content Placeholder 2">
+            <a:extLst>
+              <a:ext uri="{FF2B5EF4-FFF2-40B4-BE49-F238E27FC236}">
+                <a16:creationId xmlns:a16="http://schemas.microsoft.com/office/drawing/2014/main" id="{304716DE-164B-4BAB-AFBA-3B692E8AAEFE}"/>
+              </a:ext>
+            </a:extLst>
+          </p:cNvPr>
+          <p:cNvSpPr>
+            <a:spLocks noGrp="1"/>
+          </p:cNvSpPr>
+          <p:nvPr>
+            <p:ph idx="1"/>
+          </p:nvPr>
+        </p:nvSpPr>
+        <p:spPr/>
+        <p:txBody>
+          <a:bodyPr/>
+          <a:lstStyle/>
+          <a:p>
+            <a:r>
+              <a:rPr lang="en-GB" dirty="0"/>
+              <a:t>C</a:t>
+            </a:r>
+            <a:r>
+              <a:rPr lang="en-150" dirty="0"/>
+              <a:t>o</a:t>
+            </a:r>
+            <a:r>
+              <a:rPr lang="en-GB" dirty="0"/>
+              <a:t>n</a:t>
+            </a:r>
+            <a:r>
+              <a:rPr lang="en-150" dirty="0"/>
+              <a:t>t</a:t>
+            </a:r>
+            <a:r>
+              <a:rPr lang="en-GB" dirty="0"/>
+              <a:t>i</a:t>
+            </a:r>
+            <a:r>
+              <a:rPr lang="en-150" dirty="0"/>
+              <a:t>n</a:t>
+            </a:r>
+            <a:r>
+              <a:rPr lang="en-GB" dirty="0"/>
+              <a:t>u</a:t>
+            </a:r>
+            <a:r>
+              <a:rPr lang="en-150" dirty="0"/>
+              <a:t>e </a:t>
+            </a:r>
+            <a:r>
+              <a:rPr lang="en-GB" dirty="0"/>
+              <a:t>l</a:t>
+            </a:r>
+            <a:r>
+              <a:rPr lang="en-150" dirty="0"/>
+              <a:t>o</a:t>
+            </a:r>
+            <a:r>
+              <a:rPr lang="en-GB" dirty="0"/>
+              <a:t>o</a:t>
+            </a:r>
+            <a:r>
+              <a:rPr lang="en-150" dirty="0"/>
+              <a:t>k</a:t>
+            </a:r>
+            <a:r>
+              <a:rPr lang="en-GB" dirty="0"/>
+              <a:t>i</a:t>
+            </a:r>
+            <a:r>
+              <a:rPr lang="en-150" dirty="0"/>
+              <a:t>n</a:t>
+            </a:r>
+            <a:r>
+              <a:rPr lang="en-GB" dirty="0"/>
+              <a:t>g</a:t>
+            </a:r>
+            <a:r>
+              <a:rPr lang="en-150" dirty="0"/>
+              <a:t> </a:t>
+            </a:r>
+            <a:r>
+              <a:rPr lang="en-GB" dirty="0"/>
+              <a:t>a</a:t>
+            </a:r>
+            <a:r>
+              <a:rPr lang="en-150" dirty="0"/>
+              <a:t>t </a:t>
+            </a:r>
+            <a:r>
+              <a:rPr lang="en-GB" dirty="0"/>
+              <a:t>c</a:t>
+            </a:r>
+            <a:r>
+              <a:rPr lang="en-150" dirty="0"/>
+              <a:t>a</a:t>
+            </a:r>
+            <a:r>
+              <a:rPr lang="en-GB" dirty="0"/>
+              <a:t>s</a:t>
+            </a:r>
+            <a:r>
+              <a:rPr lang="en-150" dirty="0"/>
+              <a:t>e</a:t>
+            </a:r>
+            <a:r>
+              <a:rPr lang="en-GB" dirty="0"/>
+              <a:t>s</a:t>
+            </a:r>
+            <a:r>
+              <a:rPr lang="en-150" dirty="0"/>
+              <a:t> </a:t>
+            </a:r>
+            <a:r>
+              <a:rPr lang="en-GB" dirty="0"/>
+              <a:t>f</a:t>
+            </a:r>
+            <a:r>
+              <a:rPr lang="en-150" dirty="0"/>
+              <a:t>o</a:t>
+            </a:r>
+            <a:r>
+              <a:rPr lang="en-GB" dirty="0"/>
+              <a:t>r</a:t>
+            </a:r>
+            <a:r>
+              <a:rPr lang="en-150" dirty="0"/>
+              <a:t> </a:t>
+            </a:r>
+            <a:r>
+              <a:rPr lang="en-GB" dirty="0"/>
+              <a:t>s</a:t>
+            </a:r>
+            <a:r>
+              <a:rPr lang="en-150" dirty="0"/>
+              <a:t>c</a:t>
+            </a:r>
+            <a:r>
+              <a:rPr lang="en-GB" dirty="0"/>
+              <a:t>h</a:t>
+            </a:r>
+            <a:r>
+              <a:rPr lang="en-150" dirty="0"/>
+              <a:t>e</a:t>
+            </a:r>
+            <a:r>
+              <a:rPr lang="en-GB" dirty="0"/>
+              <a:t>d</a:t>
+            </a:r>
+            <a:r>
+              <a:rPr lang="en-150" dirty="0"/>
+              <a:t>u</a:t>
+            </a:r>
+            <a:r>
+              <a:rPr lang="en-GB" dirty="0"/>
+              <a:t>l</a:t>
+            </a:r>
+            <a:r>
+              <a:rPr lang="en-150" dirty="0"/>
+              <a:t>i</a:t>
+            </a:r>
+            <a:r>
+              <a:rPr lang="en-GB" dirty="0"/>
+              <a:t>n</a:t>
+            </a:r>
+            <a:r>
+              <a:rPr lang="en-150" dirty="0"/>
+              <a:t>g </a:t>
+            </a:r>
+            <a:r>
+              <a:rPr lang="en-GB" dirty="0"/>
+              <a:t>p</a:t>
+            </a:r>
+            <a:r>
+              <a:rPr lang="en-150" dirty="0"/>
+              <a:t>r</a:t>
+            </a:r>
+            <a:r>
+              <a:rPr lang="en-GB" dirty="0"/>
+              <a:t>o</a:t>
+            </a:r>
+            <a:r>
+              <a:rPr lang="en-150" dirty="0"/>
+              <a:t>b</a:t>
+            </a:r>
+            <a:r>
+              <a:rPr lang="en-GB" dirty="0"/>
+              <a:t>l</a:t>
+            </a:r>
+            <a:r>
+              <a:rPr lang="en-150" dirty="0"/>
+              <a:t>e</a:t>
+            </a:r>
+            <a:r>
+              <a:rPr lang="en-GB" dirty="0"/>
+              <a:t>m</a:t>
+            </a:r>
+            <a:r>
+              <a:rPr lang="en-150" dirty="0"/>
+              <a:t>s</a:t>
+            </a:r>
+          </a:p>
+          <a:p>
+            <a:r>
+              <a:rPr lang="en-150" dirty="0"/>
+              <a:t>Use the moldable property of the tasks</a:t>
+            </a:r>
+          </a:p>
+          <a:p>
+            <a:r>
+              <a:rPr lang="en-GB" dirty="0"/>
+              <a:t>G</a:t>
+            </a:r>
+            <a:r>
+              <a:rPr lang="en-150" dirty="0"/>
+              <a:t>e</a:t>
+            </a:r>
+            <a:r>
+              <a:rPr lang="en-GB" dirty="0"/>
+              <a:t>t</a:t>
+            </a:r>
+            <a:r>
+              <a:rPr lang="en-150" dirty="0"/>
+              <a:t> results with schedulability analysis tool and Pari</a:t>
+            </a:r>
+            <a:r>
+              <a:rPr lang="en-GB" dirty="0"/>
+              <a:t>s</a:t>
+            </a:r>
+            <a:r>
+              <a:rPr lang="en-150" dirty="0"/>
+              <a:t>’ </a:t>
+            </a:r>
+            <a:r>
+              <a:rPr lang="en-GB" dirty="0"/>
+              <a:t>c</a:t>
+            </a:r>
+            <a:r>
+              <a:rPr lang="en-150" dirty="0"/>
+              <a:t>o</a:t>
+            </a:r>
+            <a:r>
+              <a:rPr lang="en-GB" dirty="0"/>
+              <a:t>d</a:t>
+            </a:r>
+            <a:r>
+              <a:rPr lang="en-150" dirty="0"/>
+              <a:t>e</a:t>
+            </a:r>
+          </a:p>
+          <a:p>
+            <a:r>
+              <a:rPr lang="en-150" dirty="0"/>
+              <a:t>Start finding the formulation of schedulability analysis for new algorithm</a:t>
+            </a:r>
+          </a:p>
+        </p:txBody>
+      </p:sp>
+      <p:sp>
+        <p:nvSpPr>
+          <p:cNvPr id="4" name="Slide Number Placeholder 3">
+            <a:extLst>
+              <a:ext uri="{FF2B5EF4-FFF2-40B4-BE49-F238E27FC236}">
+                <a16:creationId xmlns:a16="http://schemas.microsoft.com/office/drawing/2014/main" id="{FBB37F32-57EE-4C33-8352-83591BFEB4A3}"/>
+              </a:ext>
+            </a:extLst>
+          </p:cNvPr>
+          <p:cNvSpPr>
+            <a:spLocks noGrp="1"/>
+          </p:cNvSpPr>
+          <p:nvPr>
+            <p:ph type="sldNum" sz="quarter" idx="12"/>
+          </p:nvPr>
+        </p:nvSpPr>
+        <p:spPr/>
+        <p:txBody>
+          <a:bodyPr/>
+          <a:lstStyle/>
+          <a:p>
+            <a:fld id="{6565F0C3-D9E9-4961-A3A4-87F2116D4289}" type="slidenum">
+              <a:rPr lang="en-GB" smtClean="0"/>
+              <a:t>10</a:t>
+            </a:fld>
+            <a:endParaRPr lang="en-GB" dirty="0"/>
+          </a:p>
+        </p:txBody>
+      </p:sp>
+    </p:spTree>
+    <p:extLst>
+      <p:ext uri="{BB962C8B-B14F-4D97-AF65-F5344CB8AC3E}">
+        <p14:creationId xmlns:p14="http://schemas.microsoft.com/office/powerpoint/2010/main" val="1466893026"/>
+      </p:ext>
+    </p:extLst>
+  </p:cSld>
+  <p:clrMapOvr>
+    <a:masterClrMapping/>
+  </p:clrMapOvr>
+</p:sld>
+</file>
+
 <file path=ppt/slides/slide2.xml><?xml version="1.0" encoding="utf-8"?>
 <p:sld xmlns:a="http://schemas.openxmlformats.org/drawingml/2006/main" xmlns:r="http://schemas.openxmlformats.org/officeDocument/2006/relationships" xmlns:p="http://schemas.openxmlformats.org/presentationml/2006/main">
   <p:cSld>
@@ -6298,6 +6943,20 @@
             <a:r>
               <a:rPr lang="en-150" dirty="0"/>
               <a:t>The reservation algorithm was changed slightly </a:t>
+            </a:r>
+          </a:p>
+          <a:p>
+            <a:r>
+              <a:rPr lang="en-150" noProof="0" dirty="0"/>
+              <a:t>Tested </a:t>
+            </a:r>
+            <a:r>
+              <a:rPr lang="en-150" noProof="0" dirty="0" err="1"/>
+              <a:t>PlotSched</a:t>
+            </a:r>
+            <a:r>
+              <a:rPr lang="en-150" noProof="0" dirty="0"/>
+              <a:t> from Pisa but it didn’t fill our requirements</a:t>
             </a:r>
             <a:endParaRPr lang="en-GB" noProof="0" dirty="0"/>
           </a:p>
@@ -6730,6 +7389,55 @@
                       </p:childTnLst>
                     </p:cTn>
                   </p:par>
+                  <p:par>
+                    <p:cTn id="23" fill="hold">
+                      <p:stCondLst>
+                        <p:cond delay="indefinite"/>
+                      </p:stCondLst>
+                      <p:childTnLst>
+                        <p:par>
+                          <p:cTn id="24" fill="hold">
+                            <p:stCondLst>
+                              <p:cond delay="0"/>
+                            </p:stCondLst>
+                            <p:childTnLst>
+                              <p:par>
+                                <p:cTn id="25" presetID="1" presetClass="entr" presetSubtype="0" fill="hold" grpId="0" nodeType="clickEffect">
+                                  <p:stCondLst>
+                                    <p:cond delay="0"/>
+                                  </p:stCondLst>
+                                  <p:childTnLst>
+                                    <p:set>
+                                      <p:cBhvr>
+                                        <p:cTn id="26" dur="1" fill="hold">
+                                          <p:stCondLst>
+                                            <p:cond delay="0"/>
+                                          </p:stCondLst>
+                                        </p:cTn>
+                                        <p:tgtEl>
+                                          <p:spTgt spid="3">
+                                            <p:txEl>
+                                              <p:pRg st="8" end="8"/>
+                                            </p:txEl>
+                                          </p:spTgt>
+                                        </p:tgtEl>
+                                        <p:attrNameLst>
+                                          <p:attrName>style.visibility</p:attrName>
+                                        </p:attrNameLst>
+                                      </p:cBhvr>
+                                      <p:to>
+                                        <p:strVal val="visible"/>
+                                      </p:to>
+                                    </p:set>
+                                  </p:childTnLst>
+                                </p:cTn>
+                              </p:par>
+                            </p:childTnLst>
+                          </p:cTn>
+                        </p:par>
+                      </p:childTnLst>
+                    </p:cTn>
+                  </p:par>
                 </p:childTnLst>
               </p:cTn>
               <p:prevCondLst>
@@ -6791,9 +7499,19 @@
             <p:ph type="title"/>
           </p:nvPr>
         </p:nvSpPr>
-        <p:spPr/>
-        <p:txBody>
-          <a:bodyPr/>
+        <p:spPr>
+          <a:xfrm>
+            <a:off x="838200" y="365126"/>
+            <a:ext cx="10515600" cy="1014788"/>
+          </a:xfrm>
+          <a:prstGeom prst="rect">
+            <a:avLst/>
+          </a:prstGeom>
+        </p:spPr>
+        <p:txBody>
+          <a:bodyPr anchor="ctr">
+            <a:normAutofit/>
+          </a:bodyPr>
           <a:lstStyle/>
           <a:p>
             <a:r>
@@ -6860,57 +7578,91 @@
           </a:p>
         </p:txBody>
       </p:sp>
-      <p:sp>
-        <p:nvSpPr>
-          <p:cNvPr id="3" name="Content Placeholder 2">
-            <a:extLst>
-              <a:ext uri="{FF2B5EF4-FFF2-40B4-BE49-F238E27FC236}">
-                <a16:creationId xmlns:a16="http://schemas.microsoft.com/office/drawing/2014/main" id="{1D582409-0610-4AFD-B2A0-0B55060F6EE8}"/>
-              </a:ext>
-            </a:extLst>
-          </p:cNvPr>
-          <p:cNvSpPr>
-            <a:spLocks noGrp="1"/>
-          </p:cNvSpPr>
+      <p:pic>
+        <p:nvPicPr>
+          <p:cNvPr id="6" name="Content Placeholder 5" descr="A picture containing bird&#10;&#10;Description automatically generated">
+            <a:extLst>
+              <a:ext uri="{FF2B5EF4-FFF2-40B4-BE49-F238E27FC236}">
+                <a16:creationId xmlns:a16="http://schemas.microsoft.com/office/drawing/2014/main" id="{FA2A48C8-2DCF-4448-875D-8B6D118F1592}"/>
+              </a:ext>
+            </a:extLst>
+          </p:cNvPr>
+          <p:cNvPicPr>
+            <a:picLocks noGrp="1" noChangeAspect="1"/>
+          </p:cNvPicPr>
           <p:nvPr>
             <p:ph idx="1"/>
           </p:nvPr>
-        </p:nvSpPr>
-        <p:spPr/>
-        <p:txBody>
-          <a:bodyPr/>
+        </p:nvPicPr>
+        <p:blipFill>
+          <a:blip r:embed="rId2">
+            <a:extLst>
+              <a:ext uri="{28A0092B-C50C-407E-A947-70E740481C1C}">
+                <a14:useLocalDpi xmlns:a14="http://schemas.microsoft.com/office/drawing/2010/main" val="0"/>
+              </a:ext>
+            </a:extLst>
+          </a:blip>
+          <a:stretch>
+            <a:fillRect/>
+          </a:stretch>
+        </p:blipFill>
+        <p:spPr>
+          <a:xfrm>
+            <a:off x="2346072" y="1596044"/>
+            <a:ext cx="7499855" cy="4481163"/>
+          </a:xfrm>
+          <a:prstGeom prst="rect">
+            <a:avLst/>
+          </a:prstGeom>
+          <a:noFill/>
+        </p:spPr>
+      </p:pic>
+      <p:sp>
+        <p:nvSpPr>
+          <p:cNvPr id="4" name="Slide Number Placeholder 3">
+            <a:extLst>
+              <a:ext uri="{FF2B5EF4-FFF2-40B4-BE49-F238E27FC236}">
+                <a16:creationId xmlns:a16="http://schemas.microsoft.com/office/drawing/2014/main" id="{0EF63B9C-78E1-4396-B287-257C3F025F0D}"/>
+              </a:ext>
+            </a:extLst>
+          </p:cNvPr>
+          <p:cNvSpPr>
+            <a:spLocks noGrp="1"/>
+          </p:cNvSpPr>
+          <p:nvPr>
+            <p:ph type="sldNum" sz="quarter" idx="12"/>
+          </p:nvPr>
+        </p:nvSpPr>
+        <p:spPr>
+          <a:xfrm>
+            <a:off x="8610600" y="6356350"/>
+            <a:ext cx="2320636" cy="365125"/>
+          </a:xfrm>
+          <a:prstGeom prst="rect">
+            <a:avLst/>
+          </a:prstGeom>
+        </p:spPr>
+        <p:txBody>
+          <a:bodyPr anchor="ctr">
+            <a:normAutofit/>
+          </a:bodyPr>
           <a:lstStyle/>
           <a:p>
-            <a:endParaRPr lang="en-GB" dirty="0"/>
-          </a:p>
-        </p:txBody>
-      </p:sp>
-      <p:sp>
-        <p:nvSpPr>
-          <p:cNvPr id="4" name="Slide Number Placeholder 3">
-            <a:extLst>
-              <a:ext uri="{FF2B5EF4-FFF2-40B4-BE49-F238E27FC236}">
-                <a16:creationId xmlns:a16="http://schemas.microsoft.com/office/drawing/2014/main" id="{0EF63B9C-78E1-4396-B287-257C3F025F0D}"/>
-              </a:ext>
-            </a:extLst>
-          </p:cNvPr>
-          <p:cNvSpPr>
-            <a:spLocks noGrp="1"/>
-          </p:cNvSpPr>
-          <p:nvPr>
-            <p:ph type="sldNum" sz="quarter" idx="12"/>
-          </p:nvPr>
-        </p:nvSpPr>
-        <p:spPr/>
-        <p:txBody>
-          <a:bodyPr/>
-          <a:lstStyle/>
-          <a:p>
+            <a:pPr>
+              <a:spcAft>
+                <a:spcPts val="600"/>
+              </a:spcAft>
+            </a:pPr>
             <a:fld id="{6565F0C3-D9E9-4961-A3A4-87F2116D4289}" type="slidenum">
               <a:rPr lang="en-GB" smtClean="0"/>
+              <a:pPr>
+                <a:spcAft>
+                  <a:spcPts val="600"/>
+                </a:spcAft>
+              </a:pPr>
               <a:t>3</a:t>
             </a:fld>
-            <a:endParaRPr lang="en-GB" dirty="0"/>
+            <a:endParaRPr lang="en-GB"/>
           </a:p>
         </p:txBody>
       </p:sp>
@@ -6946,34 +7698,6 @@
       </p:grpSpPr>
       <p:sp>
         <p:nvSpPr>
-          <p:cNvPr id="2" name="Title 1">
-            <a:extLst>
-              <a:ext uri="{FF2B5EF4-FFF2-40B4-BE49-F238E27FC236}">
-                <a16:creationId xmlns:a16="http://schemas.microsoft.com/office/drawing/2014/main" id="{BE58AE84-15A3-424F-918C-5140AAC3D8FC}"/>
-              </a:ext>
-            </a:extLst>
-          </p:cNvPr>
-          <p:cNvSpPr>
-            <a:spLocks noGrp="1"/>
-          </p:cNvSpPr>
-          <p:nvPr>
-            <p:ph type="title"/>
-          </p:nvPr>
-        </p:nvSpPr>
-        <p:spPr/>
-        <p:txBody>
-          <a:bodyPr/>
-          <a:lstStyle/>
-          <a:p>
-            <a:r>
-              <a:rPr lang="en-GB" noProof="0" dirty="0"/>
-              <a:t>Results</a:t>
-            </a:r>
-          </a:p>
-        </p:txBody>
-      </p:sp>
-      <p:sp>
-        <p:nvSpPr>
           <p:cNvPr id="4" name="Slide Number Placeholder 3">
             <a:extLst>
               <a:ext uri="{FF2B5EF4-FFF2-40B4-BE49-F238E27FC236}">
@@ -7106,41 +7830,46 @@
           </a:prstGeom>
         </p:spPr>
       </p:pic>
-      <p:pic>
-        <p:nvPicPr>
-          <p:cNvPr id="24" name="T=20">
-            <a:extLst>
-              <a:ext uri="{FF2B5EF4-FFF2-40B4-BE49-F238E27FC236}">
-                <a16:creationId xmlns:a16="http://schemas.microsoft.com/office/drawing/2014/main" id="{89227E96-5D83-4209-B43B-40B8ECAB4C1C}"/>
-              </a:ext>
-            </a:extLst>
-          </p:cNvPr>
-          <p:cNvPicPr>
-            <a:picLocks noChangeAspect="1"/>
-          </p:cNvPicPr>
-          <p:nvPr/>
-        </p:nvPicPr>
-        <p:blipFill>
-          <a:blip r:embed="rId6">
-            <a:extLst>
-              <a:ext uri="{28A0092B-C50C-407E-A947-70E740481C1C}">
-                <a14:useLocalDpi xmlns:a14="http://schemas.microsoft.com/office/drawing/2010/main" val="0"/>
-              </a:ext>
-            </a:extLst>
-          </a:blip>
-          <a:srcRect/>
-          <a:stretch/>
-        </p:blipFill>
-        <p:spPr>
-          <a:xfrm>
-            <a:off x="2720818" y="643550"/>
-            <a:ext cx="6750363" cy="5400291"/>
-          </a:xfrm>
-          <a:prstGeom prst="rect">
-            <a:avLst/>
-          </a:prstGeom>
-        </p:spPr>
-      </p:pic>
+      <p:sp>
+        <p:nvSpPr>
+          <p:cNvPr id="2" name="Title 1">
+            <a:extLst>
+              <a:ext uri="{FF2B5EF4-FFF2-40B4-BE49-F238E27FC236}">
+                <a16:creationId xmlns:a16="http://schemas.microsoft.com/office/drawing/2014/main" id="{BE58AE84-15A3-424F-918C-5140AAC3D8FC}"/>
+              </a:ext>
+            </a:extLst>
+          </p:cNvPr>
+          <p:cNvSpPr>
+            <a:spLocks noGrp="1"/>
+          </p:cNvSpPr>
+          <p:nvPr>
+            <p:ph type="title"/>
+          </p:nvPr>
+        </p:nvSpPr>
+        <p:spPr/>
+        <p:txBody>
+          <a:bodyPr/>
+          <a:lstStyle/>
+          <a:p>
+            <a:r>
+              <a:rPr lang="en-150" noProof="0" dirty="0"/>
+              <a:t>O</a:t>
+            </a:r>
+            <a:r>
+              <a:rPr lang="en-GB" noProof="0" dirty="0"/>
+              <a:t>l</a:t>
+            </a:r>
+            <a:r>
+              <a:rPr lang="en-150" noProof="0" dirty="0"/>
+              <a:t>d </a:t>
+            </a:r>
+            <a:r>
+              <a:rPr lang="en-GB" noProof="0" dirty="0"/>
+              <a:t>Results</a:t>
+            </a:r>
+          </a:p>
+        </p:txBody>
+      </p:sp>
     </p:spTree>
     <p:extLst>
       <p:ext uri="{BB962C8B-B14F-4D97-AF65-F5344CB8AC3E}">
@@ -7294,51 +8023,6 @@
                       </p:childTnLst>
                     </p:cTn>
                   </p:par>
-                  <p:par>
-                    <p:cTn id="15" fill="hold">
-                      <p:stCondLst>
-                        <p:cond delay="indefinite"/>
-                      </p:stCondLst>
-                      <p:childTnLst>
-                        <p:par>
-                          <p:cTn id="16" fill="hold">
-                            <p:stCondLst>
-                              <p:cond delay="0"/>
-                            </p:stCondLst>
-                            <p:childTnLst>
-                              <p:par>
-                                <p:cTn id="17" presetID="1" presetClass="entr" presetSubtype="0" fill="hold" nodeType="clickEffect">
-                                  <p:stCondLst>
-                                    <p:cond delay="0"/>
-                                  </p:stCondLst>
-                                  <p:childTnLst>
-                                    <p:set>
-                                      <p:cBhvr>
-                                        <p:cTn id="18" dur="1" fill="hold">
-                                          <p:stCondLst>
-                                            <p:cond delay="0"/>
-                                          </p:stCondLst>
-                                        </p:cTn>
-                                        <p:tgtEl>
-                                          <p:spTgt spid="24"/>
-                                        </p:tgtEl>
-                                        <p:attrNameLst>
-                                          <p:attrName>style.visibility</p:attrName>
-                                        </p:attrNameLst>
-                                      </p:cBhvr>
-                                      <p:to>
-                                        <p:strVal val="visible"/>
-                                      </p:to>
-                                    </p:set>
-                                  </p:childTnLst>
-                                </p:cTn>
-                              </p:par>
-                            </p:childTnLst>
-                          </p:cTn>
-                        </p:par>
-                      </p:childTnLst>
-                    </p:cTn>
-                  </p:par>
                 </p:childTnLst>
               </p:cTn>
               <p:prevCondLst>
@@ -7383,34 +8067,6 @@
       </p:grpSpPr>
       <p:sp>
         <p:nvSpPr>
-          <p:cNvPr id="2" name="Title 1">
-            <a:extLst>
-              <a:ext uri="{FF2B5EF4-FFF2-40B4-BE49-F238E27FC236}">
-                <a16:creationId xmlns:a16="http://schemas.microsoft.com/office/drawing/2014/main" id="{BE58AE84-15A3-424F-918C-5140AAC3D8FC}"/>
-              </a:ext>
-            </a:extLst>
-          </p:cNvPr>
-          <p:cNvSpPr>
-            <a:spLocks noGrp="1"/>
-          </p:cNvSpPr>
-          <p:nvPr>
-            <p:ph type="title"/>
-          </p:nvPr>
-        </p:nvSpPr>
-        <p:spPr/>
-        <p:txBody>
-          <a:bodyPr/>
-          <a:lstStyle/>
-          <a:p>
-            <a:r>
-              <a:rPr lang="en-GB" noProof="0" dirty="0"/>
-              <a:t>Results</a:t>
-            </a:r>
-          </a:p>
-        </p:txBody>
-      </p:sp>
-      <p:sp>
-        <p:nvSpPr>
           <p:cNvPr id="4" name="Slide Number Placeholder 3">
             <a:extLst>
               <a:ext uri="{FF2B5EF4-FFF2-40B4-BE49-F238E27FC236}">
@@ -7543,41 +8199,46 @@
           </a:prstGeom>
         </p:spPr>
       </p:pic>
-      <p:pic>
-        <p:nvPicPr>
-          <p:cNvPr id="24" name="T=20">
-            <a:extLst>
-              <a:ext uri="{FF2B5EF4-FFF2-40B4-BE49-F238E27FC236}">
-                <a16:creationId xmlns:a16="http://schemas.microsoft.com/office/drawing/2014/main" id="{89227E96-5D83-4209-B43B-40B8ECAB4C1C}"/>
-              </a:ext>
-            </a:extLst>
-          </p:cNvPr>
-          <p:cNvPicPr>
-            <a:picLocks noChangeAspect="1"/>
-          </p:cNvPicPr>
-          <p:nvPr/>
-        </p:nvPicPr>
-        <p:blipFill>
-          <a:blip r:embed="rId6">
-            <a:extLst>
-              <a:ext uri="{28A0092B-C50C-407E-A947-70E740481C1C}">
-                <a14:useLocalDpi xmlns:a14="http://schemas.microsoft.com/office/drawing/2010/main" val="0"/>
-              </a:ext>
-            </a:extLst>
-          </a:blip>
-          <a:srcRect/>
-          <a:stretch/>
-        </p:blipFill>
-        <p:spPr>
-          <a:xfrm>
-            <a:off x="2720818" y="643550"/>
-            <a:ext cx="6750364" cy="5400291"/>
-          </a:xfrm>
-          <a:prstGeom prst="rect">
-            <a:avLst/>
-          </a:prstGeom>
-        </p:spPr>
-      </p:pic>
+      <p:sp>
+        <p:nvSpPr>
+          <p:cNvPr id="2" name="Title 1">
+            <a:extLst>
+              <a:ext uri="{FF2B5EF4-FFF2-40B4-BE49-F238E27FC236}">
+                <a16:creationId xmlns:a16="http://schemas.microsoft.com/office/drawing/2014/main" id="{BE58AE84-15A3-424F-918C-5140AAC3D8FC}"/>
+              </a:ext>
+            </a:extLst>
+          </p:cNvPr>
+          <p:cNvSpPr>
+            <a:spLocks noGrp="1"/>
+          </p:cNvSpPr>
+          <p:nvPr>
+            <p:ph type="title"/>
+          </p:nvPr>
+        </p:nvSpPr>
+        <p:spPr/>
+        <p:txBody>
+          <a:bodyPr/>
+          <a:lstStyle/>
+          <a:p>
+            <a:r>
+              <a:rPr lang="en-150" noProof="0" dirty="0"/>
+              <a:t>O</a:t>
+            </a:r>
+            <a:r>
+              <a:rPr lang="en-GB" noProof="0" dirty="0"/>
+              <a:t>l</a:t>
+            </a:r>
+            <a:r>
+              <a:rPr lang="en-150" noProof="0" dirty="0"/>
+              <a:t>d </a:t>
+            </a:r>
+            <a:r>
+              <a:rPr lang="en-GB" noProof="0" dirty="0"/>
+              <a:t>Results</a:t>
+            </a:r>
+          </a:p>
+        </p:txBody>
+      </p:sp>
     </p:spTree>
     <p:extLst>
       <p:ext uri="{BB962C8B-B14F-4D97-AF65-F5344CB8AC3E}">
@@ -7686,51 +8347,6 @@
                       </p:childTnLst>
                     </p:cTn>
                   </p:par>
-                  <p:par>
-                    <p:cTn id="11" fill="hold">
-                      <p:stCondLst>
-                        <p:cond delay="indefinite"/>
-                      </p:stCondLst>
-                      <p:childTnLst>
-                        <p:par>
-                          <p:cTn id="12" fill="hold">
-                            <p:stCondLst>
-                              <p:cond delay="0"/>
-                            </p:stCondLst>
-                            <p:childTnLst>
-                              <p:par>
-                                <p:cTn id="13" presetID="1" presetClass="entr" presetSubtype="0" fill="hold" nodeType="clickEffect">
-                                  <p:stCondLst>
-                                    <p:cond delay="0"/>
-                                  </p:stCondLst>
-                                  <p:childTnLst>
-                                    <p:set>
-                                      <p:cBhvr>
-                                        <p:cTn id="14" dur="1" fill="hold">
-                                          <p:stCondLst>
-                                            <p:cond delay="0"/>
-                                          </p:stCondLst>
-                                        </p:cTn>
-                                        <p:tgtEl>
-                                          <p:spTgt spid="24"/>
-                                        </p:tgtEl>
-                                        <p:attrNameLst>
-                                          <p:attrName>style.visibility</p:attrName>
-                                        </p:attrNameLst>
-                                      </p:cBhvr>
-                                      <p:to>
-                                        <p:strVal val="visible"/>
-                                      </p:to>
-                                    </p:set>
-                                  </p:childTnLst>
-                                </p:cTn>
-                              </p:par>
-                            </p:childTnLst>
-                          </p:cTn>
-                        </p:par>
-                      </p:childTnLst>
-                    </p:cTn>
-                  </p:par>
                 </p:childTnLst>
               </p:cTn>
               <p:prevCondLst>
@@ -7775,34 +8391,6 @@
       </p:grpSpPr>
       <p:sp>
         <p:nvSpPr>
-          <p:cNvPr id="2" name="Title 1">
-            <a:extLst>
-              <a:ext uri="{FF2B5EF4-FFF2-40B4-BE49-F238E27FC236}">
-                <a16:creationId xmlns:a16="http://schemas.microsoft.com/office/drawing/2014/main" id="{BE58AE84-15A3-424F-918C-5140AAC3D8FC}"/>
-              </a:ext>
-            </a:extLst>
-          </p:cNvPr>
-          <p:cNvSpPr>
-            <a:spLocks noGrp="1"/>
-          </p:cNvSpPr>
-          <p:nvPr>
-            <p:ph type="title"/>
-          </p:nvPr>
-        </p:nvSpPr>
-        <p:spPr/>
-        <p:txBody>
-          <a:bodyPr/>
-          <a:lstStyle/>
-          <a:p>
-            <a:r>
-              <a:rPr lang="en-GB" noProof="0" dirty="0"/>
-              <a:t>Results</a:t>
-            </a:r>
-          </a:p>
-        </p:txBody>
-      </p:sp>
-      <p:sp>
-        <p:nvSpPr>
           <p:cNvPr id="4" name="Slide Number Placeholder 3">
             <a:extLst>
               <a:ext uri="{FF2B5EF4-FFF2-40B4-BE49-F238E27FC236}">
@@ -7935,41 +8523,46 @@
           </a:prstGeom>
         </p:spPr>
       </p:pic>
-      <p:pic>
-        <p:nvPicPr>
-          <p:cNvPr id="24" name="T=20">
-            <a:extLst>
-              <a:ext uri="{FF2B5EF4-FFF2-40B4-BE49-F238E27FC236}">
-                <a16:creationId xmlns:a16="http://schemas.microsoft.com/office/drawing/2014/main" id="{89227E96-5D83-4209-B43B-40B8ECAB4C1C}"/>
-              </a:ext>
-            </a:extLst>
-          </p:cNvPr>
-          <p:cNvPicPr>
-            <a:picLocks noChangeAspect="1"/>
-          </p:cNvPicPr>
-          <p:nvPr/>
-        </p:nvPicPr>
-        <p:blipFill>
-          <a:blip r:embed="rId6">
-            <a:extLst>
-              <a:ext uri="{28A0092B-C50C-407E-A947-70E740481C1C}">
-                <a14:useLocalDpi xmlns:a14="http://schemas.microsoft.com/office/drawing/2010/main" val="0"/>
-              </a:ext>
-            </a:extLst>
-          </a:blip>
-          <a:srcRect/>
-          <a:stretch/>
-        </p:blipFill>
-        <p:spPr>
-          <a:xfrm>
-            <a:off x="2720818" y="643550"/>
-            <a:ext cx="6750363" cy="5400291"/>
-          </a:xfrm>
-          <a:prstGeom prst="rect">
-            <a:avLst/>
-          </a:prstGeom>
-        </p:spPr>
-      </p:pic>
+      <p:sp>
+        <p:nvSpPr>
+          <p:cNvPr id="2" name="Title 1">
+            <a:extLst>
+              <a:ext uri="{FF2B5EF4-FFF2-40B4-BE49-F238E27FC236}">
+                <a16:creationId xmlns:a16="http://schemas.microsoft.com/office/drawing/2014/main" id="{BE58AE84-15A3-424F-918C-5140AAC3D8FC}"/>
+              </a:ext>
+            </a:extLst>
+          </p:cNvPr>
+          <p:cNvSpPr>
+            <a:spLocks noGrp="1"/>
+          </p:cNvSpPr>
+          <p:nvPr>
+            <p:ph type="title"/>
+          </p:nvPr>
+        </p:nvSpPr>
+        <p:spPr/>
+        <p:txBody>
+          <a:bodyPr/>
+          <a:lstStyle/>
+          <a:p>
+            <a:r>
+              <a:rPr lang="en-150" noProof="0" dirty="0"/>
+              <a:t>O</a:t>
+            </a:r>
+            <a:r>
+              <a:rPr lang="en-GB" noProof="0" dirty="0"/>
+              <a:t>l</a:t>
+            </a:r>
+            <a:r>
+              <a:rPr lang="en-150" noProof="0" dirty="0"/>
+              <a:t>d </a:t>
+            </a:r>
+            <a:r>
+              <a:rPr lang="en-GB" noProof="0" dirty="0"/>
+              <a:t>Results</a:t>
+            </a:r>
+          </a:p>
+        </p:txBody>
+      </p:sp>
     </p:spTree>
     <p:extLst>
       <p:ext uri="{BB962C8B-B14F-4D97-AF65-F5344CB8AC3E}">
@@ -8078,6 +8671,318 @@
                       </p:childTnLst>
                     </p:cTn>
                   </p:par>
+                </p:childTnLst>
+              </p:cTn>
+              <p:prevCondLst>
+                <p:cond evt="onPrev" delay="0">
+                  <p:tgtEl>
+                    <p:sldTgt/>
+                  </p:tgtEl>
+                </p:cond>
+              </p:prevCondLst>
+              <p:nextCondLst>
+                <p:cond evt="onNext" delay="0">
+                  <p:tgtEl>
+                    <p:sldTgt/>
+                  </p:tgtEl>
+                </p:cond>
+              </p:nextCondLst>
+            </p:seq>
+          </p:childTnLst>
+        </p:cTn>
+      </p:par>
+    </p:tnLst>
+  </p:timing>
+</p:sld>
+</file>
+
+<file path=ppt/slides/slide7.xml><?xml version="1.0" encoding="utf-8"?>
+<p:sld xmlns:a="http://schemas.openxmlformats.org/drawingml/2006/main" xmlns:r="http://schemas.openxmlformats.org/officeDocument/2006/relationships" xmlns:p="http://schemas.openxmlformats.org/presentationml/2006/main">
+  <p:cSld>
+    <p:spTree>
+      <p:nvGrpSpPr>
+        <p:cNvPr id="1" name=""/>
+        <p:cNvGrpSpPr/>
+        <p:nvPr/>
+      </p:nvGrpSpPr>
+      <p:grpSpPr>
+        <a:xfrm>
+          <a:off x="0" y="0"/>
+          <a:ext cx="0" cy="0"/>
+          <a:chOff x="0" y="0"/>
+          <a:chExt cx="0" cy="0"/>
+        </a:xfrm>
+      </p:grpSpPr>
+      <p:sp>
+        <p:nvSpPr>
+          <p:cNvPr id="4" name="Slide Number Placeholder 3">
+            <a:extLst>
+              <a:ext uri="{FF2B5EF4-FFF2-40B4-BE49-F238E27FC236}">
+                <a16:creationId xmlns:a16="http://schemas.microsoft.com/office/drawing/2014/main" id="{E4CAF3CB-DEF0-4E61-A57F-0E095F5BEB96}"/>
+              </a:ext>
+            </a:extLst>
+          </p:cNvPr>
+          <p:cNvSpPr>
+            <a:spLocks noGrp="1"/>
+          </p:cNvSpPr>
+          <p:nvPr>
+            <p:ph type="sldNum" sz="quarter" idx="12"/>
+          </p:nvPr>
+        </p:nvSpPr>
+        <p:spPr/>
+        <p:txBody>
+          <a:bodyPr/>
+          <a:lstStyle/>
+          <a:p>
+            <a:fld id="{6565F0C3-D9E9-4961-A3A4-87F2116D4289}" type="slidenum">
+              <a:rPr lang="en-GB" smtClean="0"/>
+              <a:t>7</a:t>
+            </a:fld>
+            <a:endParaRPr lang="en-GB" dirty="0"/>
+          </a:p>
+        </p:txBody>
+      </p:sp>
+      <p:pic>
+        <p:nvPicPr>
+          <p:cNvPr id="20" name="T=5">
+            <a:extLst>
+              <a:ext uri="{FF2B5EF4-FFF2-40B4-BE49-F238E27FC236}">
+                <a16:creationId xmlns:a16="http://schemas.microsoft.com/office/drawing/2014/main" id="{143C3407-4399-4669-B151-69F408F92191}"/>
+              </a:ext>
+            </a:extLst>
+          </p:cNvPr>
+          <p:cNvPicPr>
+            <a:picLocks noChangeAspect="1"/>
+          </p:cNvPicPr>
+          <p:nvPr/>
+        </p:nvPicPr>
+        <p:blipFill>
+          <a:blip r:embed="rId3">
+            <a:extLst>
+              <a:ext uri="{28A0092B-C50C-407E-A947-70E740481C1C}">
+                <a14:useLocalDpi xmlns:a14="http://schemas.microsoft.com/office/drawing/2010/main" val="0"/>
+              </a:ext>
+            </a:extLst>
+          </a:blip>
+          <a:srcRect/>
+          <a:stretch/>
+        </p:blipFill>
+        <p:spPr>
+          <a:xfrm>
+            <a:off x="2720818" y="643550"/>
+            <a:ext cx="6750363" cy="5400290"/>
+          </a:xfrm>
+          <a:prstGeom prst="rect">
+            <a:avLst/>
+          </a:prstGeom>
+        </p:spPr>
+      </p:pic>
+      <p:pic>
+        <p:nvPicPr>
+          <p:cNvPr id="22" name="T=10">
+            <a:extLst>
+              <a:ext uri="{FF2B5EF4-FFF2-40B4-BE49-F238E27FC236}">
+                <a16:creationId xmlns:a16="http://schemas.microsoft.com/office/drawing/2014/main" id="{6E051251-16EC-4822-B203-23CB416FA6E9}"/>
+              </a:ext>
+            </a:extLst>
+          </p:cNvPr>
+          <p:cNvPicPr>
+            <a:picLocks noChangeAspect="1"/>
+          </p:cNvPicPr>
+          <p:nvPr/>
+        </p:nvPicPr>
+        <p:blipFill>
+          <a:blip r:embed="rId4">
+            <a:extLst>
+              <a:ext uri="{28A0092B-C50C-407E-A947-70E740481C1C}">
+                <a14:useLocalDpi xmlns:a14="http://schemas.microsoft.com/office/drawing/2010/main" val="0"/>
+              </a:ext>
+            </a:extLst>
+          </a:blip>
+          <a:srcRect/>
+          <a:stretch/>
+        </p:blipFill>
+        <p:spPr>
+          <a:xfrm>
+            <a:off x="2720818" y="643550"/>
+            <a:ext cx="6750363" cy="5400290"/>
+          </a:xfrm>
+          <a:prstGeom prst="rect">
+            <a:avLst/>
+          </a:prstGeom>
+        </p:spPr>
+      </p:pic>
+      <p:pic>
+        <p:nvPicPr>
+          <p:cNvPr id="7" name="T=15">
+            <a:extLst>
+              <a:ext uri="{FF2B5EF4-FFF2-40B4-BE49-F238E27FC236}">
+                <a16:creationId xmlns:a16="http://schemas.microsoft.com/office/drawing/2014/main" id="{41F7FA43-A3FB-48E1-A1D9-436FB6328C73}"/>
+              </a:ext>
+            </a:extLst>
+          </p:cNvPr>
+          <p:cNvPicPr>
+            <a:picLocks noChangeAspect="1"/>
+          </p:cNvPicPr>
+          <p:nvPr/>
+        </p:nvPicPr>
+        <p:blipFill>
+          <a:blip r:embed="rId5">
+            <a:extLst>
+              <a:ext uri="{28A0092B-C50C-407E-A947-70E740481C1C}">
+                <a14:useLocalDpi xmlns:a14="http://schemas.microsoft.com/office/drawing/2010/main" val="0"/>
+              </a:ext>
+            </a:extLst>
+          </a:blip>
+          <a:srcRect/>
+          <a:stretch/>
+        </p:blipFill>
+        <p:spPr>
+          <a:xfrm>
+            <a:off x="2720819" y="643549"/>
+            <a:ext cx="6750362" cy="5400290"/>
+          </a:xfrm>
+          <a:prstGeom prst="rect">
+            <a:avLst/>
+          </a:prstGeom>
+        </p:spPr>
+      </p:pic>
+      <p:sp>
+        <p:nvSpPr>
+          <p:cNvPr id="2" name="Title 1">
+            <a:extLst>
+              <a:ext uri="{FF2B5EF4-FFF2-40B4-BE49-F238E27FC236}">
+                <a16:creationId xmlns:a16="http://schemas.microsoft.com/office/drawing/2014/main" id="{BE58AE84-15A3-424F-918C-5140AAC3D8FC}"/>
+              </a:ext>
+            </a:extLst>
+          </p:cNvPr>
+          <p:cNvSpPr>
+            <a:spLocks noGrp="1"/>
+          </p:cNvSpPr>
+          <p:nvPr>
+            <p:ph type="title"/>
+          </p:nvPr>
+        </p:nvSpPr>
+        <p:spPr/>
+        <p:txBody>
+          <a:bodyPr/>
+          <a:lstStyle/>
+          <a:p>
+            <a:r>
+              <a:rPr lang="en-GB" noProof="0" dirty="0"/>
+              <a:t>Results</a:t>
+            </a:r>
+          </a:p>
+        </p:txBody>
+      </p:sp>
+    </p:spTree>
+    <p:extLst>
+      <p:ext uri="{BB962C8B-B14F-4D97-AF65-F5344CB8AC3E}">
+        <p14:creationId xmlns:p14="http://schemas.microsoft.com/office/powerpoint/2010/main" val="1499647241"/>
+      </p:ext>
+    </p:extLst>
+  </p:cSld>
+  <p:clrMapOvr>
+    <a:masterClrMapping/>
+  </p:clrMapOvr>
+  <p:timing>
+    <p:tnLst>
+      <p:par>
+        <p:cTn id="1" dur="indefinite" restart="never" nodeType="tmRoot">
+          <p:childTnLst>
+            <p:seq concurrent="1" nextAc="seek">
+              <p:cTn id="2" dur="indefinite" nodeType="mainSeq">
+                <p:childTnLst>
+                  <p:par>
+                    <p:cTn id="3" fill="hold">
+                      <p:stCondLst>
+                        <p:cond delay="indefinite"/>
+                      </p:stCondLst>
+                      <p:childTnLst>
+                        <p:par>
+                          <p:cTn id="4" fill="hold">
+                            <p:stCondLst>
+                              <p:cond delay="0"/>
+                            </p:stCondLst>
+                            <p:childTnLst>
+                              <p:par>
+                                <p:cTn id="5" presetID="1" presetClass="entr" presetSubtype="0" fill="hold" nodeType="clickEffect">
+                                  <p:stCondLst>
+                                    <p:cond delay="0"/>
+                                  </p:stCondLst>
+                                  <p:childTnLst>
+                                    <p:set>
+                                      <p:cBhvr>
+                                        <p:cTn id="6" dur="1" fill="hold">
+                                          <p:stCondLst>
+                                            <p:cond delay="0"/>
+                                          </p:stCondLst>
+                                        </p:cTn>
+                                        <p:tgtEl>
+                                          <p:spTgt spid="20"/>
+                                        </p:tgtEl>
+                                        <p:attrNameLst>
+                                          <p:attrName>style.visibility</p:attrName>
+                                        </p:attrNameLst>
+                                      </p:cBhvr>
+                                      <p:to>
+                                        <p:strVal val="visible"/>
+                                      </p:to>
+                                    </p:set>
+                                  </p:childTnLst>
+                                </p:cTn>
+                              </p:par>
+                            </p:childTnLst>
+                          </p:cTn>
+                        </p:par>
+                      </p:childTnLst>
+                    </p:cTn>
+                  </p:par>
+                  <p:par>
+                    <p:cTn id="7" fill="hold">
+                      <p:stCondLst>
+                        <p:cond delay="indefinite"/>
+                      </p:stCondLst>
+                      <p:childTnLst>
+                        <p:par>
+                          <p:cTn id="8" fill="hold">
+                            <p:stCondLst>
+                              <p:cond delay="0"/>
+                            </p:stCondLst>
+                            <p:childTnLst>
+                              <p:par>
+                                <p:cTn id="9" presetID="1" presetClass="entr" presetSubtype="0" fill="hold" nodeType="clickEffect">
+                                  <p:stCondLst>
+                                    <p:cond delay="0"/>
+                                  </p:stCondLst>
+                                  <p:childTnLst>
+                                    <p:set>
+                                      <p:cBhvr>
+                                        <p:cTn id="10" dur="1" fill="hold">
+                                          <p:stCondLst>
+                                            <p:cond delay="0"/>
+                                          </p:stCondLst>
+                                        </p:cTn>
+                                        <p:tgtEl>
+                                          <p:spTgt spid="22"/>
+                                        </p:tgtEl>
+                                        <p:attrNameLst>
+                                          <p:attrName>style.visibility</p:attrName>
+                                        </p:attrNameLst>
+                                      </p:cBhvr>
+                                      <p:to>
+                                        <p:strVal val="visible"/>
+                                      </p:to>
+                                    </p:set>
+                                  </p:childTnLst>
+                                </p:cTn>
+                              </p:par>
+                            </p:childTnLst>
+                          </p:cTn>
+                        </p:par>
+                      </p:childTnLst>
+                    </p:cTn>
+                  </p:par>
                   <p:par>
                     <p:cTn id="11" fill="hold">
                       <p:stCondLst>
@@ -8104,7 +9009,7 @@
                                           </p:stCondLst>
                                         </p:cTn>
                                         <p:tgtEl>
-                                          <p:spTgt spid="24"/>
+                                          <p:spTgt spid="7"/>
                                         </p:tgtEl>
                                         <p:attrNameLst>
                                           <p:attrName>style.visibility</p:attrName>
@@ -8148,7 +9053,7 @@
 </p:sld>
 </file>
 
-<file path=ppt/slides/slide7.xml><?xml version="1.0" encoding="utf-8"?>
+<file path=ppt/slides/slide8.xml><?xml version="1.0" encoding="utf-8"?>
 <p:sld xmlns:a="http://schemas.openxmlformats.org/drawingml/2006/main" xmlns:r="http://schemas.openxmlformats.org/officeDocument/2006/relationships" xmlns:p="http://schemas.openxmlformats.org/presentationml/2006/main">
   <p:cSld>
     <p:spTree>
@@ -8167,18 +9072,18 @@
       </p:grpSpPr>
       <p:sp>
         <p:nvSpPr>
-          <p:cNvPr id="2" name="Title 1">
-            <a:extLst>
-              <a:ext uri="{FF2B5EF4-FFF2-40B4-BE49-F238E27FC236}">
-                <a16:creationId xmlns:a16="http://schemas.microsoft.com/office/drawing/2014/main" id="{4D710711-00ED-4619-804C-698D6CD50837}"/>
-              </a:ext>
-            </a:extLst>
-          </p:cNvPr>
-          <p:cNvSpPr>
-            <a:spLocks noGrp="1"/>
-          </p:cNvSpPr>
-          <p:nvPr>
-            <p:ph type="title"/>
+          <p:cNvPr id="4" name="Slide Number Placeholder 3">
+            <a:extLst>
+              <a:ext uri="{FF2B5EF4-FFF2-40B4-BE49-F238E27FC236}">
+                <a16:creationId xmlns:a16="http://schemas.microsoft.com/office/drawing/2014/main" id="{E4CAF3CB-DEF0-4E61-A57F-0E095F5BEB96}"/>
+              </a:ext>
+            </a:extLst>
+          </p:cNvPr>
+          <p:cNvSpPr>
+            <a:spLocks noGrp="1"/>
+          </p:cNvSpPr>
+          <p:nvPr>
+            <p:ph type="sldNum" sz="quarter" idx="12"/>
           </p:nvPr>
         </p:nvSpPr>
         <p:spPr/>
@@ -8186,68 +9091,133 @@
           <a:bodyPr/>
           <a:lstStyle/>
           <a:p>
-            <a:r>
-              <a:rPr lang="en-150" dirty="0"/>
-              <a:t>W</a:t>
-            </a:r>
-            <a:r>
-              <a:rPr lang="en-GB" dirty="0"/>
-              <a:t>h</a:t>
-            </a:r>
-            <a:r>
-              <a:rPr lang="en-150" dirty="0"/>
-              <a:t>a</a:t>
-            </a:r>
-            <a:r>
-              <a:rPr lang="en-GB" dirty="0"/>
-              <a:t>t</a:t>
-            </a:r>
-            <a:r>
-              <a:rPr lang="en-150" dirty="0"/>
-              <a:t>’</a:t>
-            </a:r>
-            <a:r>
-              <a:rPr lang="en-GB" dirty="0"/>
-              <a:t>s</a:t>
-            </a:r>
-            <a:r>
-              <a:rPr lang="en-150" dirty="0"/>
-              <a:t> </a:t>
-            </a:r>
-            <a:r>
-              <a:rPr lang="en-GB" dirty="0"/>
-              <a:t>n</a:t>
-            </a:r>
-            <a:r>
-              <a:rPr lang="en-150" dirty="0"/>
-              <a:t>e</a:t>
-            </a:r>
-            <a:r>
-              <a:rPr lang="en-GB" dirty="0"/>
-              <a:t>x</a:t>
-            </a:r>
-            <a:r>
-              <a:rPr lang="en-150" dirty="0"/>
-              <a:t>t?</a:t>
-            </a:r>
+            <a:fld id="{6565F0C3-D9E9-4961-A3A4-87F2116D4289}" type="slidenum">
+              <a:rPr lang="en-GB" smtClean="0"/>
+              <a:t>8</a:t>
+            </a:fld>
             <a:endParaRPr lang="en-GB" dirty="0"/>
           </a:p>
         </p:txBody>
       </p:sp>
-      <p:sp>
-        <p:nvSpPr>
-          <p:cNvPr id="3" name="Content Placeholder 2">
-            <a:extLst>
-              <a:ext uri="{FF2B5EF4-FFF2-40B4-BE49-F238E27FC236}">
-                <a16:creationId xmlns:a16="http://schemas.microsoft.com/office/drawing/2014/main" id="{304716DE-164B-4BAB-AFBA-3B692E8AAEFE}"/>
-              </a:ext>
-            </a:extLst>
-          </p:cNvPr>
-          <p:cNvSpPr>
-            <a:spLocks noGrp="1"/>
-          </p:cNvSpPr>
-          <p:nvPr>
-            <p:ph idx="1"/>
+      <p:pic>
+        <p:nvPicPr>
+          <p:cNvPr id="20" name="T=5">
+            <a:extLst>
+              <a:ext uri="{FF2B5EF4-FFF2-40B4-BE49-F238E27FC236}">
+                <a16:creationId xmlns:a16="http://schemas.microsoft.com/office/drawing/2014/main" id="{143C3407-4399-4669-B151-69F408F92191}"/>
+              </a:ext>
+            </a:extLst>
+          </p:cNvPr>
+          <p:cNvPicPr>
+            <a:picLocks noChangeAspect="1"/>
+          </p:cNvPicPr>
+          <p:nvPr/>
+        </p:nvPicPr>
+        <p:blipFill>
+          <a:blip r:embed="rId3">
+            <a:extLst>
+              <a:ext uri="{28A0092B-C50C-407E-A947-70E740481C1C}">
+                <a14:useLocalDpi xmlns:a14="http://schemas.microsoft.com/office/drawing/2010/main" val="0"/>
+              </a:ext>
+            </a:extLst>
+          </a:blip>
+          <a:srcRect/>
+          <a:stretch/>
+        </p:blipFill>
+        <p:spPr>
+          <a:xfrm>
+            <a:off x="2720818" y="643550"/>
+            <a:ext cx="6750363" cy="5400291"/>
+          </a:xfrm>
+          <a:prstGeom prst="rect">
+            <a:avLst/>
+          </a:prstGeom>
+        </p:spPr>
+      </p:pic>
+      <p:pic>
+        <p:nvPicPr>
+          <p:cNvPr id="22" name="T=10">
+            <a:extLst>
+              <a:ext uri="{FF2B5EF4-FFF2-40B4-BE49-F238E27FC236}">
+                <a16:creationId xmlns:a16="http://schemas.microsoft.com/office/drawing/2014/main" id="{6E051251-16EC-4822-B203-23CB416FA6E9}"/>
+              </a:ext>
+            </a:extLst>
+          </p:cNvPr>
+          <p:cNvPicPr>
+            <a:picLocks noChangeAspect="1"/>
+          </p:cNvPicPr>
+          <p:nvPr/>
+        </p:nvPicPr>
+        <p:blipFill>
+          <a:blip r:embed="rId4">
+            <a:extLst>
+              <a:ext uri="{28A0092B-C50C-407E-A947-70E740481C1C}">
+                <a14:useLocalDpi xmlns:a14="http://schemas.microsoft.com/office/drawing/2010/main" val="0"/>
+              </a:ext>
+            </a:extLst>
+          </a:blip>
+          <a:srcRect/>
+          <a:stretch/>
+        </p:blipFill>
+        <p:spPr>
+          <a:xfrm>
+            <a:off x="2720818" y="643550"/>
+            <a:ext cx="6750363" cy="5400291"/>
+          </a:xfrm>
+          <a:prstGeom prst="rect">
+            <a:avLst/>
+          </a:prstGeom>
+        </p:spPr>
+      </p:pic>
+      <p:pic>
+        <p:nvPicPr>
+          <p:cNvPr id="7" name="T=15">
+            <a:extLst>
+              <a:ext uri="{FF2B5EF4-FFF2-40B4-BE49-F238E27FC236}">
+                <a16:creationId xmlns:a16="http://schemas.microsoft.com/office/drawing/2014/main" id="{41F7FA43-A3FB-48E1-A1D9-436FB6328C73}"/>
+              </a:ext>
+            </a:extLst>
+          </p:cNvPr>
+          <p:cNvPicPr>
+            <a:picLocks noChangeAspect="1"/>
+          </p:cNvPicPr>
+          <p:nvPr/>
+        </p:nvPicPr>
+        <p:blipFill>
+          <a:blip r:embed="rId5">
+            <a:extLst>
+              <a:ext uri="{28A0092B-C50C-407E-A947-70E740481C1C}">
+                <a14:useLocalDpi xmlns:a14="http://schemas.microsoft.com/office/drawing/2010/main" val="0"/>
+              </a:ext>
+            </a:extLst>
+          </a:blip>
+          <a:srcRect/>
+          <a:stretch/>
+        </p:blipFill>
+        <p:spPr>
+          <a:xfrm>
+            <a:off x="2720819" y="643549"/>
+            <a:ext cx="6750363" cy="5400290"/>
+          </a:xfrm>
+          <a:prstGeom prst="rect">
+            <a:avLst/>
+          </a:prstGeom>
+        </p:spPr>
+      </p:pic>
+      <p:sp>
+        <p:nvSpPr>
+          <p:cNvPr id="2" name="Title 1">
+            <a:extLst>
+              <a:ext uri="{FF2B5EF4-FFF2-40B4-BE49-F238E27FC236}">
+                <a16:creationId xmlns:a16="http://schemas.microsoft.com/office/drawing/2014/main" id="{BE58AE84-15A3-424F-918C-5140AAC3D8FC}"/>
+              </a:ext>
+            </a:extLst>
+          </p:cNvPr>
+          <p:cNvSpPr>
+            <a:spLocks noGrp="1"/>
+          </p:cNvSpPr>
+          <p:nvPr>
+            <p:ph type="title"/>
           </p:nvPr>
         </p:nvSpPr>
         <p:spPr/>
@@ -8256,295 +9226,454 @@
           <a:lstStyle/>
           <a:p>
             <a:r>
-              <a:rPr lang="en-150" dirty="0"/>
-              <a:t>I</a:t>
-            </a:r>
-            <a:r>
-              <a:rPr lang="en-GB" dirty="0"/>
-              <a:t>m</a:t>
-            </a:r>
-            <a:r>
-              <a:rPr lang="en-150" dirty="0"/>
-              <a:t>p</a:t>
-            </a:r>
-            <a:r>
-              <a:rPr lang="en-GB" dirty="0"/>
-              <a:t>r</a:t>
-            </a:r>
-            <a:r>
-              <a:rPr lang="en-150" dirty="0"/>
-              <a:t>o</a:t>
-            </a:r>
-            <a:r>
-              <a:rPr lang="en-GB" dirty="0"/>
-              <a:t>v</a:t>
-            </a:r>
-            <a:r>
-              <a:rPr lang="en-150" dirty="0"/>
-              <a:t>e </a:t>
-            </a:r>
-            <a:r>
-              <a:rPr lang="en-GB" dirty="0"/>
-              <a:t>t</a:t>
-            </a:r>
-            <a:r>
-              <a:rPr lang="en-150" dirty="0"/>
-              <a:t>a</a:t>
-            </a:r>
-            <a:r>
-              <a:rPr lang="en-GB" dirty="0"/>
-              <a:t>s</a:t>
-            </a:r>
-            <a:r>
-              <a:rPr lang="en-150" dirty="0"/>
-              <a:t>k</a:t>
-            </a:r>
-            <a:r>
-              <a:rPr lang="en-GB" dirty="0"/>
-              <a:t>s</a:t>
-            </a:r>
-            <a:r>
-              <a:rPr lang="en-150" dirty="0"/>
-              <a:t>e</a:t>
-            </a:r>
-            <a:r>
-              <a:rPr lang="en-GB" dirty="0"/>
-              <a:t>t</a:t>
-            </a:r>
-            <a:r>
-              <a:rPr lang="en-150" dirty="0"/>
-              <a:t>s </a:t>
-            </a:r>
-            <a:r>
-              <a:rPr lang="en-GB" dirty="0"/>
-              <a:t>g</a:t>
-            </a:r>
-            <a:r>
-              <a:rPr lang="en-150" dirty="0"/>
-              <a:t>e</a:t>
-            </a:r>
-            <a:r>
-              <a:rPr lang="en-GB" dirty="0"/>
-              <a:t>n</a:t>
-            </a:r>
-            <a:r>
-              <a:rPr lang="en-150" dirty="0"/>
-              <a:t>e</a:t>
-            </a:r>
-            <a:r>
-              <a:rPr lang="en-GB" dirty="0"/>
-              <a:t>r</a:t>
-            </a:r>
-            <a:r>
-              <a:rPr lang="en-150" dirty="0"/>
-              <a:t>a</a:t>
-            </a:r>
-            <a:r>
-              <a:rPr lang="en-GB" dirty="0"/>
-              <a:t>t</a:t>
-            </a:r>
-            <a:r>
-              <a:rPr lang="en-150" dirty="0"/>
-              <a:t>i</a:t>
-            </a:r>
-            <a:r>
-              <a:rPr lang="en-GB" dirty="0"/>
-              <a:t>o</a:t>
-            </a:r>
-            <a:r>
-              <a:rPr lang="en-150" dirty="0"/>
-              <a:t>n</a:t>
-            </a:r>
-          </a:p>
-          <a:p>
-            <a:pPr lvl="1"/>
-            <a:r>
-              <a:rPr lang="en-150" dirty="0"/>
-              <a:t>The minimum number of cores should be determined by the utilization of the task</a:t>
-            </a:r>
-          </a:p>
-          <a:p>
-            <a:r>
-              <a:rPr lang="en-150" dirty="0"/>
-              <a:t>Find a </a:t>
-            </a:r>
-            <a:r>
-              <a:rPr lang="en-GB" dirty="0"/>
-              <a:t>w</a:t>
-            </a:r>
-            <a:r>
-              <a:rPr lang="en-150" dirty="0"/>
-              <a:t>a</a:t>
-            </a:r>
-            <a:r>
-              <a:rPr lang="en-GB" dirty="0"/>
-              <a:t>y</a:t>
-            </a:r>
-            <a:r>
-              <a:rPr lang="en-150" dirty="0"/>
-              <a:t> </a:t>
-            </a:r>
-            <a:r>
-              <a:rPr lang="en-GB" dirty="0"/>
-              <a:t>t</a:t>
-            </a:r>
-            <a:r>
-              <a:rPr lang="en-150" dirty="0"/>
-              <a:t>o </a:t>
-            </a:r>
-            <a:r>
-              <a:rPr lang="en-GB" dirty="0"/>
-              <a:t>i</a:t>
-            </a:r>
-            <a:r>
-              <a:rPr lang="en-150" dirty="0"/>
-              <a:t>n</a:t>
-            </a:r>
-            <a:r>
-              <a:rPr lang="en-GB" dirty="0"/>
-              <a:t>c</a:t>
-            </a:r>
-            <a:r>
-              <a:rPr lang="en-150" dirty="0"/>
-              <a:t>r</a:t>
-            </a:r>
-            <a:r>
-              <a:rPr lang="en-GB" dirty="0"/>
-              <a:t>e</a:t>
-            </a:r>
-            <a:r>
-              <a:rPr lang="en-150" dirty="0"/>
-              <a:t>a</a:t>
-            </a:r>
-            <a:r>
-              <a:rPr lang="en-GB" dirty="0"/>
-              <a:t>s</a:t>
-            </a:r>
-            <a:r>
-              <a:rPr lang="en-150" dirty="0"/>
-              <a:t>e </a:t>
-            </a:r>
-            <a:r>
-              <a:rPr lang="en-GB" dirty="0"/>
-              <a:t>s</a:t>
-            </a:r>
-            <a:r>
-              <a:rPr lang="en-150" dirty="0"/>
-              <a:t>c</a:t>
-            </a:r>
-            <a:r>
-              <a:rPr lang="en-GB" dirty="0"/>
-              <a:t>h</a:t>
-            </a:r>
-            <a:r>
-              <a:rPr lang="en-150" dirty="0"/>
-              <a:t>e</a:t>
-            </a:r>
-            <a:r>
-              <a:rPr lang="en-GB" dirty="0"/>
-              <a:t>d</a:t>
-            </a:r>
-            <a:r>
-              <a:rPr lang="en-150" dirty="0"/>
-              <a:t>u</a:t>
-            </a:r>
-            <a:r>
-              <a:rPr lang="en-GB" dirty="0"/>
-              <a:t>l</a:t>
-            </a:r>
-            <a:r>
-              <a:rPr lang="en-150" dirty="0"/>
-              <a:t>a</a:t>
-            </a:r>
-            <a:r>
-              <a:rPr lang="en-GB" dirty="0"/>
-              <a:t>b</a:t>
-            </a:r>
-            <a:r>
-              <a:rPr lang="en-150" dirty="0"/>
-              <a:t>i</a:t>
-            </a:r>
-            <a:r>
-              <a:rPr lang="en-GB" dirty="0"/>
-              <a:t>l</a:t>
-            </a:r>
-            <a:r>
-              <a:rPr lang="en-150" dirty="0"/>
-              <a:t>i</a:t>
-            </a:r>
-            <a:r>
-              <a:rPr lang="en-GB" dirty="0"/>
-              <a:t>t</a:t>
-            </a:r>
-            <a:r>
-              <a:rPr lang="en-150" dirty="0"/>
-              <a:t>y</a:t>
-            </a:r>
-          </a:p>
-          <a:p>
-            <a:r>
-              <a:rPr lang="en-150" dirty="0"/>
-              <a:t>Find a way to </a:t>
-            </a:r>
-            <a:r>
-              <a:rPr lang="en-GB" dirty="0"/>
-              <a:t>analyse</a:t>
-            </a:r>
-            <a:r>
-              <a:rPr lang="en-150" dirty="0"/>
-              <a:t> non-</a:t>
-            </a:r>
-            <a:r>
-              <a:rPr lang="en-GB" dirty="0"/>
-              <a:t>schedulable</a:t>
-            </a:r>
-            <a:r>
-              <a:rPr lang="en-150" dirty="0"/>
-              <a:t> tasksets</a:t>
-            </a:r>
-            <a:endParaRPr lang="en-GB" dirty="0"/>
-          </a:p>
-        </p:txBody>
-      </p:sp>
-      <p:sp>
-        <p:nvSpPr>
-          <p:cNvPr id="4" name="Slide Number Placeholder 3">
-            <a:extLst>
-              <a:ext uri="{FF2B5EF4-FFF2-40B4-BE49-F238E27FC236}">
-                <a16:creationId xmlns:a16="http://schemas.microsoft.com/office/drawing/2014/main" id="{FBB37F32-57EE-4C33-8352-83591BFEB4A3}"/>
-              </a:ext>
-            </a:extLst>
-          </p:cNvPr>
-          <p:cNvSpPr>
-            <a:spLocks noGrp="1"/>
-          </p:cNvSpPr>
-          <p:nvPr>
-            <p:ph type="sldNum" sz="quarter" idx="12"/>
-          </p:nvPr>
-        </p:nvSpPr>
-        <p:spPr/>
-        <p:txBody>
-          <a:bodyPr/>
-          <a:lstStyle/>
-          <a:p>
-            <a:fld id="{6565F0C3-D9E9-4961-A3A4-87F2116D4289}" type="slidenum">
-              <a:rPr lang="en-GB" smtClean="0"/>
-              <a:t>7</a:t>
-            </a:fld>
-            <a:endParaRPr lang="en-GB" dirty="0"/>
+              <a:rPr lang="en-GB" noProof="0" dirty="0"/>
+              <a:t>Results</a:t>
+            </a:r>
           </a:p>
         </p:txBody>
       </p:sp>
     </p:spTree>
     <p:extLst>
       <p:ext uri="{BB962C8B-B14F-4D97-AF65-F5344CB8AC3E}">
-        <p14:creationId xmlns:p14="http://schemas.microsoft.com/office/powerpoint/2010/main" val="1466893026"/>
+        <p14:creationId xmlns:p14="http://schemas.microsoft.com/office/powerpoint/2010/main" val="1574872275"/>
       </p:ext>
     </p:extLst>
   </p:cSld>
   <p:clrMapOvr>
     <a:masterClrMapping/>
   </p:clrMapOvr>
+  <p:timing>
+    <p:tnLst>
+      <p:par>
+        <p:cTn id="1" dur="indefinite" restart="never" nodeType="tmRoot">
+          <p:childTnLst>
+            <p:seq concurrent="1" nextAc="seek">
+              <p:cTn id="2" dur="indefinite" nodeType="mainSeq">
+                <p:childTnLst>
+                  <p:par>
+                    <p:cTn id="3" fill="hold">
+                      <p:stCondLst>
+                        <p:cond delay="indefinite"/>
+                      </p:stCondLst>
+                      <p:childTnLst>
+                        <p:par>
+                          <p:cTn id="4" fill="hold">
+                            <p:stCondLst>
+                              <p:cond delay="0"/>
+                            </p:stCondLst>
+                            <p:childTnLst>
+                              <p:par>
+                                <p:cTn id="5" presetID="1" presetClass="entr" presetSubtype="0" fill="hold" nodeType="clickEffect">
+                                  <p:stCondLst>
+                                    <p:cond delay="0"/>
+                                  </p:stCondLst>
+                                  <p:childTnLst>
+                                    <p:set>
+                                      <p:cBhvr>
+                                        <p:cTn id="6" dur="1" fill="hold">
+                                          <p:stCondLst>
+                                            <p:cond delay="0"/>
+                                          </p:stCondLst>
+                                        </p:cTn>
+                                        <p:tgtEl>
+                                          <p:spTgt spid="22"/>
+                                        </p:tgtEl>
+                                        <p:attrNameLst>
+                                          <p:attrName>style.visibility</p:attrName>
+                                        </p:attrNameLst>
+                                      </p:cBhvr>
+                                      <p:to>
+                                        <p:strVal val="visible"/>
+                                      </p:to>
+                                    </p:set>
+                                  </p:childTnLst>
+                                </p:cTn>
+                              </p:par>
+                            </p:childTnLst>
+                          </p:cTn>
+                        </p:par>
+                      </p:childTnLst>
+                    </p:cTn>
+                  </p:par>
+                  <p:par>
+                    <p:cTn id="7" fill="hold">
+                      <p:stCondLst>
+                        <p:cond delay="indefinite"/>
+                      </p:stCondLst>
+                      <p:childTnLst>
+                        <p:par>
+                          <p:cTn id="8" fill="hold">
+                            <p:stCondLst>
+                              <p:cond delay="0"/>
+                            </p:stCondLst>
+                            <p:childTnLst>
+                              <p:par>
+                                <p:cTn id="9" presetID="1" presetClass="entr" presetSubtype="0" fill="hold" nodeType="clickEffect">
+                                  <p:stCondLst>
+                                    <p:cond delay="0"/>
+                                  </p:stCondLst>
+                                  <p:childTnLst>
+                                    <p:set>
+                                      <p:cBhvr>
+                                        <p:cTn id="10" dur="1" fill="hold">
+                                          <p:stCondLst>
+                                            <p:cond delay="0"/>
+                                          </p:stCondLst>
+                                        </p:cTn>
+                                        <p:tgtEl>
+                                          <p:spTgt spid="7"/>
+                                        </p:tgtEl>
+                                        <p:attrNameLst>
+                                          <p:attrName>style.visibility</p:attrName>
+                                        </p:attrNameLst>
+                                      </p:cBhvr>
+                                      <p:to>
+                                        <p:strVal val="visible"/>
+                                      </p:to>
+                                    </p:set>
+                                  </p:childTnLst>
+                                </p:cTn>
+                              </p:par>
+                            </p:childTnLst>
+                          </p:cTn>
+                        </p:par>
+                      </p:childTnLst>
+                    </p:cTn>
+                  </p:par>
+                </p:childTnLst>
+              </p:cTn>
+              <p:prevCondLst>
+                <p:cond evt="onPrev" delay="0">
+                  <p:tgtEl>
+                    <p:sldTgt/>
+                  </p:tgtEl>
+                </p:cond>
+              </p:prevCondLst>
+              <p:nextCondLst>
+                <p:cond evt="onNext" delay="0">
+                  <p:tgtEl>
+                    <p:sldTgt/>
+                  </p:tgtEl>
+                </p:cond>
+              </p:nextCondLst>
+            </p:seq>
+          </p:childTnLst>
+        </p:cTn>
+      </p:par>
+    </p:tnLst>
+  </p:timing>
+</p:sld>
+</file>
+
+<file path=ppt/slides/slide9.xml><?xml version="1.0" encoding="utf-8"?>
+<p:sld xmlns:a="http://schemas.openxmlformats.org/drawingml/2006/main" xmlns:r="http://schemas.openxmlformats.org/officeDocument/2006/relationships" xmlns:p="http://schemas.openxmlformats.org/presentationml/2006/main">
+  <p:cSld>
+    <p:spTree>
+      <p:nvGrpSpPr>
+        <p:cNvPr id="1" name=""/>
+        <p:cNvGrpSpPr/>
+        <p:nvPr/>
+      </p:nvGrpSpPr>
+      <p:grpSpPr>
+        <a:xfrm>
+          <a:off x="0" y="0"/>
+          <a:ext cx="0" cy="0"/>
+          <a:chOff x="0" y="0"/>
+          <a:chExt cx="0" cy="0"/>
+        </a:xfrm>
+      </p:grpSpPr>
+      <p:sp>
+        <p:nvSpPr>
+          <p:cNvPr id="4" name="Slide Number Placeholder 3">
+            <a:extLst>
+              <a:ext uri="{FF2B5EF4-FFF2-40B4-BE49-F238E27FC236}">
+                <a16:creationId xmlns:a16="http://schemas.microsoft.com/office/drawing/2014/main" id="{E4CAF3CB-DEF0-4E61-A57F-0E095F5BEB96}"/>
+              </a:ext>
+            </a:extLst>
+          </p:cNvPr>
+          <p:cNvSpPr>
+            <a:spLocks noGrp="1"/>
+          </p:cNvSpPr>
+          <p:nvPr>
+            <p:ph type="sldNum" sz="quarter" idx="12"/>
+          </p:nvPr>
+        </p:nvSpPr>
+        <p:spPr/>
+        <p:txBody>
+          <a:bodyPr/>
+          <a:lstStyle/>
+          <a:p>
+            <a:fld id="{6565F0C3-D9E9-4961-A3A4-87F2116D4289}" type="slidenum">
+              <a:rPr lang="en-GB" smtClean="0"/>
+              <a:t>9</a:t>
+            </a:fld>
+            <a:endParaRPr lang="en-GB" dirty="0"/>
+          </a:p>
+        </p:txBody>
+      </p:sp>
+      <p:pic>
+        <p:nvPicPr>
+          <p:cNvPr id="20" name="T=5">
+            <a:extLst>
+              <a:ext uri="{FF2B5EF4-FFF2-40B4-BE49-F238E27FC236}">
+                <a16:creationId xmlns:a16="http://schemas.microsoft.com/office/drawing/2014/main" id="{143C3407-4399-4669-B151-69F408F92191}"/>
+              </a:ext>
+            </a:extLst>
+          </p:cNvPr>
+          <p:cNvPicPr>
+            <a:picLocks noChangeAspect="1"/>
+          </p:cNvPicPr>
+          <p:nvPr/>
+        </p:nvPicPr>
+        <p:blipFill>
+          <a:blip r:embed="rId3">
+            <a:extLst>
+              <a:ext uri="{28A0092B-C50C-407E-A947-70E740481C1C}">
+                <a14:useLocalDpi xmlns:a14="http://schemas.microsoft.com/office/drawing/2010/main" val="0"/>
+              </a:ext>
+            </a:extLst>
+          </a:blip>
+          <a:srcRect/>
+          <a:stretch/>
+        </p:blipFill>
+        <p:spPr>
+          <a:xfrm>
+            <a:off x="2720818" y="643550"/>
+            <a:ext cx="6750363" cy="5400290"/>
+          </a:xfrm>
+          <a:prstGeom prst="rect">
+            <a:avLst/>
+          </a:prstGeom>
+        </p:spPr>
+      </p:pic>
+      <p:pic>
+        <p:nvPicPr>
+          <p:cNvPr id="22" name="T=10">
+            <a:extLst>
+              <a:ext uri="{FF2B5EF4-FFF2-40B4-BE49-F238E27FC236}">
+                <a16:creationId xmlns:a16="http://schemas.microsoft.com/office/drawing/2014/main" id="{6E051251-16EC-4822-B203-23CB416FA6E9}"/>
+              </a:ext>
+            </a:extLst>
+          </p:cNvPr>
+          <p:cNvPicPr>
+            <a:picLocks noChangeAspect="1"/>
+          </p:cNvPicPr>
+          <p:nvPr/>
+        </p:nvPicPr>
+        <p:blipFill>
+          <a:blip r:embed="rId4">
+            <a:extLst>
+              <a:ext uri="{28A0092B-C50C-407E-A947-70E740481C1C}">
+                <a14:useLocalDpi xmlns:a14="http://schemas.microsoft.com/office/drawing/2010/main" val="0"/>
+              </a:ext>
+            </a:extLst>
+          </a:blip>
+          <a:srcRect/>
+          <a:stretch/>
+        </p:blipFill>
+        <p:spPr>
+          <a:xfrm>
+            <a:off x="2720818" y="643550"/>
+            <a:ext cx="6750363" cy="5400290"/>
+          </a:xfrm>
+          <a:prstGeom prst="rect">
+            <a:avLst/>
+          </a:prstGeom>
+        </p:spPr>
+      </p:pic>
+      <p:pic>
+        <p:nvPicPr>
+          <p:cNvPr id="7" name="T=15">
+            <a:extLst>
+              <a:ext uri="{FF2B5EF4-FFF2-40B4-BE49-F238E27FC236}">
+                <a16:creationId xmlns:a16="http://schemas.microsoft.com/office/drawing/2014/main" id="{41F7FA43-A3FB-48E1-A1D9-436FB6328C73}"/>
+              </a:ext>
+            </a:extLst>
+          </p:cNvPr>
+          <p:cNvPicPr>
+            <a:picLocks noChangeAspect="1"/>
+          </p:cNvPicPr>
+          <p:nvPr/>
+        </p:nvPicPr>
+        <p:blipFill>
+          <a:blip r:embed="rId5">
+            <a:extLst>
+              <a:ext uri="{28A0092B-C50C-407E-A947-70E740481C1C}">
+                <a14:useLocalDpi xmlns:a14="http://schemas.microsoft.com/office/drawing/2010/main" val="0"/>
+              </a:ext>
+            </a:extLst>
+          </a:blip>
+          <a:srcRect/>
+          <a:stretch/>
+        </p:blipFill>
+        <p:spPr>
+          <a:xfrm>
+            <a:off x="2720819" y="643549"/>
+            <a:ext cx="6750362" cy="5400290"/>
+          </a:xfrm>
+          <a:prstGeom prst="rect">
+            <a:avLst/>
+          </a:prstGeom>
+        </p:spPr>
+      </p:pic>
+      <p:sp>
+        <p:nvSpPr>
+          <p:cNvPr id="2" name="Title 1">
+            <a:extLst>
+              <a:ext uri="{FF2B5EF4-FFF2-40B4-BE49-F238E27FC236}">
+                <a16:creationId xmlns:a16="http://schemas.microsoft.com/office/drawing/2014/main" id="{BE58AE84-15A3-424F-918C-5140AAC3D8FC}"/>
+              </a:ext>
+            </a:extLst>
+          </p:cNvPr>
+          <p:cNvSpPr>
+            <a:spLocks noGrp="1"/>
+          </p:cNvSpPr>
+          <p:nvPr>
+            <p:ph type="title"/>
+          </p:nvPr>
+        </p:nvSpPr>
+        <p:spPr/>
+        <p:txBody>
+          <a:bodyPr/>
+          <a:lstStyle/>
+          <a:p>
+            <a:r>
+              <a:rPr lang="en-GB" noProof="0" dirty="0"/>
+              <a:t>Results</a:t>
+            </a:r>
+          </a:p>
+        </p:txBody>
+      </p:sp>
+    </p:spTree>
+    <p:extLst>
+      <p:ext uri="{BB962C8B-B14F-4D97-AF65-F5344CB8AC3E}">
+        <p14:creationId xmlns:p14="http://schemas.microsoft.com/office/powerpoint/2010/main" val="1278218383"/>
+      </p:ext>
+    </p:extLst>
+  </p:cSld>
+  <p:clrMapOvr>
+    <a:masterClrMapping/>
+  </p:clrMapOvr>
+  <p:timing>
+    <p:tnLst>
+      <p:par>
+        <p:cTn id="1" dur="indefinite" restart="never" nodeType="tmRoot">
+          <p:childTnLst>
+            <p:seq concurrent="1" nextAc="seek">
+              <p:cTn id="2" dur="indefinite" nodeType="mainSeq">
+                <p:childTnLst>
+                  <p:par>
+                    <p:cTn id="3" fill="hold">
+                      <p:stCondLst>
+                        <p:cond delay="indefinite"/>
+                      </p:stCondLst>
+                      <p:childTnLst>
+                        <p:par>
+                          <p:cTn id="4" fill="hold">
+                            <p:stCondLst>
+                              <p:cond delay="0"/>
+                            </p:stCondLst>
+                            <p:childTnLst>
+                              <p:par>
+                                <p:cTn id="5" presetID="1" presetClass="entr" presetSubtype="0" fill="hold" nodeType="clickEffect">
+                                  <p:stCondLst>
+                                    <p:cond delay="0"/>
+                                  </p:stCondLst>
+                                  <p:childTnLst>
+                                    <p:set>
+                                      <p:cBhvr>
+                                        <p:cTn id="6" dur="1" fill="hold">
+                                          <p:stCondLst>
+                                            <p:cond delay="0"/>
+                                          </p:stCondLst>
+                                        </p:cTn>
+                                        <p:tgtEl>
+                                          <p:spTgt spid="22"/>
+                                        </p:tgtEl>
+                                        <p:attrNameLst>
+                                          <p:attrName>style.visibility</p:attrName>
+                                        </p:attrNameLst>
+                                      </p:cBhvr>
+                                      <p:to>
+                                        <p:strVal val="visible"/>
+                                      </p:to>
+                                    </p:set>
+                                  </p:childTnLst>
+                                </p:cTn>
+                              </p:par>
+                            </p:childTnLst>
+                          </p:cTn>
+                        </p:par>
+                      </p:childTnLst>
+                    </p:cTn>
+                  </p:par>
+                  <p:par>
+                    <p:cTn id="7" fill="hold">
+                      <p:stCondLst>
+                        <p:cond delay="indefinite"/>
+                      </p:stCondLst>
+                      <p:childTnLst>
+                        <p:par>
+                          <p:cTn id="8" fill="hold">
+                            <p:stCondLst>
+                              <p:cond delay="0"/>
+                            </p:stCondLst>
+                            <p:childTnLst>
+                              <p:par>
+                                <p:cTn id="9" presetID="1" presetClass="entr" presetSubtype="0" fill="hold" nodeType="clickEffect">
+                                  <p:stCondLst>
+                                    <p:cond delay="0"/>
+                                  </p:stCondLst>
+                                  <p:childTnLst>
+                                    <p:set>
+                                      <p:cBhvr>
+                                        <p:cTn id="10" dur="1" fill="hold">
+                                          <p:stCondLst>
+                                            <p:cond delay="0"/>
+                                          </p:stCondLst>
+                                        </p:cTn>
+                                        <p:tgtEl>
+                                          <p:spTgt spid="7"/>
+                                        </p:tgtEl>
+                                        <p:attrNameLst>
+                                          <p:attrName>style.visibility</p:attrName>
+                                        </p:attrNameLst>
+                                      </p:cBhvr>
+                                      <p:to>
+                                        <p:strVal val="visible"/>
+                                      </p:to>
+                                    </p:set>
+                                  </p:childTnLst>
+                                </p:cTn>
+                              </p:par>
+                            </p:childTnLst>
+                          </p:cTn>
+                        </p:par>
+                      </p:childTnLst>
+                    </p:cTn>
+                  </p:par>
+                </p:childTnLst>
+              </p:cTn>
+              <p:prevCondLst>
+                <p:cond evt="onPrev" delay="0">
+                  <p:tgtEl>
+                    <p:sldTgt/>
+                  </p:tgtEl>
+                </p:cond>
+              </p:prevCondLst>
+              <p:nextCondLst>
+                <p:cond evt="onNext" delay="0">
+                  <p:tgtEl>
+                    <p:sldTgt/>
+                  </p:tgtEl>
+                </p:cond>
+              </p:nextCondLst>
+            </p:seq>
+          </p:childTnLst>
+        </p:cTn>
+      </p:par>
+    </p:tnLst>
+  </p:timing>
 </p:sld>
 </file>
 

--- a/Notes/TFM_presentations/2020_03_09/2020_03_09.pptx
+++ b/Notes/TFM_presentations/2020_03_09/2020_03_09.pptx
@@ -5,19 +5,22 @@
     <p:sldMasterId id="2147483648" r:id="rId1"/>
   </p:sldMasterIdLst>
   <p:notesMasterIdLst>
-    <p:notesMasterId r:id="rId12"/>
+    <p:notesMasterId r:id="rId15"/>
   </p:notesMasterIdLst>
   <p:sldIdLst>
     <p:sldId id="256" r:id="rId2"/>
     <p:sldId id="257" r:id="rId3"/>
-    <p:sldId id="284" r:id="rId4"/>
-    <p:sldId id="282" r:id="rId5"/>
-    <p:sldId id="280" r:id="rId6"/>
-    <p:sldId id="283" r:id="rId7"/>
-    <p:sldId id="285" r:id="rId8"/>
-    <p:sldId id="286" r:id="rId9"/>
-    <p:sldId id="287" r:id="rId10"/>
-    <p:sldId id="281" r:id="rId11"/>
+    <p:sldId id="289" r:id="rId4"/>
+    <p:sldId id="290" r:id="rId5"/>
+    <p:sldId id="284" r:id="rId6"/>
+    <p:sldId id="288" r:id="rId7"/>
+    <p:sldId id="282" r:id="rId8"/>
+    <p:sldId id="280" r:id="rId9"/>
+    <p:sldId id="283" r:id="rId10"/>
+    <p:sldId id="285" r:id="rId11"/>
+    <p:sldId id="286" r:id="rId12"/>
+    <p:sldId id="287" r:id="rId13"/>
+    <p:sldId id="281" r:id="rId14"/>
   </p:sldIdLst>
   <p:sldSz cx="12192000" cy="6858000"/>
   <p:notesSz cx="6858000" cy="9144000"/>
@@ -1368,7 +1371,7 @@
           <a:p>
             <a:fld id="{CCADCBAA-299B-4552-9387-24D12127C082}" type="slidenum">
               <a:rPr lang="en-GB" smtClean="0"/>
-              <a:t>4</a:t>
+              <a:t>7</a:t>
             </a:fld>
             <a:endParaRPr lang="en-GB" dirty="0"/>
           </a:p>
@@ -1452,7 +1455,7 @@
           <a:p>
             <a:fld id="{CCADCBAA-299B-4552-9387-24D12127C082}" type="slidenum">
               <a:rPr lang="en-GB" smtClean="0"/>
-              <a:t>5</a:t>
+              <a:t>8</a:t>
             </a:fld>
             <a:endParaRPr lang="en-GB" dirty="0"/>
           </a:p>
@@ -1536,7 +1539,7 @@
           <a:p>
             <a:fld id="{CCADCBAA-299B-4552-9387-24D12127C082}" type="slidenum">
               <a:rPr lang="en-GB" smtClean="0"/>
-              <a:t>6</a:t>
+              <a:t>9</a:t>
             </a:fld>
             <a:endParaRPr lang="en-GB" dirty="0"/>
           </a:p>
@@ -1620,7 +1623,7 @@
           <a:p>
             <a:fld id="{CCADCBAA-299B-4552-9387-24D12127C082}" type="slidenum">
               <a:rPr lang="en-GB" smtClean="0"/>
-              <a:t>7</a:t>
+              <a:t>10</a:t>
             </a:fld>
             <a:endParaRPr lang="en-GB" dirty="0"/>
           </a:p>
@@ -1704,7 +1707,7 @@
           <a:p>
             <a:fld id="{CCADCBAA-299B-4552-9387-24D12127C082}" type="slidenum">
               <a:rPr lang="en-GB" smtClean="0"/>
-              <a:t>8</a:t>
+              <a:t>11</a:t>
             </a:fld>
             <a:endParaRPr lang="en-GB" dirty="0"/>
           </a:p>
@@ -1788,7 +1791,7 @@
           <a:p>
             <a:fld id="{CCADCBAA-299B-4552-9387-24D12127C082}" type="slidenum">
               <a:rPr lang="en-GB" smtClean="0"/>
-              <a:t>9</a:t>
+              <a:t>12</a:t>
             </a:fld>
             <a:endParaRPr lang="en-GB" dirty="0"/>
           </a:p>
@@ -6457,10 +6460,144 @@
       </p:grpSpPr>
       <p:sp>
         <p:nvSpPr>
+          <p:cNvPr id="4" name="Slide Number Placeholder 3">
+            <a:extLst>
+              <a:ext uri="{FF2B5EF4-FFF2-40B4-BE49-F238E27FC236}">
+                <a16:creationId xmlns:a16="http://schemas.microsoft.com/office/drawing/2014/main" id="{E4CAF3CB-DEF0-4E61-A57F-0E095F5BEB96}"/>
+              </a:ext>
+            </a:extLst>
+          </p:cNvPr>
+          <p:cNvSpPr>
+            <a:spLocks noGrp="1"/>
+          </p:cNvSpPr>
+          <p:nvPr>
+            <p:ph type="sldNum" sz="quarter" idx="12"/>
+          </p:nvPr>
+        </p:nvSpPr>
+        <p:spPr/>
+        <p:txBody>
+          <a:bodyPr/>
+          <a:lstStyle/>
+          <a:p>
+            <a:fld id="{6565F0C3-D9E9-4961-A3A4-87F2116D4289}" type="slidenum">
+              <a:rPr lang="en-GB" smtClean="0"/>
+              <a:t>10</a:t>
+            </a:fld>
+            <a:endParaRPr lang="en-GB" dirty="0"/>
+          </a:p>
+        </p:txBody>
+      </p:sp>
+      <p:pic>
+        <p:nvPicPr>
+          <p:cNvPr id="20" name="T=5">
+            <a:extLst>
+              <a:ext uri="{FF2B5EF4-FFF2-40B4-BE49-F238E27FC236}">
+                <a16:creationId xmlns:a16="http://schemas.microsoft.com/office/drawing/2014/main" id="{143C3407-4399-4669-B151-69F408F92191}"/>
+              </a:ext>
+            </a:extLst>
+          </p:cNvPr>
+          <p:cNvPicPr>
+            <a:picLocks noChangeAspect="1"/>
+          </p:cNvPicPr>
+          <p:nvPr/>
+        </p:nvPicPr>
+        <p:blipFill>
+          <a:blip r:embed="rId3">
+            <a:extLst>
+              <a:ext uri="{28A0092B-C50C-407E-A947-70E740481C1C}">
+                <a14:useLocalDpi xmlns:a14="http://schemas.microsoft.com/office/drawing/2010/main" val="0"/>
+              </a:ext>
+            </a:extLst>
+          </a:blip>
+          <a:srcRect/>
+          <a:stretch/>
+        </p:blipFill>
+        <p:spPr>
+          <a:xfrm>
+            <a:off x="2720818" y="643550"/>
+            <a:ext cx="6750363" cy="5400290"/>
+          </a:xfrm>
+          <a:prstGeom prst="rect">
+            <a:avLst/>
+          </a:prstGeom>
+        </p:spPr>
+      </p:pic>
+      <p:pic>
+        <p:nvPicPr>
+          <p:cNvPr id="22" name="T=10">
+            <a:extLst>
+              <a:ext uri="{FF2B5EF4-FFF2-40B4-BE49-F238E27FC236}">
+                <a16:creationId xmlns:a16="http://schemas.microsoft.com/office/drawing/2014/main" id="{6E051251-16EC-4822-B203-23CB416FA6E9}"/>
+              </a:ext>
+            </a:extLst>
+          </p:cNvPr>
+          <p:cNvPicPr>
+            <a:picLocks noChangeAspect="1"/>
+          </p:cNvPicPr>
+          <p:nvPr/>
+        </p:nvPicPr>
+        <p:blipFill>
+          <a:blip r:embed="rId4">
+            <a:extLst>
+              <a:ext uri="{28A0092B-C50C-407E-A947-70E740481C1C}">
+                <a14:useLocalDpi xmlns:a14="http://schemas.microsoft.com/office/drawing/2010/main" val="0"/>
+              </a:ext>
+            </a:extLst>
+          </a:blip>
+          <a:srcRect/>
+          <a:stretch/>
+        </p:blipFill>
+        <p:spPr>
+          <a:xfrm>
+            <a:off x="2720818" y="643550"/>
+            <a:ext cx="6750363" cy="5400290"/>
+          </a:xfrm>
+          <a:prstGeom prst="rect">
+            <a:avLst/>
+          </a:prstGeom>
+        </p:spPr>
+      </p:pic>
+      <p:pic>
+        <p:nvPicPr>
+          <p:cNvPr id="7" name="T=15">
+            <a:extLst>
+              <a:ext uri="{FF2B5EF4-FFF2-40B4-BE49-F238E27FC236}">
+                <a16:creationId xmlns:a16="http://schemas.microsoft.com/office/drawing/2014/main" id="{41F7FA43-A3FB-48E1-A1D9-436FB6328C73}"/>
+              </a:ext>
+            </a:extLst>
+          </p:cNvPr>
+          <p:cNvPicPr>
+            <a:picLocks noChangeAspect="1"/>
+          </p:cNvPicPr>
+          <p:nvPr/>
+        </p:nvPicPr>
+        <p:blipFill>
+          <a:blip r:embed="rId5">
+            <a:extLst>
+              <a:ext uri="{28A0092B-C50C-407E-A947-70E740481C1C}">
+                <a14:useLocalDpi xmlns:a14="http://schemas.microsoft.com/office/drawing/2010/main" val="0"/>
+              </a:ext>
+            </a:extLst>
+          </a:blip>
+          <a:srcRect/>
+          <a:stretch/>
+        </p:blipFill>
+        <p:spPr>
+          <a:xfrm>
+            <a:off x="2720819" y="643549"/>
+            <a:ext cx="6750362" cy="5400290"/>
+          </a:xfrm>
+          <a:prstGeom prst="rect">
+            <a:avLst/>
+          </a:prstGeom>
+        </p:spPr>
+      </p:pic>
+      <p:sp>
+        <p:nvSpPr>
           <p:cNvPr id="2" name="Title 1">
             <a:extLst>
               <a:ext uri="{FF2B5EF4-FFF2-40B4-BE49-F238E27FC236}">
-                <a16:creationId xmlns:a16="http://schemas.microsoft.com/office/drawing/2014/main" id="{4D710711-00ED-4619-804C-698D6CD50837}"/>
+                <a16:creationId xmlns:a16="http://schemas.microsoft.com/office/drawing/2014/main" id="{BE58AE84-15A3-424F-918C-5140AAC3D8FC}"/>
               </a:ext>
             </a:extLst>
           </p:cNvPr>
@@ -6477,6 +6614,853 @@
           <a:lstStyle/>
           <a:p>
             <a:r>
+              <a:rPr lang="en-GB" noProof="0" dirty="0"/>
+              <a:t>Results</a:t>
+            </a:r>
+          </a:p>
+        </p:txBody>
+      </p:sp>
+    </p:spTree>
+    <p:extLst>
+      <p:ext uri="{BB962C8B-B14F-4D97-AF65-F5344CB8AC3E}">
+        <p14:creationId xmlns:p14="http://schemas.microsoft.com/office/powerpoint/2010/main" val="1499647241"/>
+      </p:ext>
+    </p:extLst>
+  </p:cSld>
+  <p:clrMapOvr>
+    <a:masterClrMapping/>
+  </p:clrMapOvr>
+  <p:timing>
+    <p:tnLst>
+      <p:par>
+        <p:cTn id="1" dur="indefinite" restart="never" nodeType="tmRoot">
+          <p:childTnLst>
+            <p:seq concurrent="1" nextAc="seek">
+              <p:cTn id="2" dur="indefinite" nodeType="mainSeq">
+                <p:childTnLst>
+                  <p:par>
+                    <p:cTn id="3" fill="hold">
+                      <p:stCondLst>
+                        <p:cond delay="indefinite"/>
+                      </p:stCondLst>
+                      <p:childTnLst>
+                        <p:par>
+                          <p:cTn id="4" fill="hold">
+                            <p:stCondLst>
+                              <p:cond delay="0"/>
+                            </p:stCondLst>
+                            <p:childTnLst>
+                              <p:par>
+                                <p:cTn id="5" presetID="1" presetClass="entr" presetSubtype="0" fill="hold" nodeType="clickEffect">
+                                  <p:stCondLst>
+                                    <p:cond delay="0"/>
+                                  </p:stCondLst>
+                                  <p:childTnLst>
+                                    <p:set>
+                                      <p:cBhvr>
+                                        <p:cTn id="6" dur="1" fill="hold">
+                                          <p:stCondLst>
+                                            <p:cond delay="0"/>
+                                          </p:stCondLst>
+                                        </p:cTn>
+                                        <p:tgtEl>
+                                          <p:spTgt spid="20"/>
+                                        </p:tgtEl>
+                                        <p:attrNameLst>
+                                          <p:attrName>style.visibility</p:attrName>
+                                        </p:attrNameLst>
+                                      </p:cBhvr>
+                                      <p:to>
+                                        <p:strVal val="visible"/>
+                                      </p:to>
+                                    </p:set>
+                                  </p:childTnLst>
+                                </p:cTn>
+                              </p:par>
+                            </p:childTnLst>
+                          </p:cTn>
+                        </p:par>
+                      </p:childTnLst>
+                    </p:cTn>
+                  </p:par>
+                  <p:par>
+                    <p:cTn id="7" fill="hold">
+                      <p:stCondLst>
+                        <p:cond delay="indefinite"/>
+                      </p:stCondLst>
+                      <p:childTnLst>
+                        <p:par>
+                          <p:cTn id="8" fill="hold">
+                            <p:stCondLst>
+                              <p:cond delay="0"/>
+                            </p:stCondLst>
+                            <p:childTnLst>
+                              <p:par>
+                                <p:cTn id="9" presetID="1" presetClass="entr" presetSubtype="0" fill="hold" nodeType="clickEffect">
+                                  <p:stCondLst>
+                                    <p:cond delay="0"/>
+                                  </p:stCondLst>
+                                  <p:childTnLst>
+                                    <p:set>
+                                      <p:cBhvr>
+                                        <p:cTn id="10" dur="1" fill="hold">
+                                          <p:stCondLst>
+                                            <p:cond delay="0"/>
+                                          </p:stCondLst>
+                                        </p:cTn>
+                                        <p:tgtEl>
+                                          <p:spTgt spid="22"/>
+                                        </p:tgtEl>
+                                        <p:attrNameLst>
+                                          <p:attrName>style.visibility</p:attrName>
+                                        </p:attrNameLst>
+                                      </p:cBhvr>
+                                      <p:to>
+                                        <p:strVal val="visible"/>
+                                      </p:to>
+                                    </p:set>
+                                  </p:childTnLst>
+                                </p:cTn>
+                              </p:par>
+                            </p:childTnLst>
+                          </p:cTn>
+                        </p:par>
+                      </p:childTnLst>
+                    </p:cTn>
+                  </p:par>
+                  <p:par>
+                    <p:cTn id="11" fill="hold">
+                      <p:stCondLst>
+                        <p:cond delay="indefinite"/>
+                      </p:stCondLst>
+                      <p:childTnLst>
+                        <p:par>
+                          <p:cTn id="12" fill="hold">
+                            <p:stCondLst>
+                              <p:cond delay="0"/>
+                            </p:stCondLst>
+                            <p:childTnLst>
+                              <p:par>
+                                <p:cTn id="13" presetID="1" presetClass="entr" presetSubtype="0" fill="hold" nodeType="clickEffect">
+                                  <p:stCondLst>
+                                    <p:cond delay="0"/>
+                                  </p:stCondLst>
+                                  <p:childTnLst>
+                                    <p:set>
+                                      <p:cBhvr>
+                                        <p:cTn id="14" dur="1" fill="hold">
+                                          <p:stCondLst>
+                                            <p:cond delay="0"/>
+                                          </p:stCondLst>
+                                        </p:cTn>
+                                        <p:tgtEl>
+                                          <p:spTgt spid="7"/>
+                                        </p:tgtEl>
+                                        <p:attrNameLst>
+                                          <p:attrName>style.visibility</p:attrName>
+                                        </p:attrNameLst>
+                                      </p:cBhvr>
+                                      <p:to>
+                                        <p:strVal val="visible"/>
+                                      </p:to>
+                                    </p:set>
+                                  </p:childTnLst>
+                                </p:cTn>
+                              </p:par>
+                            </p:childTnLst>
+                          </p:cTn>
+                        </p:par>
+                      </p:childTnLst>
+                    </p:cTn>
+                  </p:par>
+                </p:childTnLst>
+              </p:cTn>
+              <p:prevCondLst>
+                <p:cond evt="onPrev" delay="0">
+                  <p:tgtEl>
+                    <p:sldTgt/>
+                  </p:tgtEl>
+                </p:cond>
+              </p:prevCondLst>
+              <p:nextCondLst>
+                <p:cond evt="onNext" delay="0">
+                  <p:tgtEl>
+                    <p:sldTgt/>
+                  </p:tgtEl>
+                </p:cond>
+              </p:nextCondLst>
+            </p:seq>
+          </p:childTnLst>
+        </p:cTn>
+      </p:par>
+    </p:tnLst>
+  </p:timing>
+</p:sld>
+</file>
+
+<file path=ppt/slides/slide11.xml><?xml version="1.0" encoding="utf-8"?>
+<p:sld xmlns:a="http://schemas.openxmlformats.org/drawingml/2006/main" xmlns:r="http://schemas.openxmlformats.org/officeDocument/2006/relationships" xmlns:p="http://schemas.openxmlformats.org/presentationml/2006/main">
+  <p:cSld>
+    <p:spTree>
+      <p:nvGrpSpPr>
+        <p:cNvPr id="1" name=""/>
+        <p:cNvGrpSpPr/>
+        <p:nvPr/>
+      </p:nvGrpSpPr>
+      <p:grpSpPr>
+        <a:xfrm>
+          <a:off x="0" y="0"/>
+          <a:ext cx="0" cy="0"/>
+          <a:chOff x="0" y="0"/>
+          <a:chExt cx="0" cy="0"/>
+        </a:xfrm>
+      </p:grpSpPr>
+      <p:sp>
+        <p:nvSpPr>
+          <p:cNvPr id="4" name="Slide Number Placeholder 3">
+            <a:extLst>
+              <a:ext uri="{FF2B5EF4-FFF2-40B4-BE49-F238E27FC236}">
+                <a16:creationId xmlns:a16="http://schemas.microsoft.com/office/drawing/2014/main" id="{E4CAF3CB-DEF0-4E61-A57F-0E095F5BEB96}"/>
+              </a:ext>
+            </a:extLst>
+          </p:cNvPr>
+          <p:cNvSpPr>
+            <a:spLocks noGrp="1"/>
+          </p:cNvSpPr>
+          <p:nvPr>
+            <p:ph type="sldNum" sz="quarter" idx="12"/>
+          </p:nvPr>
+        </p:nvSpPr>
+        <p:spPr/>
+        <p:txBody>
+          <a:bodyPr/>
+          <a:lstStyle/>
+          <a:p>
+            <a:fld id="{6565F0C3-D9E9-4961-A3A4-87F2116D4289}" type="slidenum">
+              <a:rPr lang="en-GB" smtClean="0"/>
+              <a:t>11</a:t>
+            </a:fld>
+            <a:endParaRPr lang="en-GB" dirty="0"/>
+          </a:p>
+        </p:txBody>
+      </p:sp>
+      <p:pic>
+        <p:nvPicPr>
+          <p:cNvPr id="20" name="T=5">
+            <a:extLst>
+              <a:ext uri="{FF2B5EF4-FFF2-40B4-BE49-F238E27FC236}">
+                <a16:creationId xmlns:a16="http://schemas.microsoft.com/office/drawing/2014/main" id="{143C3407-4399-4669-B151-69F408F92191}"/>
+              </a:ext>
+            </a:extLst>
+          </p:cNvPr>
+          <p:cNvPicPr>
+            <a:picLocks noChangeAspect="1"/>
+          </p:cNvPicPr>
+          <p:nvPr/>
+        </p:nvPicPr>
+        <p:blipFill>
+          <a:blip r:embed="rId3">
+            <a:extLst>
+              <a:ext uri="{28A0092B-C50C-407E-A947-70E740481C1C}">
+                <a14:useLocalDpi xmlns:a14="http://schemas.microsoft.com/office/drawing/2010/main" val="0"/>
+              </a:ext>
+            </a:extLst>
+          </a:blip>
+          <a:srcRect/>
+          <a:stretch/>
+        </p:blipFill>
+        <p:spPr>
+          <a:xfrm>
+            <a:off x="2720818" y="643550"/>
+            <a:ext cx="6750363" cy="5400291"/>
+          </a:xfrm>
+          <a:prstGeom prst="rect">
+            <a:avLst/>
+          </a:prstGeom>
+        </p:spPr>
+      </p:pic>
+      <p:pic>
+        <p:nvPicPr>
+          <p:cNvPr id="22" name="T=10">
+            <a:extLst>
+              <a:ext uri="{FF2B5EF4-FFF2-40B4-BE49-F238E27FC236}">
+                <a16:creationId xmlns:a16="http://schemas.microsoft.com/office/drawing/2014/main" id="{6E051251-16EC-4822-B203-23CB416FA6E9}"/>
+              </a:ext>
+            </a:extLst>
+          </p:cNvPr>
+          <p:cNvPicPr>
+            <a:picLocks noChangeAspect="1"/>
+          </p:cNvPicPr>
+          <p:nvPr/>
+        </p:nvPicPr>
+        <p:blipFill>
+          <a:blip r:embed="rId4">
+            <a:extLst>
+              <a:ext uri="{28A0092B-C50C-407E-A947-70E740481C1C}">
+                <a14:useLocalDpi xmlns:a14="http://schemas.microsoft.com/office/drawing/2010/main" val="0"/>
+              </a:ext>
+            </a:extLst>
+          </a:blip>
+          <a:srcRect/>
+          <a:stretch/>
+        </p:blipFill>
+        <p:spPr>
+          <a:xfrm>
+            <a:off x="2720818" y="643550"/>
+            <a:ext cx="6750363" cy="5400291"/>
+          </a:xfrm>
+          <a:prstGeom prst="rect">
+            <a:avLst/>
+          </a:prstGeom>
+        </p:spPr>
+      </p:pic>
+      <p:pic>
+        <p:nvPicPr>
+          <p:cNvPr id="7" name="T=15">
+            <a:extLst>
+              <a:ext uri="{FF2B5EF4-FFF2-40B4-BE49-F238E27FC236}">
+                <a16:creationId xmlns:a16="http://schemas.microsoft.com/office/drawing/2014/main" id="{41F7FA43-A3FB-48E1-A1D9-436FB6328C73}"/>
+              </a:ext>
+            </a:extLst>
+          </p:cNvPr>
+          <p:cNvPicPr>
+            <a:picLocks noChangeAspect="1"/>
+          </p:cNvPicPr>
+          <p:nvPr/>
+        </p:nvPicPr>
+        <p:blipFill>
+          <a:blip r:embed="rId5">
+            <a:extLst>
+              <a:ext uri="{28A0092B-C50C-407E-A947-70E740481C1C}">
+                <a14:useLocalDpi xmlns:a14="http://schemas.microsoft.com/office/drawing/2010/main" val="0"/>
+              </a:ext>
+            </a:extLst>
+          </a:blip>
+          <a:srcRect/>
+          <a:stretch/>
+        </p:blipFill>
+        <p:spPr>
+          <a:xfrm>
+            <a:off x="2720819" y="643549"/>
+            <a:ext cx="6750363" cy="5400290"/>
+          </a:xfrm>
+          <a:prstGeom prst="rect">
+            <a:avLst/>
+          </a:prstGeom>
+        </p:spPr>
+      </p:pic>
+      <p:sp>
+        <p:nvSpPr>
+          <p:cNvPr id="2" name="Title 1">
+            <a:extLst>
+              <a:ext uri="{FF2B5EF4-FFF2-40B4-BE49-F238E27FC236}">
+                <a16:creationId xmlns:a16="http://schemas.microsoft.com/office/drawing/2014/main" id="{BE58AE84-15A3-424F-918C-5140AAC3D8FC}"/>
+              </a:ext>
+            </a:extLst>
+          </p:cNvPr>
+          <p:cNvSpPr>
+            <a:spLocks noGrp="1"/>
+          </p:cNvSpPr>
+          <p:nvPr>
+            <p:ph type="title"/>
+          </p:nvPr>
+        </p:nvSpPr>
+        <p:spPr/>
+        <p:txBody>
+          <a:bodyPr/>
+          <a:lstStyle/>
+          <a:p>
+            <a:r>
+              <a:rPr lang="en-GB" noProof="0" dirty="0"/>
+              <a:t>Results</a:t>
+            </a:r>
+          </a:p>
+        </p:txBody>
+      </p:sp>
+    </p:spTree>
+    <p:extLst>
+      <p:ext uri="{BB962C8B-B14F-4D97-AF65-F5344CB8AC3E}">
+        <p14:creationId xmlns:p14="http://schemas.microsoft.com/office/powerpoint/2010/main" val="1574872275"/>
+      </p:ext>
+    </p:extLst>
+  </p:cSld>
+  <p:clrMapOvr>
+    <a:masterClrMapping/>
+  </p:clrMapOvr>
+  <p:timing>
+    <p:tnLst>
+      <p:par>
+        <p:cTn id="1" dur="indefinite" restart="never" nodeType="tmRoot">
+          <p:childTnLst>
+            <p:seq concurrent="1" nextAc="seek">
+              <p:cTn id="2" dur="indefinite" nodeType="mainSeq">
+                <p:childTnLst>
+                  <p:par>
+                    <p:cTn id="3" fill="hold">
+                      <p:stCondLst>
+                        <p:cond delay="indefinite"/>
+                      </p:stCondLst>
+                      <p:childTnLst>
+                        <p:par>
+                          <p:cTn id="4" fill="hold">
+                            <p:stCondLst>
+                              <p:cond delay="0"/>
+                            </p:stCondLst>
+                            <p:childTnLst>
+                              <p:par>
+                                <p:cTn id="5" presetID="1" presetClass="entr" presetSubtype="0" fill="hold" nodeType="clickEffect">
+                                  <p:stCondLst>
+                                    <p:cond delay="0"/>
+                                  </p:stCondLst>
+                                  <p:childTnLst>
+                                    <p:set>
+                                      <p:cBhvr>
+                                        <p:cTn id="6" dur="1" fill="hold">
+                                          <p:stCondLst>
+                                            <p:cond delay="0"/>
+                                          </p:stCondLst>
+                                        </p:cTn>
+                                        <p:tgtEl>
+                                          <p:spTgt spid="22"/>
+                                        </p:tgtEl>
+                                        <p:attrNameLst>
+                                          <p:attrName>style.visibility</p:attrName>
+                                        </p:attrNameLst>
+                                      </p:cBhvr>
+                                      <p:to>
+                                        <p:strVal val="visible"/>
+                                      </p:to>
+                                    </p:set>
+                                  </p:childTnLst>
+                                </p:cTn>
+                              </p:par>
+                            </p:childTnLst>
+                          </p:cTn>
+                        </p:par>
+                      </p:childTnLst>
+                    </p:cTn>
+                  </p:par>
+                  <p:par>
+                    <p:cTn id="7" fill="hold">
+                      <p:stCondLst>
+                        <p:cond delay="indefinite"/>
+                      </p:stCondLst>
+                      <p:childTnLst>
+                        <p:par>
+                          <p:cTn id="8" fill="hold">
+                            <p:stCondLst>
+                              <p:cond delay="0"/>
+                            </p:stCondLst>
+                            <p:childTnLst>
+                              <p:par>
+                                <p:cTn id="9" presetID="1" presetClass="entr" presetSubtype="0" fill="hold" nodeType="clickEffect">
+                                  <p:stCondLst>
+                                    <p:cond delay="0"/>
+                                  </p:stCondLst>
+                                  <p:childTnLst>
+                                    <p:set>
+                                      <p:cBhvr>
+                                        <p:cTn id="10" dur="1" fill="hold">
+                                          <p:stCondLst>
+                                            <p:cond delay="0"/>
+                                          </p:stCondLst>
+                                        </p:cTn>
+                                        <p:tgtEl>
+                                          <p:spTgt spid="7"/>
+                                        </p:tgtEl>
+                                        <p:attrNameLst>
+                                          <p:attrName>style.visibility</p:attrName>
+                                        </p:attrNameLst>
+                                      </p:cBhvr>
+                                      <p:to>
+                                        <p:strVal val="visible"/>
+                                      </p:to>
+                                    </p:set>
+                                  </p:childTnLst>
+                                </p:cTn>
+                              </p:par>
+                            </p:childTnLst>
+                          </p:cTn>
+                        </p:par>
+                      </p:childTnLst>
+                    </p:cTn>
+                  </p:par>
+                </p:childTnLst>
+              </p:cTn>
+              <p:prevCondLst>
+                <p:cond evt="onPrev" delay="0">
+                  <p:tgtEl>
+                    <p:sldTgt/>
+                  </p:tgtEl>
+                </p:cond>
+              </p:prevCondLst>
+              <p:nextCondLst>
+                <p:cond evt="onNext" delay="0">
+                  <p:tgtEl>
+                    <p:sldTgt/>
+                  </p:tgtEl>
+                </p:cond>
+              </p:nextCondLst>
+            </p:seq>
+          </p:childTnLst>
+        </p:cTn>
+      </p:par>
+    </p:tnLst>
+  </p:timing>
+</p:sld>
+</file>
+
+<file path=ppt/slides/slide12.xml><?xml version="1.0" encoding="utf-8"?>
+<p:sld xmlns:a="http://schemas.openxmlformats.org/drawingml/2006/main" xmlns:r="http://schemas.openxmlformats.org/officeDocument/2006/relationships" xmlns:p="http://schemas.openxmlformats.org/presentationml/2006/main">
+  <p:cSld>
+    <p:spTree>
+      <p:nvGrpSpPr>
+        <p:cNvPr id="1" name=""/>
+        <p:cNvGrpSpPr/>
+        <p:nvPr/>
+      </p:nvGrpSpPr>
+      <p:grpSpPr>
+        <a:xfrm>
+          <a:off x="0" y="0"/>
+          <a:ext cx="0" cy="0"/>
+          <a:chOff x="0" y="0"/>
+          <a:chExt cx="0" cy="0"/>
+        </a:xfrm>
+      </p:grpSpPr>
+      <p:sp>
+        <p:nvSpPr>
+          <p:cNvPr id="4" name="Slide Number Placeholder 3">
+            <a:extLst>
+              <a:ext uri="{FF2B5EF4-FFF2-40B4-BE49-F238E27FC236}">
+                <a16:creationId xmlns:a16="http://schemas.microsoft.com/office/drawing/2014/main" id="{E4CAF3CB-DEF0-4E61-A57F-0E095F5BEB96}"/>
+              </a:ext>
+            </a:extLst>
+          </p:cNvPr>
+          <p:cNvSpPr>
+            <a:spLocks noGrp="1"/>
+          </p:cNvSpPr>
+          <p:nvPr>
+            <p:ph type="sldNum" sz="quarter" idx="12"/>
+          </p:nvPr>
+        </p:nvSpPr>
+        <p:spPr/>
+        <p:txBody>
+          <a:bodyPr/>
+          <a:lstStyle/>
+          <a:p>
+            <a:fld id="{6565F0C3-D9E9-4961-A3A4-87F2116D4289}" type="slidenum">
+              <a:rPr lang="en-GB" smtClean="0"/>
+              <a:t>12</a:t>
+            </a:fld>
+            <a:endParaRPr lang="en-GB" dirty="0"/>
+          </a:p>
+        </p:txBody>
+      </p:sp>
+      <p:pic>
+        <p:nvPicPr>
+          <p:cNvPr id="20" name="T=5">
+            <a:extLst>
+              <a:ext uri="{FF2B5EF4-FFF2-40B4-BE49-F238E27FC236}">
+                <a16:creationId xmlns:a16="http://schemas.microsoft.com/office/drawing/2014/main" id="{143C3407-4399-4669-B151-69F408F92191}"/>
+              </a:ext>
+            </a:extLst>
+          </p:cNvPr>
+          <p:cNvPicPr>
+            <a:picLocks noChangeAspect="1"/>
+          </p:cNvPicPr>
+          <p:nvPr/>
+        </p:nvPicPr>
+        <p:blipFill>
+          <a:blip r:embed="rId3">
+            <a:extLst>
+              <a:ext uri="{28A0092B-C50C-407E-A947-70E740481C1C}">
+                <a14:useLocalDpi xmlns:a14="http://schemas.microsoft.com/office/drawing/2010/main" val="0"/>
+              </a:ext>
+            </a:extLst>
+          </a:blip>
+          <a:srcRect/>
+          <a:stretch/>
+        </p:blipFill>
+        <p:spPr>
+          <a:xfrm>
+            <a:off x="2720818" y="643550"/>
+            <a:ext cx="6750363" cy="5400290"/>
+          </a:xfrm>
+          <a:prstGeom prst="rect">
+            <a:avLst/>
+          </a:prstGeom>
+        </p:spPr>
+      </p:pic>
+      <p:pic>
+        <p:nvPicPr>
+          <p:cNvPr id="22" name="T=10">
+            <a:extLst>
+              <a:ext uri="{FF2B5EF4-FFF2-40B4-BE49-F238E27FC236}">
+                <a16:creationId xmlns:a16="http://schemas.microsoft.com/office/drawing/2014/main" id="{6E051251-16EC-4822-B203-23CB416FA6E9}"/>
+              </a:ext>
+            </a:extLst>
+          </p:cNvPr>
+          <p:cNvPicPr>
+            <a:picLocks noChangeAspect="1"/>
+          </p:cNvPicPr>
+          <p:nvPr/>
+        </p:nvPicPr>
+        <p:blipFill>
+          <a:blip r:embed="rId4">
+            <a:extLst>
+              <a:ext uri="{28A0092B-C50C-407E-A947-70E740481C1C}">
+                <a14:useLocalDpi xmlns:a14="http://schemas.microsoft.com/office/drawing/2010/main" val="0"/>
+              </a:ext>
+            </a:extLst>
+          </a:blip>
+          <a:srcRect/>
+          <a:stretch/>
+        </p:blipFill>
+        <p:spPr>
+          <a:xfrm>
+            <a:off x="2720818" y="643550"/>
+            <a:ext cx="6750363" cy="5400290"/>
+          </a:xfrm>
+          <a:prstGeom prst="rect">
+            <a:avLst/>
+          </a:prstGeom>
+        </p:spPr>
+      </p:pic>
+      <p:pic>
+        <p:nvPicPr>
+          <p:cNvPr id="7" name="T=15">
+            <a:extLst>
+              <a:ext uri="{FF2B5EF4-FFF2-40B4-BE49-F238E27FC236}">
+                <a16:creationId xmlns:a16="http://schemas.microsoft.com/office/drawing/2014/main" id="{41F7FA43-A3FB-48E1-A1D9-436FB6328C73}"/>
+              </a:ext>
+            </a:extLst>
+          </p:cNvPr>
+          <p:cNvPicPr>
+            <a:picLocks noChangeAspect="1"/>
+          </p:cNvPicPr>
+          <p:nvPr/>
+        </p:nvPicPr>
+        <p:blipFill>
+          <a:blip r:embed="rId5">
+            <a:extLst>
+              <a:ext uri="{28A0092B-C50C-407E-A947-70E740481C1C}">
+                <a14:useLocalDpi xmlns:a14="http://schemas.microsoft.com/office/drawing/2010/main" val="0"/>
+              </a:ext>
+            </a:extLst>
+          </a:blip>
+          <a:srcRect/>
+          <a:stretch/>
+        </p:blipFill>
+        <p:spPr>
+          <a:xfrm>
+            <a:off x="2720819" y="643549"/>
+            <a:ext cx="6750362" cy="5400290"/>
+          </a:xfrm>
+          <a:prstGeom prst="rect">
+            <a:avLst/>
+          </a:prstGeom>
+        </p:spPr>
+      </p:pic>
+      <p:sp>
+        <p:nvSpPr>
+          <p:cNvPr id="2" name="Title 1">
+            <a:extLst>
+              <a:ext uri="{FF2B5EF4-FFF2-40B4-BE49-F238E27FC236}">
+                <a16:creationId xmlns:a16="http://schemas.microsoft.com/office/drawing/2014/main" id="{BE58AE84-15A3-424F-918C-5140AAC3D8FC}"/>
+              </a:ext>
+            </a:extLst>
+          </p:cNvPr>
+          <p:cNvSpPr>
+            <a:spLocks noGrp="1"/>
+          </p:cNvSpPr>
+          <p:nvPr>
+            <p:ph type="title"/>
+          </p:nvPr>
+        </p:nvSpPr>
+        <p:spPr/>
+        <p:txBody>
+          <a:bodyPr/>
+          <a:lstStyle/>
+          <a:p>
+            <a:r>
+              <a:rPr lang="en-GB" noProof="0" dirty="0"/>
+              <a:t>Results</a:t>
+            </a:r>
+          </a:p>
+        </p:txBody>
+      </p:sp>
+    </p:spTree>
+    <p:extLst>
+      <p:ext uri="{BB962C8B-B14F-4D97-AF65-F5344CB8AC3E}">
+        <p14:creationId xmlns:p14="http://schemas.microsoft.com/office/powerpoint/2010/main" val="1278218383"/>
+      </p:ext>
+    </p:extLst>
+  </p:cSld>
+  <p:clrMapOvr>
+    <a:masterClrMapping/>
+  </p:clrMapOvr>
+  <p:timing>
+    <p:tnLst>
+      <p:par>
+        <p:cTn id="1" dur="indefinite" restart="never" nodeType="tmRoot">
+          <p:childTnLst>
+            <p:seq concurrent="1" nextAc="seek">
+              <p:cTn id="2" dur="indefinite" nodeType="mainSeq">
+                <p:childTnLst>
+                  <p:par>
+                    <p:cTn id="3" fill="hold">
+                      <p:stCondLst>
+                        <p:cond delay="indefinite"/>
+                      </p:stCondLst>
+                      <p:childTnLst>
+                        <p:par>
+                          <p:cTn id="4" fill="hold">
+                            <p:stCondLst>
+                              <p:cond delay="0"/>
+                            </p:stCondLst>
+                            <p:childTnLst>
+                              <p:par>
+                                <p:cTn id="5" presetID="1" presetClass="entr" presetSubtype="0" fill="hold" nodeType="clickEffect">
+                                  <p:stCondLst>
+                                    <p:cond delay="0"/>
+                                  </p:stCondLst>
+                                  <p:childTnLst>
+                                    <p:set>
+                                      <p:cBhvr>
+                                        <p:cTn id="6" dur="1" fill="hold">
+                                          <p:stCondLst>
+                                            <p:cond delay="0"/>
+                                          </p:stCondLst>
+                                        </p:cTn>
+                                        <p:tgtEl>
+                                          <p:spTgt spid="22"/>
+                                        </p:tgtEl>
+                                        <p:attrNameLst>
+                                          <p:attrName>style.visibility</p:attrName>
+                                        </p:attrNameLst>
+                                      </p:cBhvr>
+                                      <p:to>
+                                        <p:strVal val="visible"/>
+                                      </p:to>
+                                    </p:set>
+                                  </p:childTnLst>
+                                </p:cTn>
+                              </p:par>
+                            </p:childTnLst>
+                          </p:cTn>
+                        </p:par>
+                      </p:childTnLst>
+                    </p:cTn>
+                  </p:par>
+                  <p:par>
+                    <p:cTn id="7" fill="hold">
+                      <p:stCondLst>
+                        <p:cond delay="indefinite"/>
+                      </p:stCondLst>
+                      <p:childTnLst>
+                        <p:par>
+                          <p:cTn id="8" fill="hold">
+                            <p:stCondLst>
+                              <p:cond delay="0"/>
+                            </p:stCondLst>
+                            <p:childTnLst>
+                              <p:par>
+                                <p:cTn id="9" presetID="1" presetClass="entr" presetSubtype="0" fill="hold" nodeType="clickEffect">
+                                  <p:stCondLst>
+                                    <p:cond delay="0"/>
+                                  </p:stCondLst>
+                                  <p:childTnLst>
+                                    <p:set>
+                                      <p:cBhvr>
+                                        <p:cTn id="10" dur="1" fill="hold">
+                                          <p:stCondLst>
+                                            <p:cond delay="0"/>
+                                          </p:stCondLst>
+                                        </p:cTn>
+                                        <p:tgtEl>
+                                          <p:spTgt spid="7"/>
+                                        </p:tgtEl>
+                                        <p:attrNameLst>
+                                          <p:attrName>style.visibility</p:attrName>
+                                        </p:attrNameLst>
+                                      </p:cBhvr>
+                                      <p:to>
+                                        <p:strVal val="visible"/>
+                                      </p:to>
+                                    </p:set>
+                                  </p:childTnLst>
+                                </p:cTn>
+                              </p:par>
+                            </p:childTnLst>
+                          </p:cTn>
+                        </p:par>
+                      </p:childTnLst>
+                    </p:cTn>
+                  </p:par>
+                </p:childTnLst>
+              </p:cTn>
+              <p:prevCondLst>
+                <p:cond evt="onPrev" delay="0">
+                  <p:tgtEl>
+                    <p:sldTgt/>
+                  </p:tgtEl>
+                </p:cond>
+              </p:prevCondLst>
+              <p:nextCondLst>
+                <p:cond evt="onNext" delay="0">
+                  <p:tgtEl>
+                    <p:sldTgt/>
+                  </p:tgtEl>
+                </p:cond>
+              </p:nextCondLst>
+            </p:seq>
+          </p:childTnLst>
+        </p:cTn>
+      </p:par>
+    </p:tnLst>
+  </p:timing>
+</p:sld>
+</file>
+
+<file path=ppt/slides/slide13.xml><?xml version="1.0" encoding="utf-8"?>
+<p:sld xmlns:a="http://schemas.openxmlformats.org/drawingml/2006/main" xmlns:r="http://schemas.openxmlformats.org/officeDocument/2006/relationships" xmlns:p="http://schemas.openxmlformats.org/presentationml/2006/main">
+  <p:cSld>
+    <p:spTree>
+      <p:nvGrpSpPr>
+        <p:cNvPr id="1" name=""/>
+        <p:cNvGrpSpPr/>
+        <p:nvPr/>
+      </p:nvGrpSpPr>
+      <p:grpSpPr>
+        <a:xfrm>
+          <a:off x="0" y="0"/>
+          <a:ext cx="0" cy="0"/>
+          <a:chOff x="0" y="0"/>
+          <a:chExt cx="0" cy="0"/>
+        </a:xfrm>
+      </p:grpSpPr>
+      <p:sp>
+        <p:nvSpPr>
+          <p:cNvPr id="2" name="Title 1">
+            <a:extLst>
+              <a:ext uri="{FF2B5EF4-FFF2-40B4-BE49-F238E27FC236}">
+                <a16:creationId xmlns:a16="http://schemas.microsoft.com/office/drawing/2014/main" id="{4D710711-00ED-4619-804C-698D6CD50837}"/>
+              </a:ext>
+            </a:extLst>
+          </p:cNvPr>
+          <p:cNvSpPr>
+            <a:spLocks noGrp="1"/>
+          </p:cNvSpPr>
+          <p:nvPr>
+            <p:ph type="title"/>
+          </p:nvPr>
+        </p:nvSpPr>
+        <p:spPr/>
+        <p:txBody>
+          <a:bodyPr/>
+          <a:lstStyle/>
+          <a:p>
+            <a:r>
               <a:rPr lang="en-150" dirty="0"/>
               <a:t>W</a:t>
             </a:r>
@@ -6809,7 +7793,7 @@
           <a:p>
             <a:fld id="{6565F0C3-D9E9-4961-A3A4-87F2116D4289}" type="slidenum">
               <a:rPr lang="en-GB" smtClean="0"/>
-              <a:t>10</a:t>
+              <a:t>13</a:t>
             </a:fld>
             <a:endParaRPr lang="en-GB" dirty="0"/>
           </a:p>
@@ -7488,7 +8472,7 @@
           <p:cNvPr id="2" name="Title 1">
             <a:extLst>
               <a:ext uri="{FF2B5EF4-FFF2-40B4-BE49-F238E27FC236}">
-                <a16:creationId xmlns:a16="http://schemas.microsoft.com/office/drawing/2014/main" id="{E4F7AE00-7CD3-48A4-BFE5-A5734B3E7388}"/>
+                <a16:creationId xmlns:a16="http://schemas.microsoft.com/office/drawing/2014/main" id="{92E9E4CE-AFA2-4F14-8721-FC00D0962E42}"/>
               </a:ext>
             </a:extLst>
           </p:cNvPr>
@@ -7516,63 +8500,7 @@
           <a:p>
             <a:r>
               <a:rPr lang="en-150" dirty="0"/>
-              <a:t>A</a:t>
-            </a:r>
-            <a:r>
-              <a:rPr lang="en-GB" dirty="0"/>
-              <a:t>l</a:t>
-            </a:r>
-            <a:r>
-              <a:rPr lang="en-150" dirty="0"/>
-              <a:t>g</a:t>
-            </a:r>
-            <a:r>
-              <a:rPr lang="en-GB" dirty="0"/>
-              <a:t>o</a:t>
-            </a:r>
-            <a:r>
-              <a:rPr lang="en-150" dirty="0"/>
-              <a:t>r</a:t>
-            </a:r>
-            <a:r>
-              <a:rPr lang="en-GB" dirty="0"/>
-              <a:t>i</a:t>
-            </a:r>
-            <a:r>
-              <a:rPr lang="en-150" dirty="0"/>
-              <a:t>t</a:t>
-            </a:r>
-            <a:r>
-              <a:rPr lang="en-GB" dirty="0"/>
-              <a:t>h</a:t>
-            </a:r>
-            <a:r>
-              <a:rPr lang="en-150" dirty="0"/>
-              <a:t>m </a:t>
-            </a:r>
-            <a:r>
-              <a:rPr lang="en-GB" dirty="0"/>
-              <a:t>c</a:t>
-            </a:r>
-            <a:r>
-              <a:rPr lang="en-150" dirty="0"/>
-              <a:t>h</a:t>
-            </a:r>
-            <a:r>
-              <a:rPr lang="en-GB" dirty="0"/>
-              <a:t>a</a:t>
-            </a:r>
-            <a:r>
-              <a:rPr lang="en-150" dirty="0"/>
-              <a:t>n</a:t>
-            </a:r>
-            <a:r>
-              <a:rPr lang="en-GB" dirty="0"/>
-              <a:t>g</a:t>
-            </a:r>
-            <a:r>
-              <a:rPr lang="en-150" dirty="0"/>
-              <a:t>e</a:t>
+              <a:t>Bug with busy cores</a:t>
             </a:r>
             <a:endParaRPr lang="en-GB" dirty="0"/>
           </a:p>
@@ -7580,10 +8508,10 @@
       </p:sp>
       <p:pic>
         <p:nvPicPr>
-          <p:cNvPr id="6" name="Content Placeholder 5" descr="A picture containing bird&#10;&#10;Description automatically generated">
+          <p:cNvPr id="6" name="Content Placeholder 5" descr="A screenshot of a cell phone&#10;&#10;Description automatically generated">
             <a:extLst>
               <a:ext uri="{FF2B5EF4-FFF2-40B4-BE49-F238E27FC236}">
-                <a16:creationId xmlns:a16="http://schemas.microsoft.com/office/drawing/2014/main" id="{FA2A48C8-2DCF-4448-875D-8B6D118F1592}"/>
+                <a16:creationId xmlns:a16="http://schemas.microsoft.com/office/drawing/2014/main" id="{6B395583-7BED-4803-A9D9-9588EF68A845}"/>
               </a:ext>
             </a:extLst>
           </p:cNvPr>
@@ -7591,7 +8519,7 @@
             <a:picLocks noGrp="1" noChangeAspect="1"/>
           </p:cNvPicPr>
           <p:nvPr>
-            <p:ph idx="1"/>
+            <p:ph sz="half" idx="1"/>
           </p:nvPr>
         </p:nvPicPr>
         <p:blipFill>
@@ -7608,8 +8536,8 @@
         </p:blipFill>
         <p:spPr>
           <a:xfrm>
-            <a:off x="2346072" y="1596044"/>
-            <a:ext cx="7499855" cy="4481163"/>
+            <a:off x="838200" y="2237232"/>
+            <a:ext cx="5181600" cy="2383536"/>
           </a:xfrm>
           <a:prstGeom prst="rect">
             <a:avLst/>
@@ -7617,12 +8545,1229 @@
           <a:noFill/>
         </p:spPr>
       </p:pic>
+      <mc:AlternateContent xmlns:mc="http://schemas.openxmlformats.org/markup-compatibility/2006">
+        <mc:Choice xmlns:a14="http://schemas.microsoft.com/office/drawing/2010/main" Requires="a14">
+          <p:graphicFrame>
+            <p:nvGraphicFramePr>
+              <p:cNvPr id="7" name="Table 7">
+                <a:extLst>
+                  <a:ext uri="{FF2B5EF4-FFF2-40B4-BE49-F238E27FC236}">
+                    <a16:creationId xmlns:a16="http://schemas.microsoft.com/office/drawing/2014/main" id="{7AF2EC91-3C9F-438B-98C6-D6D3ABF4C8D0}"/>
+                  </a:ext>
+                </a:extLst>
+              </p:cNvPr>
+              <p:cNvGraphicFramePr>
+                <a:graphicFrameLocks noGrp="1"/>
+              </p:cNvGraphicFramePr>
+              <p:nvPr>
+                <p:ph sz="half" idx="2"/>
+                <p:extLst>
+                  <p:ext uri="{D42A27DB-BD31-4B8C-83A1-F6EECF244321}">
+                    <p14:modId xmlns:p14="http://schemas.microsoft.com/office/powerpoint/2010/main" val="3389056998"/>
+                  </p:ext>
+                </p:extLst>
+              </p:nvPr>
+            </p:nvGraphicFramePr>
+            <p:xfrm>
+              <a:off x="6172202" y="2501900"/>
+              <a:ext cx="5181595" cy="1854200"/>
+            </p:xfrm>
+            <a:graphic>
+              <a:graphicData uri="http://schemas.openxmlformats.org/drawingml/2006/table">
+                <a:tbl>
+                  <a:tblPr firstRow="1" bandRow="1">
+                    <a:tableStyleId>{5C22544A-7EE6-4342-B048-85BDC9FD1C3A}</a:tableStyleId>
+                  </a:tblPr>
+                  <a:tblGrid>
+                    <a:gridCol w="1036319">
+                      <a:extLst>
+                        <a:ext uri="{9D8B030D-6E8A-4147-A177-3AD203B41FA5}">
+                          <a16:colId xmlns:a16="http://schemas.microsoft.com/office/drawing/2014/main" val="4148035995"/>
+                        </a:ext>
+                      </a:extLst>
+                    </a:gridCol>
+                    <a:gridCol w="1036319">
+                      <a:extLst>
+                        <a:ext uri="{9D8B030D-6E8A-4147-A177-3AD203B41FA5}">
+                          <a16:colId xmlns:a16="http://schemas.microsoft.com/office/drawing/2014/main" val="3339124467"/>
+                        </a:ext>
+                      </a:extLst>
+                    </a:gridCol>
+                    <a:gridCol w="1036319">
+                      <a:extLst>
+                        <a:ext uri="{9D8B030D-6E8A-4147-A177-3AD203B41FA5}">
+                          <a16:colId xmlns:a16="http://schemas.microsoft.com/office/drawing/2014/main" val="379490230"/>
+                        </a:ext>
+                      </a:extLst>
+                    </a:gridCol>
+                    <a:gridCol w="1036319">
+                      <a:extLst>
+                        <a:ext uri="{9D8B030D-6E8A-4147-A177-3AD203B41FA5}">
+                          <a16:colId xmlns:a16="http://schemas.microsoft.com/office/drawing/2014/main" val="3558852644"/>
+                        </a:ext>
+                      </a:extLst>
+                    </a:gridCol>
+                    <a:gridCol w="1036319">
+                      <a:extLst>
+                        <a:ext uri="{9D8B030D-6E8A-4147-A177-3AD203B41FA5}">
+                          <a16:colId xmlns:a16="http://schemas.microsoft.com/office/drawing/2014/main" val="3340908239"/>
+                        </a:ext>
+                      </a:extLst>
+                    </a:gridCol>
+                  </a:tblGrid>
+                  <a:tr h="370840">
+                    <a:tc>
+                      <a:txBody>
+                        <a:bodyPr/>
+                        <a:lstStyle/>
+                        <a:p>
+                          <a14:m>
+                            <m:oMathPara xmlns:m="http://schemas.openxmlformats.org/officeDocument/2006/math">
+                              <m:oMathParaPr>
+                                <m:jc m:val="centerGroup"/>
+                              </m:oMathParaPr>
+                              <m:oMath xmlns:m="http://schemas.openxmlformats.org/officeDocument/2006/math">
+                                <m:sSub>
+                                  <m:sSubPr>
+                                    <m:ctrlPr>
+                                      <a:rPr lang="en-150" b="1" i="1" smtClean="0">
+                                        <a:latin typeface="Cambria Math" panose="02040503050406030204" pitchFamily="18" charset="0"/>
+                                      </a:rPr>
+                                    </m:ctrlPr>
+                                  </m:sSubPr>
+                                  <m:e>
+                                    <m:r>
+                                      <a:rPr lang="en-150" b="1" i="1" smtClean="0">
+                                        <a:latin typeface="Cambria Math" panose="02040503050406030204" pitchFamily="18" charset="0"/>
+                                      </a:rPr>
+                                      <m:t>𝝉</m:t>
+                                    </m:r>
+                                  </m:e>
+                                  <m:sub>
+                                    <m:r>
+                                      <a:rPr lang="en-150" b="1" i="1" smtClean="0">
+                                        <a:latin typeface="Cambria Math" panose="02040503050406030204" pitchFamily="18" charset="0"/>
+                                      </a:rPr>
+                                      <m:t>𝒊</m:t>
+                                    </m:r>
+                                  </m:sub>
+                                </m:sSub>
+                              </m:oMath>
+                            </m:oMathPara>
+                          </a14:m>
+                          <a:endParaRPr lang="en-GB" dirty="0"/>
+                        </a:p>
+                      </a:txBody>
+                      <a:tcPr/>
+                    </a:tc>
+                    <a:tc>
+                      <a:txBody>
+                        <a:bodyPr/>
+                        <a:lstStyle/>
+                        <a:p>
+                          <a14:m>
+                            <m:oMathPara xmlns:m="http://schemas.openxmlformats.org/officeDocument/2006/math">
+                              <m:oMathParaPr>
+                                <m:jc m:val="centerGroup"/>
+                              </m:oMathParaPr>
+                              <m:oMath xmlns:m="http://schemas.openxmlformats.org/officeDocument/2006/math">
+                                <m:sSub>
+                                  <m:sSubPr>
+                                    <m:ctrlPr>
+                                      <a:rPr lang="en-150" b="1" i="1" smtClean="0">
+                                        <a:latin typeface="Cambria Math" panose="02040503050406030204" pitchFamily="18" charset="0"/>
+                                      </a:rPr>
+                                    </m:ctrlPr>
+                                  </m:sSubPr>
+                                  <m:e>
+                                    <m:r>
+                                      <a:rPr lang="en-150" b="1" i="1" smtClean="0">
+                                        <a:latin typeface="Cambria Math" panose="02040503050406030204" pitchFamily="18" charset="0"/>
+                                      </a:rPr>
+                                      <m:t>𝒔</m:t>
+                                    </m:r>
+                                  </m:e>
+                                  <m:sub>
+                                    <m:r>
+                                      <a:rPr lang="en-150" b="1" i="1" smtClean="0">
+                                        <a:latin typeface="Cambria Math" panose="02040503050406030204" pitchFamily="18" charset="0"/>
+                                      </a:rPr>
+                                      <m:t>𝒊</m:t>
+                                    </m:r>
+                                  </m:sub>
+                                </m:sSub>
+                              </m:oMath>
+                            </m:oMathPara>
+                          </a14:m>
+                          <a:endParaRPr lang="en-GB" dirty="0"/>
+                        </a:p>
+                      </a:txBody>
+                      <a:tcPr/>
+                    </a:tc>
+                    <a:tc>
+                      <a:txBody>
+                        <a:bodyPr/>
+                        <a:lstStyle/>
+                        <a:p>
+                          <a14:m>
+                            <m:oMathPara xmlns:m="http://schemas.openxmlformats.org/officeDocument/2006/math">
+                              <m:oMathParaPr>
+                                <m:jc m:val="centerGroup"/>
+                              </m:oMathParaPr>
+                              <m:oMath xmlns:m="http://schemas.openxmlformats.org/officeDocument/2006/math">
+                                <m:sSub>
+                                  <m:sSubPr>
+                                    <m:ctrlPr>
+                                      <a:rPr lang="en-150" b="1" i="1" smtClean="0">
+                                        <a:latin typeface="Cambria Math" panose="02040503050406030204" pitchFamily="18" charset="0"/>
+                                      </a:rPr>
+                                    </m:ctrlPr>
+                                  </m:sSubPr>
+                                  <m:e>
+                                    <m:r>
+                                      <a:rPr lang="en-150" b="1" i="1" smtClean="0">
+                                        <a:latin typeface="Cambria Math" panose="02040503050406030204" pitchFamily="18" charset="0"/>
+                                      </a:rPr>
+                                      <m:t>𝒑</m:t>
+                                    </m:r>
+                                  </m:e>
+                                  <m:sub>
+                                    <m:r>
+                                      <a:rPr lang="en-150" b="1" i="1" smtClean="0">
+                                        <a:latin typeface="Cambria Math" panose="02040503050406030204" pitchFamily="18" charset="0"/>
+                                      </a:rPr>
+                                      <m:t>𝒊</m:t>
+                                    </m:r>
+                                  </m:sub>
+                                </m:sSub>
+                              </m:oMath>
+                            </m:oMathPara>
+                          </a14:m>
+                          <a:endParaRPr lang="en-GB" dirty="0"/>
+                        </a:p>
+                      </a:txBody>
+                      <a:tcPr/>
+                    </a:tc>
+                    <a:tc>
+                      <a:txBody>
+                        <a:bodyPr/>
+                        <a:lstStyle/>
+                        <a:p>
+                          <a14:m>
+                            <m:oMathPara xmlns:m="http://schemas.openxmlformats.org/officeDocument/2006/math">
+                              <m:oMathParaPr>
+                                <m:jc m:val="centerGroup"/>
+                              </m:oMathParaPr>
+                              <m:oMath xmlns:m="http://schemas.openxmlformats.org/officeDocument/2006/math">
+                                <m:sSub>
+                                  <m:sSubPr>
+                                    <m:ctrlPr>
+                                      <a:rPr lang="en-150" b="1" i="1" smtClean="0">
+                                        <a:latin typeface="Cambria Math" panose="02040503050406030204" pitchFamily="18" charset="0"/>
+                                      </a:rPr>
+                                    </m:ctrlPr>
+                                  </m:sSubPr>
+                                  <m:e>
+                                    <m:r>
+                                      <a:rPr lang="en-150" b="1" i="1" smtClean="0">
+                                        <a:latin typeface="Cambria Math" panose="02040503050406030204" pitchFamily="18" charset="0"/>
+                                      </a:rPr>
+                                      <m:t>𝒅</m:t>
+                                    </m:r>
+                                  </m:e>
+                                  <m:sub>
+                                    <m:r>
+                                      <a:rPr lang="en-150" b="1" i="1" smtClean="0">
+                                        <a:latin typeface="Cambria Math" panose="02040503050406030204" pitchFamily="18" charset="0"/>
+                                      </a:rPr>
+                                      <m:t>𝒊</m:t>
+                                    </m:r>
+                                  </m:sub>
+                                </m:sSub>
+                              </m:oMath>
+                            </m:oMathPara>
+                          </a14:m>
+                          <a:endParaRPr lang="en-GB" dirty="0"/>
+                        </a:p>
+                      </a:txBody>
+                      <a:tcPr/>
+                    </a:tc>
+                    <a:tc>
+                      <a:txBody>
+                        <a:bodyPr/>
+                        <a:lstStyle/>
+                        <a:p>
+                          <a14:m>
+                            <m:oMathPara xmlns:m="http://schemas.openxmlformats.org/officeDocument/2006/math">
+                              <m:oMathParaPr>
+                                <m:jc m:val="centerGroup"/>
+                              </m:oMathParaPr>
+                              <m:oMath xmlns:m="http://schemas.openxmlformats.org/officeDocument/2006/math">
+                                <m:sSub>
+                                  <m:sSubPr>
+                                    <m:ctrlPr>
+                                      <a:rPr lang="en-150" b="1" i="1" smtClean="0">
+                                        <a:latin typeface="Cambria Math" panose="02040503050406030204" pitchFamily="18" charset="0"/>
+                                      </a:rPr>
+                                    </m:ctrlPr>
+                                  </m:sSubPr>
+                                  <m:e>
+                                    <m:r>
+                                      <a:rPr lang="en-150" b="1" i="1" smtClean="0">
+                                        <a:latin typeface="Cambria Math" panose="02040503050406030204" pitchFamily="18" charset="0"/>
+                                      </a:rPr>
+                                      <m:t>𝒄</m:t>
+                                    </m:r>
+                                  </m:e>
+                                  <m:sub>
+                                    <m:r>
+                                      <a:rPr lang="en-150" b="1" i="1" smtClean="0">
+                                        <a:latin typeface="Cambria Math" panose="02040503050406030204" pitchFamily="18" charset="0"/>
+                                      </a:rPr>
+                                      <m:t>𝒊</m:t>
+                                    </m:r>
+                                  </m:sub>
+                                </m:sSub>
+                              </m:oMath>
+                            </m:oMathPara>
+                          </a14:m>
+                          <a:endParaRPr lang="en-GB" dirty="0"/>
+                        </a:p>
+                      </a:txBody>
+                      <a:tcPr/>
+                    </a:tc>
+                    <a:extLst>
+                      <a:ext uri="{0D108BD9-81ED-4DB2-BD59-A6C34878D82A}">
+                        <a16:rowId xmlns:a16="http://schemas.microsoft.com/office/drawing/2014/main" val="1387157273"/>
+                      </a:ext>
+                    </a:extLst>
+                  </a:tr>
+                  <a:tr h="370840">
+                    <a:tc>
+                      <a:txBody>
+                        <a:bodyPr/>
+                        <a:lstStyle/>
+                        <a:p>
+                          <a14:m>
+                            <m:oMathPara xmlns:m="http://schemas.openxmlformats.org/officeDocument/2006/math">
+                              <m:oMathParaPr>
+                                <m:jc m:val="centerGroup"/>
+                              </m:oMathParaPr>
+                              <m:oMath xmlns:m="http://schemas.openxmlformats.org/officeDocument/2006/math">
+                                <m:sSub>
+                                  <m:sSubPr>
+                                    <m:ctrlPr>
+                                      <a:rPr lang="en-150" b="0" i="1" smtClean="0">
+                                        <a:latin typeface="Cambria Math" panose="02040503050406030204" pitchFamily="18" charset="0"/>
+                                      </a:rPr>
+                                    </m:ctrlPr>
+                                  </m:sSubPr>
+                                  <m:e>
+                                    <m:r>
+                                      <a:rPr lang="en-150" b="0" i="1" smtClean="0">
+                                        <a:latin typeface="Cambria Math" panose="02040503050406030204" pitchFamily="18" charset="0"/>
+                                      </a:rPr>
+                                      <m:t>𝜏</m:t>
+                                    </m:r>
+                                  </m:e>
+                                  <m:sub>
+                                    <m:r>
+                                      <a:rPr lang="en-150" b="0" i="1" smtClean="0">
+                                        <a:latin typeface="Cambria Math" panose="02040503050406030204" pitchFamily="18" charset="0"/>
+                                      </a:rPr>
+                                      <m:t>1</m:t>
+                                    </m:r>
+                                  </m:sub>
+                                </m:sSub>
+                              </m:oMath>
+                            </m:oMathPara>
+                          </a14:m>
+                          <a:endParaRPr lang="en-GB" dirty="0"/>
+                        </a:p>
+                      </a:txBody>
+                      <a:tcPr/>
+                    </a:tc>
+                    <a:tc>
+                      <a:txBody>
+                        <a:bodyPr/>
+                        <a:lstStyle/>
+                        <a:p>
+                          <a:r>
+                            <a:rPr lang="en-150" dirty="0"/>
+                            <a:t>1</a:t>
+                          </a:r>
+                          <a:endParaRPr lang="en-GB" dirty="0"/>
+                        </a:p>
+                      </a:txBody>
+                      <a:tcPr/>
+                    </a:tc>
+                    <a:tc>
+                      <a:txBody>
+                        <a:bodyPr/>
+                        <a:lstStyle/>
+                        <a:p>
+                          <a:r>
+                            <a:rPr lang="en-150" dirty="0"/>
+                            <a:t>1</a:t>
+                          </a:r>
+                          <a:endParaRPr lang="en-GB" dirty="0"/>
+                        </a:p>
+                      </a:txBody>
+                      <a:tcPr/>
+                    </a:tc>
+                    <a:tc>
+                      <a:txBody>
+                        <a:bodyPr/>
+                        <a:lstStyle/>
+                        <a:p>
+                          <a:r>
+                            <a:rPr lang="en-150" dirty="0"/>
+                            <a:t>100</a:t>
+                          </a:r>
+                          <a:endParaRPr lang="en-GB" dirty="0"/>
+                        </a:p>
+                      </a:txBody>
+                      <a:tcPr/>
+                    </a:tc>
+                    <a:tc>
+                      <a:txBody>
+                        <a:bodyPr/>
+                        <a:lstStyle/>
+                        <a:p>
+                          <a:r>
+                            <a:rPr lang="en-150" dirty="0"/>
+                            <a:t>5</a:t>
+                          </a:r>
+                          <a:endParaRPr lang="en-GB" dirty="0"/>
+                        </a:p>
+                      </a:txBody>
+                      <a:tcPr/>
+                    </a:tc>
+                    <a:extLst>
+                      <a:ext uri="{0D108BD9-81ED-4DB2-BD59-A6C34878D82A}">
+                        <a16:rowId xmlns:a16="http://schemas.microsoft.com/office/drawing/2014/main" val="53932405"/>
+                      </a:ext>
+                    </a:extLst>
+                  </a:tr>
+                  <a:tr h="370840">
+                    <a:tc>
+                      <a:txBody>
+                        <a:bodyPr/>
+                        <a:lstStyle/>
+                        <a:p>
+                          <a14:m>
+                            <m:oMathPara xmlns:m="http://schemas.openxmlformats.org/officeDocument/2006/math">
+                              <m:oMathParaPr>
+                                <m:jc m:val="centerGroup"/>
+                              </m:oMathParaPr>
+                              <m:oMath xmlns:m="http://schemas.openxmlformats.org/officeDocument/2006/math">
+                                <m:sSub>
+                                  <m:sSubPr>
+                                    <m:ctrlPr>
+                                      <a:rPr lang="en-150" b="0" i="1" smtClean="0">
+                                        <a:latin typeface="Cambria Math" panose="02040503050406030204" pitchFamily="18" charset="0"/>
+                                      </a:rPr>
+                                    </m:ctrlPr>
+                                  </m:sSubPr>
+                                  <m:e>
+                                    <m:r>
+                                      <a:rPr lang="en-150" b="0" i="1" smtClean="0">
+                                        <a:latin typeface="Cambria Math" panose="02040503050406030204" pitchFamily="18" charset="0"/>
+                                      </a:rPr>
+                                      <m:t>𝜏</m:t>
+                                    </m:r>
+                                  </m:e>
+                                  <m:sub>
+                                    <m:r>
+                                      <a:rPr lang="en-150" b="0" i="1" smtClean="0">
+                                        <a:latin typeface="Cambria Math" panose="02040503050406030204" pitchFamily="18" charset="0"/>
+                                      </a:rPr>
+                                      <m:t>2</m:t>
+                                    </m:r>
+                                  </m:sub>
+                                </m:sSub>
+                              </m:oMath>
+                            </m:oMathPara>
+                          </a14:m>
+                          <a:endParaRPr lang="en-GB" dirty="0"/>
+                        </a:p>
+                      </a:txBody>
+                      <a:tcPr/>
+                    </a:tc>
+                    <a:tc>
+                      <a:txBody>
+                        <a:bodyPr/>
+                        <a:lstStyle/>
+                        <a:p>
+                          <a:r>
+                            <a:rPr lang="en-150" dirty="0"/>
+                            <a:t>2</a:t>
+                          </a:r>
+                          <a:endParaRPr lang="en-GB" dirty="0"/>
+                        </a:p>
+                      </a:txBody>
+                      <a:tcPr/>
+                    </a:tc>
+                    <a:tc>
+                      <a:txBody>
+                        <a:bodyPr/>
+                        <a:lstStyle/>
+                        <a:p>
+                          <a:r>
+                            <a:rPr lang="en-150" dirty="0"/>
+                            <a:t>2</a:t>
+                          </a:r>
+                          <a:endParaRPr lang="en-GB" dirty="0"/>
+                        </a:p>
+                      </a:txBody>
+                      <a:tcPr/>
+                    </a:tc>
+                    <a:tc>
+                      <a:txBody>
+                        <a:bodyPr/>
+                        <a:lstStyle/>
+                        <a:p>
+                          <a:r>
+                            <a:rPr lang="en-150" dirty="0"/>
+                            <a:t>20</a:t>
+                          </a:r>
+                          <a:endParaRPr lang="en-GB" dirty="0"/>
+                        </a:p>
+                      </a:txBody>
+                      <a:tcPr/>
+                    </a:tc>
+                    <a:tc>
+                      <a:txBody>
+                        <a:bodyPr/>
+                        <a:lstStyle/>
+                        <a:p>
+                          <a:r>
+                            <a:rPr lang="en-150" dirty="0"/>
+                            <a:t>5</a:t>
+                          </a:r>
+                          <a:endParaRPr lang="en-GB" dirty="0"/>
+                        </a:p>
+                      </a:txBody>
+                      <a:tcPr/>
+                    </a:tc>
+                    <a:extLst>
+                      <a:ext uri="{0D108BD9-81ED-4DB2-BD59-A6C34878D82A}">
+                        <a16:rowId xmlns:a16="http://schemas.microsoft.com/office/drawing/2014/main" val="4198853159"/>
+                      </a:ext>
+                    </a:extLst>
+                  </a:tr>
+                  <a:tr h="370840">
+                    <a:tc>
+                      <a:txBody>
+                        <a:bodyPr/>
+                        <a:lstStyle/>
+                        <a:p>
+                          <a14:m>
+                            <m:oMathPara xmlns:m="http://schemas.openxmlformats.org/officeDocument/2006/math">
+                              <m:oMathParaPr>
+                                <m:jc m:val="centerGroup"/>
+                              </m:oMathParaPr>
+                              <m:oMath xmlns:m="http://schemas.openxmlformats.org/officeDocument/2006/math">
+                                <m:sSub>
+                                  <m:sSubPr>
+                                    <m:ctrlPr>
+                                      <a:rPr lang="en-150" b="0" i="1" smtClean="0">
+                                        <a:latin typeface="Cambria Math" panose="02040503050406030204" pitchFamily="18" charset="0"/>
+                                      </a:rPr>
+                                    </m:ctrlPr>
+                                  </m:sSubPr>
+                                  <m:e>
+                                    <m:r>
+                                      <a:rPr lang="en-150" b="0" i="1" smtClean="0">
+                                        <a:latin typeface="Cambria Math" panose="02040503050406030204" pitchFamily="18" charset="0"/>
+                                      </a:rPr>
+                                      <m:t>𝜏</m:t>
+                                    </m:r>
+                                  </m:e>
+                                  <m:sub>
+                                    <m:r>
+                                      <a:rPr lang="en-150" b="0" i="1" smtClean="0">
+                                        <a:latin typeface="Cambria Math" panose="02040503050406030204" pitchFamily="18" charset="0"/>
+                                      </a:rPr>
+                                      <m:t>3</m:t>
+                                    </m:r>
+                                  </m:sub>
+                                </m:sSub>
+                              </m:oMath>
+                            </m:oMathPara>
+                          </a14:m>
+                          <a:endParaRPr lang="en-GB" dirty="0"/>
+                        </a:p>
+                      </a:txBody>
+                      <a:tcPr/>
+                    </a:tc>
+                    <a:tc>
+                      <a:txBody>
+                        <a:bodyPr/>
+                        <a:lstStyle/>
+                        <a:p>
+                          <a:r>
+                            <a:rPr lang="en-150" dirty="0"/>
+                            <a:t>1</a:t>
+                          </a:r>
+                          <a:endParaRPr lang="en-GB" dirty="0"/>
+                        </a:p>
+                      </a:txBody>
+                      <a:tcPr/>
+                    </a:tc>
+                    <a:tc>
+                      <a:txBody>
+                        <a:bodyPr/>
+                        <a:lstStyle/>
+                        <a:p>
+                          <a:r>
+                            <a:rPr lang="en-150" dirty="0"/>
+                            <a:t>3</a:t>
+                          </a:r>
+                          <a:endParaRPr lang="en-GB" dirty="0"/>
+                        </a:p>
+                      </a:txBody>
+                      <a:tcPr/>
+                    </a:tc>
+                    <a:tc>
+                      <a:txBody>
+                        <a:bodyPr/>
+                        <a:lstStyle/>
+                        <a:p>
+                          <a:r>
+                            <a:rPr lang="en-150" dirty="0"/>
+                            <a:t>100</a:t>
+                          </a:r>
+                          <a:endParaRPr lang="en-GB" dirty="0"/>
+                        </a:p>
+                      </a:txBody>
+                      <a:tcPr/>
+                    </a:tc>
+                    <a:tc>
+                      <a:txBody>
+                        <a:bodyPr/>
+                        <a:lstStyle/>
+                        <a:p>
+                          <a:r>
+                            <a:rPr lang="en-150" dirty="0"/>
+                            <a:t>20</a:t>
+                          </a:r>
+                          <a:endParaRPr lang="en-GB" dirty="0"/>
+                        </a:p>
+                      </a:txBody>
+                      <a:tcPr/>
+                    </a:tc>
+                    <a:extLst>
+                      <a:ext uri="{0D108BD9-81ED-4DB2-BD59-A6C34878D82A}">
+                        <a16:rowId xmlns:a16="http://schemas.microsoft.com/office/drawing/2014/main" val="253922531"/>
+                      </a:ext>
+                    </a:extLst>
+                  </a:tr>
+                  <a:tr h="370840">
+                    <a:tc>
+                      <a:txBody>
+                        <a:bodyPr/>
+                        <a:lstStyle/>
+                        <a:p>
+                          <a14:m>
+                            <m:oMathPara xmlns:m="http://schemas.openxmlformats.org/officeDocument/2006/math">
+                              <m:oMathParaPr>
+                                <m:jc m:val="centerGroup"/>
+                              </m:oMathParaPr>
+                              <m:oMath xmlns:m="http://schemas.openxmlformats.org/officeDocument/2006/math">
+                                <m:sSub>
+                                  <m:sSubPr>
+                                    <m:ctrlPr>
+                                      <a:rPr lang="en-150" b="0" i="1" smtClean="0">
+                                        <a:latin typeface="Cambria Math" panose="02040503050406030204" pitchFamily="18" charset="0"/>
+                                      </a:rPr>
+                                    </m:ctrlPr>
+                                  </m:sSubPr>
+                                  <m:e>
+                                    <m:r>
+                                      <a:rPr lang="en-150" b="0" i="1" smtClean="0">
+                                        <a:latin typeface="Cambria Math" panose="02040503050406030204" pitchFamily="18" charset="0"/>
+                                      </a:rPr>
+                                      <m:t>𝜏</m:t>
+                                    </m:r>
+                                  </m:e>
+                                  <m:sub>
+                                    <m:r>
+                                      <a:rPr lang="en-150" b="0" i="1" smtClean="0">
+                                        <a:latin typeface="Cambria Math" panose="02040503050406030204" pitchFamily="18" charset="0"/>
+                                      </a:rPr>
+                                      <m:t>4</m:t>
+                                    </m:r>
+                                  </m:sub>
+                                </m:sSub>
+                              </m:oMath>
+                            </m:oMathPara>
+                          </a14:m>
+                          <a:endParaRPr lang="en-GB" dirty="0"/>
+                        </a:p>
+                      </a:txBody>
+                      <a:tcPr/>
+                    </a:tc>
+                    <a:tc>
+                      <a:txBody>
+                        <a:bodyPr/>
+                        <a:lstStyle/>
+                        <a:p>
+                          <a:r>
+                            <a:rPr lang="en-150" dirty="0"/>
+                            <a:t>1</a:t>
+                          </a:r>
+                          <a:endParaRPr lang="en-GB" dirty="0"/>
+                        </a:p>
+                      </a:txBody>
+                      <a:tcPr/>
+                    </a:tc>
+                    <a:tc>
+                      <a:txBody>
+                        <a:bodyPr/>
+                        <a:lstStyle/>
+                        <a:p>
+                          <a:r>
+                            <a:rPr lang="en-150" dirty="0"/>
+                            <a:t>4</a:t>
+                          </a:r>
+                          <a:endParaRPr lang="en-GB" dirty="0"/>
+                        </a:p>
+                      </a:txBody>
+                      <a:tcPr/>
+                    </a:tc>
+                    <a:tc>
+                      <a:txBody>
+                        <a:bodyPr/>
+                        <a:lstStyle/>
+                        <a:p>
+                          <a:r>
+                            <a:rPr lang="en-150" dirty="0"/>
+                            <a:t>100</a:t>
+                          </a:r>
+                          <a:endParaRPr lang="en-GB" dirty="0"/>
+                        </a:p>
+                      </a:txBody>
+                      <a:tcPr/>
+                    </a:tc>
+                    <a:tc>
+                      <a:txBody>
+                        <a:bodyPr/>
+                        <a:lstStyle/>
+                        <a:p>
+                          <a:r>
+                            <a:rPr lang="en-150" dirty="0"/>
+                            <a:t>20</a:t>
+                          </a:r>
+                          <a:endParaRPr lang="en-GB" dirty="0"/>
+                        </a:p>
+                      </a:txBody>
+                      <a:tcPr/>
+                    </a:tc>
+                    <a:extLst>
+                      <a:ext uri="{0D108BD9-81ED-4DB2-BD59-A6C34878D82A}">
+                        <a16:rowId xmlns:a16="http://schemas.microsoft.com/office/drawing/2014/main" val="334170670"/>
+                      </a:ext>
+                    </a:extLst>
+                  </a:tr>
+                </a:tbl>
+              </a:graphicData>
+            </a:graphic>
+          </p:graphicFrame>
+        </mc:Choice>
+        <mc:Fallback>
+          <p:graphicFrame>
+            <p:nvGraphicFramePr>
+              <p:cNvPr id="7" name="Table 7">
+                <a:extLst>
+                  <a:ext uri="{FF2B5EF4-FFF2-40B4-BE49-F238E27FC236}">
+                    <a16:creationId xmlns:a16="http://schemas.microsoft.com/office/drawing/2014/main" id="{7AF2EC91-3C9F-438B-98C6-D6D3ABF4C8D0}"/>
+                  </a:ext>
+                </a:extLst>
+              </p:cNvPr>
+              <p:cNvGraphicFramePr>
+                <a:graphicFrameLocks noGrp="1"/>
+              </p:cNvGraphicFramePr>
+              <p:nvPr>
+                <p:ph sz="half" idx="2"/>
+                <p:extLst>
+                  <p:ext uri="{D42A27DB-BD31-4B8C-83A1-F6EECF244321}">
+                    <p14:modId xmlns:p14="http://schemas.microsoft.com/office/powerpoint/2010/main" val="3389056998"/>
+                  </p:ext>
+                </p:extLst>
+              </p:nvPr>
+            </p:nvGraphicFramePr>
+            <p:xfrm>
+              <a:off x="6172202" y="2501900"/>
+              <a:ext cx="5181595" cy="1854200"/>
+            </p:xfrm>
+            <a:graphic>
+              <a:graphicData uri="http://schemas.openxmlformats.org/drawingml/2006/table">
+                <a:tbl>
+                  <a:tblPr firstRow="1" bandRow="1">
+                    <a:tableStyleId>{5C22544A-7EE6-4342-B048-85BDC9FD1C3A}</a:tableStyleId>
+                  </a:tblPr>
+                  <a:tblGrid>
+                    <a:gridCol w="1036319">
+                      <a:extLst>
+                        <a:ext uri="{9D8B030D-6E8A-4147-A177-3AD203B41FA5}">
+                          <a16:colId xmlns:a16="http://schemas.microsoft.com/office/drawing/2014/main" val="4148035995"/>
+                        </a:ext>
+                      </a:extLst>
+                    </a:gridCol>
+                    <a:gridCol w="1036319">
+                      <a:extLst>
+                        <a:ext uri="{9D8B030D-6E8A-4147-A177-3AD203B41FA5}">
+                          <a16:colId xmlns:a16="http://schemas.microsoft.com/office/drawing/2014/main" val="3339124467"/>
+                        </a:ext>
+                      </a:extLst>
+                    </a:gridCol>
+                    <a:gridCol w="1036319">
+                      <a:extLst>
+                        <a:ext uri="{9D8B030D-6E8A-4147-A177-3AD203B41FA5}">
+                          <a16:colId xmlns:a16="http://schemas.microsoft.com/office/drawing/2014/main" val="379490230"/>
+                        </a:ext>
+                      </a:extLst>
+                    </a:gridCol>
+                    <a:gridCol w="1036319">
+                      <a:extLst>
+                        <a:ext uri="{9D8B030D-6E8A-4147-A177-3AD203B41FA5}">
+                          <a16:colId xmlns:a16="http://schemas.microsoft.com/office/drawing/2014/main" val="3558852644"/>
+                        </a:ext>
+                      </a:extLst>
+                    </a:gridCol>
+                    <a:gridCol w="1036319">
+                      <a:extLst>
+                        <a:ext uri="{9D8B030D-6E8A-4147-A177-3AD203B41FA5}">
+                          <a16:colId xmlns:a16="http://schemas.microsoft.com/office/drawing/2014/main" val="3340908239"/>
+                        </a:ext>
+                      </a:extLst>
+                    </a:gridCol>
+                  </a:tblGrid>
+                  <a:tr h="370840">
+                    <a:tc>
+                      <a:txBody>
+                        <a:bodyPr/>
+                        <a:lstStyle/>
+                        <a:p>
+                          <a:endParaRPr lang="en-US"/>
+                        </a:p>
+                      </a:txBody>
+                      <a:tcPr>
+                        <a:blipFill>
+                          <a:blip r:embed="rId3"/>
+                          <a:stretch>
+                            <a:fillRect l="-588" t="-1639" r="-402941" b="-424590"/>
+                          </a:stretch>
+                        </a:blipFill>
+                      </a:tcPr>
+                    </a:tc>
+                    <a:tc>
+                      <a:txBody>
+                        <a:bodyPr/>
+                        <a:lstStyle/>
+                        <a:p>
+                          <a:endParaRPr lang="en-US"/>
+                        </a:p>
+                      </a:txBody>
+                      <a:tcPr>
+                        <a:blipFill>
+                          <a:blip r:embed="rId3"/>
+                          <a:stretch>
+                            <a:fillRect l="-100588" t="-1639" r="-302941" b="-424590"/>
+                          </a:stretch>
+                        </a:blipFill>
+                      </a:tcPr>
+                    </a:tc>
+                    <a:tc>
+                      <a:txBody>
+                        <a:bodyPr/>
+                        <a:lstStyle/>
+                        <a:p>
+                          <a:endParaRPr lang="en-US"/>
+                        </a:p>
+                      </a:txBody>
+                      <a:tcPr>
+                        <a:blipFill>
+                          <a:blip r:embed="rId3"/>
+                          <a:stretch>
+                            <a:fillRect l="-199415" t="-1639" r="-201170" b="-424590"/>
+                          </a:stretch>
+                        </a:blipFill>
+                      </a:tcPr>
+                    </a:tc>
+                    <a:tc>
+                      <a:txBody>
+                        <a:bodyPr/>
+                        <a:lstStyle/>
+                        <a:p>
+                          <a:endParaRPr lang="en-US"/>
+                        </a:p>
+                      </a:txBody>
+                      <a:tcPr>
+                        <a:blipFill>
+                          <a:blip r:embed="rId3"/>
+                          <a:stretch>
+                            <a:fillRect l="-301176" t="-1639" r="-102353" b="-424590"/>
+                          </a:stretch>
+                        </a:blipFill>
+                      </a:tcPr>
+                    </a:tc>
+                    <a:tc>
+                      <a:txBody>
+                        <a:bodyPr/>
+                        <a:lstStyle/>
+                        <a:p>
+                          <a:endParaRPr lang="en-US"/>
+                        </a:p>
+                      </a:txBody>
+                      <a:tcPr>
+                        <a:blipFill>
+                          <a:blip r:embed="rId3"/>
+                          <a:stretch>
+                            <a:fillRect l="-401176" t="-1639" r="-2353" b="-424590"/>
+                          </a:stretch>
+                        </a:blipFill>
+                      </a:tcPr>
+                    </a:tc>
+                    <a:extLst>
+                      <a:ext uri="{0D108BD9-81ED-4DB2-BD59-A6C34878D82A}">
+                        <a16:rowId xmlns:a16="http://schemas.microsoft.com/office/drawing/2014/main" val="1387157273"/>
+                      </a:ext>
+                    </a:extLst>
+                  </a:tr>
+                  <a:tr h="370840">
+                    <a:tc>
+                      <a:txBody>
+                        <a:bodyPr/>
+                        <a:lstStyle/>
+                        <a:p>
+                          <a:endParaRPr lang="en-US"/>
+                        </a:p>
+                      </a:txBody>
+                      <a:tcPr>
+                        <a:blipFill>
+                          <a:blip r:embed="rId3"/>
+                          <a:stretch>
+                            <a:fillRect l="-588" t="-101639" r="-402941" b="-324590"/>
+                          </a:stretch>
+                        </a:blipFill>
+                      </a:tcPr>
+                    </a:tc>
+                    <a:tc>
+                      <a:txBody>
+                        <a:bodyPr/>
+                        <a:lstStyle/>
+                        <a:p>
+                          <a:r>
+                            <a:rPr lang="en-150" dirty="0"/>
+                            <a:t>1</a:t>
+                          </a:r>
+                          <a:endParaRPr lang="en-GB" dirty="0"/>
+                        </a:p>
+                      </a:txBody>
+                      <a:tcPr/>
+                    </a:tc>
+                    <a:tc>
+                      <a:txBody>
+                        <a:bodyPr/>
+                        <a:lstStyle/>
+                        <a:p>
+                          <a:r>
+                            <a:rPr lang="en-150" dirty="0"/>
+                            <a:t>1</a:t>
+                          </a:r>
+                          <a:endParaRPr lang="en-GB" dirty="0"/>
+                        </a:p>
+                      </a:txBody>
+                      <a:tcPr/>
+                    </a:tc>
+                    <a:tc>
+                      <a:txBody>
+                        <a:bodyPr/>
+                        <a:lstStyle/>
+                        <a:p>
+                          <a:r>
+                            <a:rPr lang="en-150" dirty="0"/>
+                            <a:t>100</a:t>
+                          </a:r>
+                          <a:endParaRPr lang="en-GB" dirty="0"/>
+                        </a:p>
+                      </a:txBody>
+                      <a:tcPr/>
+                    </a:tc>
+                    <a:tc>
+                      <a:txBody>
+                        <a:bodyPr/>
+                        <a:lstStyle/>
+                        <a:p>
+                          <a:r>
+                            <a:rPr lang="en-150" dirty="0"/>
+                            <a:t>5</a:t>
+                          </a:r>
+                          <a:endParaRPr lang="en-GB" dirty="0"/>
+                        </a:p>
+                      </a:txBody>
+                      <a:tcPr/>
+                    </a:tc>
+                    <a:extLst>
+                      <a:ext uri="{0D108BD9-81ED-4DB2-BD59-A6C34878D82A}">
+                        <a16:rowId xmlns:a16="http://schemas.microsoft.com/office/drawing/2014/main" val="53932405"/>
+                      </a:ext>
+                    </a:extLst>
+                  </a:tr>
+                  <a:tr h="370840">
+                    <a:tc>
+                      <a:txBody>
+                        <a:bodyPr/>
+                        <a:lstStyle/>
+                        <a:p>
+                          <a:endParaRPr lang="en-US"/>
+                        </a:p>
+                      </a:txBody>
+                      <a:tcPr>
+                        <a:blipFill>
+                          <a:blip r:embed="rId3"/>
+                          <a:stretch>
+                            <a:fillRect l="-588" t="-201639" r="-402941" b="-224590"/>
+                          </a:stretch>
+                        </a:blipFill>
+                      </a:tcPr>
+                    </a:tc>
+                    <a:tc>
+                      <a:txBody>
+                        <a:bodyPr/>
+                        <a:lstStyle/>
+                        <a:p>
+                          <a:r>
+                            <a:rPr lang="en-150" dirty="0"/>
+                            <a:t>2</a:t>
+                          </a:r>
+                          <a:endParaRPr lang="en-GB" dirty="0"/>
+                        </a:p>
+                      </a:txBody>
+                      <a:tcPr/>
+                    </a:tc>
+                    <a:tc>
+                      <a:txBody>
+                        <a:bodyPr/>
+                        <a:lstStyle/>
+                        <a:p>
+                          <a:r>
+                            <a:rPr lang="en-150" dirty="0"/>
+                            <a:t>2</a:t>
+                          </a:r>
+                          <a:endParaRPr lang="en-GB" dirty="0"/>
+                        </a:p>
+                      </a:txBody>
+                      <a:tcPr/>
+                    </a:tc>
+                    <a:tc>
+                      <a:txBody>
+                        <a:bodyPr/>
+                        <a:lstStyle/>
+                        <a:p>
+                          <a:r>
+                            <a:rPr lang="en-150" dirty="0"/>
+                            <a:t>20</a:t>
+                          </a:r>
+                          <a:endParaRPr lang="en-GB" dirty="0"/>
+                        </a:p>
+                      </a:txBody>
+                      <a:tcPr/>
+                    </a:tc>
+                    <a:tc>
+                      <a:txBody>
+                        <a:bodyPr/>
+                        <a:lstStyle/>
+                        <a:p>
+                          <a:r>
+                            <a:rPr lang="en-150" dirty="0"/>
+                            <a:t>5</a:t>
+                          </a:r>
+                          <a:endParaRPr lang="en-GB" dirty="0"/>
+                        </a:p>
+                      </a:txBody>
+                      <a:tcPr/>
+                    </a:tc>
+                    <a:extLst>
+                      <a:ext uri="{0D108BD9-81ED-4DB2-BD59-A6C34878D82A}">
+                        <a16:rowId xmlns:a16="http://schemas.microsoft.com/office/drawing/2014/main" val="4198853159"/>
+                      </a:ext>
+                    </a:extLst>
+                  </a:tr>
+                  <a:tr h="370840">
+                    <a:tc>
+                      <a:txBody>
+                        <a:bodyPr/>
+                        <a:lstStyle/>
+                        <a:p>
+                          <a:endParaRPr lang="en-US"/>
+                        </a:p>
+                      </a:txBody>
+                      <a:tcPr>
+                        <a:blipFill>
+                          <a:blip r:embed="rId3"/>
+                          <a:stretch>
+                            <a:fillRect l="-588" t="-301639" r="-402941" b="-124590"/>
+                          </a:stretch>
+                        </a:blipFill>
+                      </a:tcPr>
+                    </a:tc>
+                    <a:tc>
+                      <a:txBody>
+                        <a:bodyPr/>
+                        <a:lstStyle/>
+                        <a:p>
+                          <a:r>
+                            <a:rPr lang="en-150" dirty="0"/>
+                            <a:t>1</a:t>
+                          </a:r>
+                          <a:endParaRPr lang="en-GB" dirty="0"/>
+                        </a:p>
+                      </a:txBody>
+                      <a:tcPr/>
+                    </a:tc>
+                    <a:tc>
+                      <a:txBody>
+                        <a:bodyPr/>
+                        <a:lstStyle/>
+                        <a:p>
+                          <a:r>
+                            <a:rPr lang="en-150" dirty="0"/>
+                            <a:t>3</a:t>
+                          </a:r>
+                          <a:endParaRPr lang="en-GB" dirty="0"/>
+                        </a:p>
+                      </a:txBody>
+                      <a:tcPr/>
+                    </a:tc>
+                    <a:tc>
+                      <a:txBody>
+                        <a:bodyPr/>
+                        <a:lstStyle/>
+                        <a:p>
+                          <a:r>
+                            <a:rPr lang="en-150" dirty="0"/>
+                            <a:t>100</a:t>
+                          </a:r>
+                          <a:endParaRPr lang="en-GB" dirty="0"/>
+                        </a:p>
+                      </a:txBody>
+                      <a:tcPr/>
+                    </a:tc>
+                    <a:tc>
+                      <a:txBody>
+                        <a:bodyPr/>
+                        <a:lstStyle/>
+                        <a:p>
+                          <a:r>
+                            <a:rPr lang="en-150" dirty="0"/>
+                            <a:t>20</a:t>
+                          </a:r>
+                          <a:endParaRPr lang="en-GB" dirty="0"/>
+                        </a:p>
+                      </a:txBody>
+                      <a:tcPr/>
+                    </a:tc>
+                    <a:extLst>
+                      <a:ext uri="{0D108BD9-81ED-4DB2-BD59-A6C34878D82A}">
+                        <a16:rowId xmlns:a16="http://schemas.microsoft.com/office/drawing/2014/main" val="253922531"/>
+                      </a:ext>
+                    </a:extLst>
+                  </a:tr>
+                  <a:tr h="370840">
+                    <a:tc>
+                      <a:txBody>
+                        <a:bodyPr/>
+                        <a:lstStyle/>
+                        <a:p>
+                          <a:endParaRPr lang="en-US"/>
+                        </a:p>
+                      </a:txBody>
+                      <a:tcPr>
+                        <a:blipFill>
+                          <a:blip r:embed="rId3"/>
+                          <a:stretch>
+                            <a:fillRect l="-588" t="-401639" r="-402941" b="-24590"/>
+                          </a:stretch>
+                        </a:blipFill>
+                      </a:tcPr>
+                    </a:tc>
+                    <a:tc>
+                      <a:txBody>
+                        <a:bodyPr/>
+                        <a:lstStyle/>
+                        <a:p>
+                          <a:r>
+                            <a:rPr lang="en-150" dirty="0"/>
+                            <a:t>1</a:t>
+                          </a:r>
+                          <a:endParaRPr lang="en-GB" dirty="0"/>
+                        </a:p>
+                      </a:txBody>
+                      <a:tcPr/>
+                    </a:tc>
+                    <a:tc>
+                      <a:txBody>
+                        <a:bodyPr/>
+                        <a:lstStyle/>
+                        <a:p>
+                          <a:r>
+                            <a:rPr lang="en-150" dirty="0"/>
+                            <a:t>4</a:t>
+                          </a:r>
+                          <a:endParaRPr lang="en-GB" dirty="0"/>
+                        </a:p>
+                      </a:txBody>
+                      <a:tcPr/>
+                    </a:tc>
+                    <a:tc>
+                      <a:txBody>
+                        <a:bodyPr/>
+                        <a:lstStyle/>
+                        <a:p>
+                          <a:r>
+                            <a:rPr lang="en-150" dirty="0"/>
+                            <a:t>100</a:t>
+                          </a:r>
+                          <a:endParaRPr lang="en-GB" dirty="0"/>
+                        </a:p>
+                      </a:txBody>
+                      <a:tcPr/>
+                    </a:tc>
+                    <a:tc>
+                      <a:txBody>
+                        <a:bodyPr/>
+                        <a:lstStyle/>
+                        <a:p>
+                          <a:r>
+                            <a:rPr lang="en-150" dirty="0"/>
+                            <a:t>20</a:t>
+                          </a:r>
+                          <a:endParaRPr lang="en-GB" dirty="0"/>
+                        </a:p>
+                      </a:txBody>
+                      <a:tcPr/>
+                    </a:tc>
+                    <a:extLst>
+                      <a:ext uri="{0D108BD9-81ED-4DB2-BD59-A6C34878D82A}">
+                        <a16:rowId xmlns:a16="http://schemas.microsoft.com/office/drawing/2014/main" val="334170670"/>
+                      </a:ext>
+                    </a:extLst>
+                  </a:tr>
+                </a:tbl>
+              </a:graphicData>
+            </a:graphic>
+          </p:graphicFrame>
+        </mc:Fallback>
+      </mc:AlternateContent>
       <p:sp>
         <p:nvSpPr>
           <p:cNvPr id="4" name="Slide Number Placeholder 3">
             <a:extLst>
               <a:ext uri="{FF2B5EF4-FFF2-40B4-BE49-F238E27FC236}">
-                <a16:creationId xmlns:a16="http://schemas.microsoft.com/office/drawing/2014/main" id="{0EF63B9C-78E1-4396-B287-257C3F025F0D}"/>
+                <a16:creationId xmlns:a16="http://schemas.microsoft.com/office/drawing/2014/main" id="{8072A70F-2686-479C-AEB2-3F1FDA543A67}"/>
               </a:ext>
             </a:extLst>
           </p:cNvPr>
@@ -7669,7 +9814,7 @@
     </p:spTree>
     <p:extLst>
       <p:ext uri="{BB962C8B-B14F-4D97-AF65-F5344CB8AC3E}">
-        <p14:creationId xmlns:p14="http://schemas.microsoft.com/office/powerpoint/2010/main" val="125958833"/>
+        <p14:creationId xmlns:p14="http://schemas.microsoft.com/office/powerpoint/2010/main" val="3999987695"/>
       </p:ext>
     </p:extLst>
   </p:cSld>
@@ -7698,10 +9843,1294 @@
       </p:grpSpPr>
       <p:sp>
         <p:nvSpPr>
+          <p:cNvPr id="2" name="Title 1">
+            <a:extLst>
+              <a:ext uri="{FF2B5EF4-FFF2-40B4-BE49-F238E27FC236}">
+                <a16:creationId xmlns:a16="http://schemas.microsoft.com/office/drawing/2014/main" id="{92E9E4CE-AFA2-4F14-8721-FC00D0962E42}"/>
+              </a:ext>
+            </a:extLst>
+          </p:cNvPr>
+          <p:cNvSpPr>
+            <a:spLocks noGrp="1"/>
+          </p:cNvSpPr>
+          <p:nvPr>
+            <p:ph type="title"/>
+          </p:nvPr>
+        </p:nvSpPr>
+        <p:spPr>
+          <a:xfrm>
+            <a:off x="838200" y="365126"/>
+            <a:ext cx="10515600" cy="1014788"/>
+          </a:xfrm>
+          <a:prstGeom prst="rect">
+            <a:avLst/>
+          </a:prstGeom>
+        </p:spPr>
+        <p:txBody>
+          <a:bodyPr anchor="ctr">
+            <a:normAutofit/>
+          </a:bodyPr>
+          <a:lstStyle/>
+          <a:p>
+            <a:r>
+              <a:rPr lang="en-150" dirty="0"/>
+              <a:t>Bug with busy cores</a:t>
+            </a:r>
+            <a:endParaRPr lang="en-GB" dirty="0"/>
+          </a:p>
+        </p:txBody>
+      </p:sp>
+      <p:pic>
+        <p:nvPicPr>
+          <p:cNvPr id="6" name="Content Placeholder 5">
+            <a:extLst>
+              <a:ext uri="{FF2B5EF4-FFF2-40B4-BE49-F238E27FC236}">
+                <a16:creationId xmlns:a16="http://schemas.microsoft.com/office/drawing/2014/main" id="{6B395583-7BED-4803-A9D9-9588EF68A845}"/>
+              </a:ext>
+            </a:extLst>
+          </p:cNvPr>
+          <p:cNvPicPr>
+            <a:picLocks noGrp="1" noChangeAspect="1"/>
+          </p:cNvPicPr>
+          <p:nvPr>
+            <p:ph sz="half" idx="1"/>
+          </p:nvPr>
+        </p:nvPicPr>
+        <p:blipFill>
+          <a:blip r:embed="rId2">
+            <a:extLst>
+              <a:ext uri="{28A0092B-C50C-407E-A947-70E740481C1C}">
+                <a14:useLocalDpi xmlns:a14="http://schemas.microsoft.com/office/drawing/2010/main" val="0"/>
+              </a:ext>
+            </a:extLst>
+          </a:blip>
+          <a:srcRect/>
+          <a:stretch/>
+        </p:blipFill>
+        <p:spPr>
+          <a:xfrm>
+            <a:off x="838200" y="2238776"/>
+            <a:ext cx="5181600" cy="2380447"/>
+          </a:xfrm>
+          <a:prstGeom prst="rect">
+            <a:avLst/>
+          </a:prstGeom>
+          <a:noFill/>
+        </p:spPr>
+      </p:pic>
+      <mc:AlternateContent xmlns:mc="http://schemas.openxmlformats.org/markup-compatibility/2006">
+        <mc:Choice xmlns:a14="http://schemas.microsoft.com/office/drawing/2010/main" Requires="a14">
+          <p:graphicFrame>
+            <p:nvGraphicFramePr>
+              <p:cNvPr id="7" name="Table 7">
+                <a:extLst>
+                  <a:ext uri="{FF2B5EF4-FFF2-40B4-BE49-F238E27FC236}">
+                    <a16:creationId xmlns:a16="http://schemas.microsoft.com/office/drawing/2014/main" id="{7AF2EC91-3C9F-438B-98C6-D6D3ABF4C8D0}"/>
+                  </a:ext>
+                </a:extLst>
+              </p:cNvPr>
+              <p:cNvGraphicFramePr>
+                <a:graphicFrameLocks noGrp="1"/>
+              </p:cNvGraphicFramePr>
+              <p:nvPr>
+                <p:ph sz="half" idx="2"/>
+              </p:nvPr>
+            </p:nvGraphicFramePr>
+            <p:xfrm>
+              <a:off x="6172202" y="2501900"/>
+              <a:ext cx="5181595" cy="1854200"/>
+            </p:xfrm>
+            <a:graphic>
+              <a:graphicData uri="http://schemas.openxmlformats.org/drawingml/2006/table">
+                <a:tbl>
+                  <a:tblPr firstRow="1" bandRow="1">
+                    <a:tableStyleId>{5C22544A-7EE6-4342-B048-85BDC9FD1C3A}</a:tableStyleId>
+                  </a:tblPr>
+                  <a:tblGrid>
+                    <a:gridCol w="1036319">
+                      <a:extLst>
+                        <a:ext uri="{9D8B030D-6E8A-4147-A177-3AD203B41FA5}">
+                          <a16:colId xmlns:a16="http://schemas.microsoft.com/office/drawing/2014/main" val="4148035995"/>
+                        </a:ext>
+                      </a:extLst>
+                    </a:gridCol>
+                    <a:gridCol w="1036319">
+                      <a:extLst>
+                        <a:ext uri="{9D8B030D-6E8A-4147-A177-3AD203B41FA5}">
+                          <a16:colId xmlns:a16="http://schemas.microsoft.com/office/drawing/2014/main" val="3339124467"/>
+                        </a:ext>
+                      </a:extLst>
+                    </a:gridCol>
+                    <a:gridCol w="1036319">
+                      <a:extLst>
+                        <a:ext uri="{9D8B030D-6E8A-4147-A177-3AD203B41FA5}">
+                          <a16:colId xmlns:a16="http://schemas.microsoft.com/office/drawing/2014/main" val="379490230"/>
+                        </a:ext>
+                      </a:extLst>
+                    </a:gridCol>
+                    <a:gridCol w="1036319">
+                      <a:extLst>
+                        <a:ext uri="{9D8B030D-6E8A-4147-A177-3AD203B41FA5}">
+                          <a16:colId xmlns:a16="http://schemas.microsoft.com/office/drawing/2014/main" val="3558852644"/>
+                        </a:ext>
+                      </a:extLst>
+                    </a:gridCol>
+                    <a:gridCol w="1036319">
+                      <a:extLst>
+                        <a:ext uri="{9D8B030D-6E8A-4147-A177-3AD203B41FA5}">
+                          <a16:colId xmlns:a16="http://schemas.microsoft.com/office/drawing/2014/main" val="3340908239"/>
+                        </a:ext>
+                      </a:extLst>
+                    </a:gridCol>
+                  </a:tblGrid>
+                  <a:tr h="370840">
+                    <a:tc>
+                      <a:txBody>
+                        <a:bodyPr/>
+                        <a:lstStyle/>
+                        <a:p>
+                          <a14:m>
+                            <m:oMathPara xmlns:m="http://schemas.openxmlformats.org/officeDocument/2006/math">
+                              <m:oMathParaPr>
+                                <m:jc m:val="centerGroup"/>
+                              </m:oMathParaPr>
+                              <m:oMath xmlns:m="http://schemas.openxmlformats.org/officeDocument/2006/math">
+                                <m:sSub>
+                                  <m:sSubPr>
+                                    <m:ctrlPr>
+                                      <a:rPr lang="en-150" b="1" i="1" smtClean="0">
+                                        <a:latin typeface="Cambria Math" panose="02040503050406030204" pitchFamily="18" charset="0"/>
+                                      </a:rPr>
+                                    </m:ctrlPr>
+                                  </m:sSubPr>
+                                  <m:e>
+                                    <m:r>
+                                      <a:rPr lang="en-150" b="1" i="1" smtClean="0">
+                                        <a:latin typeface="Cambria Math" panose="02040503050406030204" pitchFamily="18" charset="0"/>
+                                      </a:rPr>
+                                      <m:t>𝝉</m:t>
+                                    </m:r>
+                                  </m:e>
+                                  <m:sub>
+                                    <m:r>
+                                      <a:rPr lang="en-150" b="1" i="1" smtClean="0">
+                                        <a:latin typeface="Cambria Math" panose="02040503050406030204" pitchFamily="18" charset="0"/>
+                                      </a:rPr>
+                                      <m:t>𝒊</m:t>
+                                    </m:r>
+                                  </m:sub>
+                                </m:sSub>
+                              </m:oMath>
+                            </m:oMathPara>
+                          </a14:m>
+                          <a:endParaRPr lang="en-GB" dirty="0"/>
+                        </a:p>
+                      </a:txBody>
+                      <a:tcPr/>
+                    </a:tc>
+                    <a:tc>
+                      <a:txBody>
+                        <a:bodyPr/>
+                        <a:lstStyle/>
+                        <a:p>
+                          <a14:m>
+                            <m:oMathPara xmlns:m="http://schemas.openxmlformats.org/officeDocument/2006/math">
+                              <m:oMathParaPr>
+                                <m:jc m:val="centerGroup"/>
+                              </m:oMathParaPr>
+                              <m:oMath xmlns:m="http://schemas.openxmlformats.org/officeDocument/2006/math">
+                                <m:sSub>
+                                  <m:sSubPr>
+                                    <m:ctrlPr>
+                                      <a:rPr lang="en-150" b="1" i="1" smtClean="0">
+                                        <a:latin typeface="Cambria Math" panose="02040503050406030204" pitchFamily="18" charset="0"/>
+                                      </a:rPr>
+                                    </m:ctrlPr>
+                                  </m:sSubPr>
+                                  <m:e>
+                                    <m:r>
+                                      <a:rPr lang="en-150" b="1" i="1" smtClean="0">
+                                        <a:latin typeface="Cambria Math" panose="02040503050406030204" pitchFamily="18" charset="0"/>
+                                      </a:rPr>
+                                      <m:t>𝒔</m:t>
+                                    </m:r>
+                                  </m:e>
+                                  <m:sub>
+                                    <m:r>
+                                      <a:rPr lang="en-150" b="1" i="1" smtClean="0">
+                                        <a:latin typeface="Cambria Math" panose="02040503050406030204" pitchFamily="18" charset="0"/>
+                                      </a:rPr>
+                                      <m:t>𝒊</m:t>
+                                    </m:r>
+                                  </m:sub>
+                                </m:sSub>
+                              </m:oMath>
+                            </m:oMathPara>
+                          </a14:m>
+                          <a:endParaRPr lang="en-GB" dirty="0"/>
+                        </a:p>
+                      </a:txBody>
+                      <a:tcPr/>
+                    </a:tc>
+                    <a:tc>
+                      <a:txBody>
+                        <a:bodyPr/>
+                        <a:lstStyle/>
+                        <a:p>
+                          <a14:m>
+                            <m:oMathPara xmlns:m="http://schemas.openxmlformats.org/officeDocument/2006/math">
+                              <m:oMathParaPr>
+                                <m:jc m:val="centerGroup"/>
+                              </m:oMathParaPr>
+                              <m:oMath xmlns:m="http://schemas.openxmlformats.org/officeDocument/2006/math">
+                                <m:sSub>
+                                  <m:sSubPr>
+                                    <m:ctrlPr>
+                                      <a:rPr lang="en-150" b="1" i="1" smtClean="0">
+                                        <a:latin typeface="Cambria Math" panose="02040503050406030204" pitchFamily="18" charset="0"/>
+                                      </a:rPr>
+                                    </m:ctrlPr>
+                                  </m:sSubPr>
+                                  <m:e>
+                                    <m:r>
+                                      <a:rPr lang="en-150" b="1" i="1" smtClean="0">
+                                        <a:latin typeface="Cambria Math" panose="02040503050406030204" pitchFamily="18" charset="0"/>
+                                      </a:rPr>
+                                      <m:t>𝒑</m:t>
+                                    </m:r>
+                                  </m:e>
+                                  <m:sub>
+                                    <m:r>
+                                      <a:rPr lang="en-150" b="1" i="1" smtClean="0">
+                                        <a:latin typeface="Cambria Math" panose="02040503050406030204" pitchFamily="18" charset="0"/>
+                                      </a:rPr>
+                                      <m:t>𝒊</m:t>
+                                    </m:r>
+                                  </m:sub>
+                                </m:sSub>
+                              </m:oMath>
+                            </m:oMathPara>
+                          </a14:m>
+                          <a:endParaRPr lang="en-GB" dirty="0"/>
+                        </a:p>
+                      </a:txBody>
+                      <a:tcPr/>
+                    </a:tc>
+                    <a:tc>
+                      <a:txBody>
+                        <a:bodyPr/>
+                        <a:lstStyle/>
+                        <a:p>
+                          <a14:m>
+                            <m:oMathPara xmlns:m="http://schemas.openxmlformats.org/officeDocument/2006/math">
+                              <m:oMathParaPr>
+                                <m:jc m:val="centerGroup"/>
+                              </m:oMathParaPr>
+                              <m:oMath xmlns:m="http://schemas.openxmlformats.org/officeDocument/2006/math">
+                                <m:sSub>
+                                  <m:sSubPr>
+                                    <m:ctrlPr>
+                                      <a:rPr lang="en-150" b="1" i="1" smtClean="0">
+                                        <a:latin typeface="Cambria Math" panose="02040503050406030204" pitchFamily="18" charset="0"/>
+                                      </a:rPr>
+                                    </m:ctrlPr>
+                                  </m:sSubPr>
+                                  <m:e>
+                                    <m:r>
+                                      <a:rPr lang="en-150" b="1" i="1" smtClean="0">
+                                        <a:latin typeface="Cambria Math" panose="02040503050406030204" pitchFamily="18" charset="0"/>
+                                      </a:rPr>
+                                      <m:t>𝒅</m:t>
+                                    </m:r>
+                                  </m:e>
+                                  <m:sub>
+                                    <m:r>
+                                      <a:rPr lang="en-150" b="1" i="1" smtClean="0">
+                                        <a:latin typeface="Cambria Math" panose="02040503050406030204" pitchFamily="18" charset="0"/>
+                                      </a:rPr>
+                                      <m:t>𝒊</m:t>
+                                    </m:r>
+                                  </m:sub>
+                                </m:sSub>
+                              </m:oMath>
+                            </m:oMathPara>
+                          </a14:m>
+                          <a:endParaRPr lang="en-GB" dirty="0"/>
+                        </a:p>
+                      </a:txBody>
+                      <a:tcPr/>
+                    </a:tc>
+                    <a:tc>
+                      <a:txBody>
+                        <a:bodyPr/>
+                        <a:lstStyle/>
+                        <a:p>
+                          <a14:m>
+                            <m:oMathPara xmlns:m="http://schemas.openxmlformats.org/officeDocument/2006/math">
+                              <m:oMathParaPr>
+                                <m:jc m:val="centerGroup"/>
+                              </m:oMathParaPr>
+                              <m:oMath xmlns:m="http://schemas.openxmlformats.org/officeDocument/2006/math">
+                                <m:sSub>
+                                  <m:sSubPr>
+                                    <m:ctrlPr>
+                                      <a:rPr lang="en-150" b="1" i="1" smtClean="0">
+                                        <a:latin typeface="Cambria Math" panose="02040503050406030204" pitchFamily="18" charset="0"/>
+                                      </a:rPr>
+                                    </m:ctrlPr>
+                                  </m:sSubPr>
+                                  <m:e>
+                                    <m:r>
+                                      <a:rPr lang="en-150" b="1" i="1" smtClean="0">
+                                        <a:latin typeface="Cambria Math" panose="02040503050406030204" pitchFamily="18" charset="0"/>
+                                      </a:rPr>
+                                      <m:t>𝒄</m:t>
+                                    </m:r>
+                                  </m:e>
+                                  <m:sub>
+                                    <m:r>
+                                      <a:rPr lang="en-150" b="1" i="1" smtClean="0">
+                                        <a:latin typeface="Cambria Math" panose="02040503050406030204" pitchFamily="18" charset="0"/>
+                                      </a:rPr>
+                                      <m:t>𝒊</m:t>
+                                    </m:r>
+                                  </m:sub>
+                                </m:sSub>
+                              </m:oMath>
+                            </m:oMathPara>
+                          </a14:m>
+                          <a:endParaRPr lang="en-GB" dirty="0"/>
+                        </a:p>
+                      </a:txBody>
+                      <a:tcPr/>
+                    </a:tc>
+                    <a:extLst>
+                      <a:ext uri="{0D108BD9-81ED-4DB2-BD59-A6C34878D82A}">
+                        <a16:rowId xmlns:a16="http://schemas.microsoft.com/office/drawing/2014/main" val="1387157273"/>
+                      </a:ext>
+                    </a:extLst>
+                  </a:tr>
+                  <a:tr h="370840">
+                    <a:tc>
+                      <a:txBody>
+                        <a:bodyPr/>
+                        <a:lstStyle/>
+                        <a:p>
+                          <a14:m>
+                            <m:oMathPara xmlns:m="http://schemas.openxmlformats.org/officeDocument/2006/math">
+                              <m:oMathParaPr>
+                                <m:jc m:val="centerGroup"/>
+                              </m:oMathParaPr>
+                              <m:oMath xmlns:m="http://schemas.openxmlformats.org/officeDocument/2006/math">
+                                <m:sSub>
+                                  <m:sSubPr>
+                                    <m:ctrlPr>
+                                      <a:rPr lang="en-150" b="0" i="1" smtClean="0">
+                                        <a:latin typeface="Cambria Math" panose="02040503050406030204" pitchFamily="18" charset="0"/>
+                                      </a:rPr>
+                                    </m:ctrlPr>
+                                  </m:sSubPr>
+                                  <m:e>
+                                    <m:r>
+                                      <a:rPr lang="en-150" b="0" i="1" smtClean="0">
+                                        <a:latin typeface="Cambria Math" panose="02040503050406030204" pitchFamily="18" charset="0"/>
+                                      </a:rPr>
+                                      <m:t>𝜏</m:t>
+                                    </m:r>
+                                  </m:e>
+                                  <m:sub>
+                                    <m:r>
+                                      <a:rPr lang="en-150" b="0" i="1" smtClean="0">
+                                        <a:latin typeface="Cambria Math" panose="02040503050406030204" pitchFamily="18" charset="0"/>
+                                      </a:rPr>
+                                      <m:t>1</m:t>
+                                    </m:r>
+                                  </m:sub>
+                                </m:sSub>
+                              </m:oMath>
+                            </m:oMathPara>
+                          </a14:m>
+                          <a:endParaRPr lang="en-GB" dirty="0"/>
+                        </a:p>
+                      </a:txBody>
+                      <a:tcPr/>
+                    </a:tc>
+                    <a:tc>
+                      <a:txBody>
+                        <a:bodyPr/>
+                        <a:lstStyle/>
+                        <a:p>
+                          <a:r>
+                            <a:rPr lang="en-150" dirty="0"/>
+                            <a:t>1</a:t>
+                          </a:r>
+                          <a:endParaRPr lang="en-GB" dirty="0"/>
+                        </a:p>
+                      </a:txBody>
+                      <a:tcPr/>
+                    </a:tc>
+                    <a:tc>
+                      <a:txBody>
+                        <a:bodyPr/>
+                        <a:lstStyle/>
+                        <a:p>
+                          <a:r>
+                            <a:rPr lang="en-150" dirty="0"/>
+                            <a:t>1</a:t>
+                          </a:r>
+                          <a:endParaRPr lang="en-GB" dirty="0"/>
+                        </a:p>
+                      </a:txBody>
+                      <a:tcPr/>
+                    </a:tc>
+                    <a:tc>
+                      <a:txBody>
+                        <a:bodyPr/>
+                        <a:lstStyle/>
+                        <a:p>
+                          <a:r>
+                            <a:rPr lang="en-150" dirty="0"/>
+                            <a:t>100</a:t>
+                          </a:r>
+                          <a:endParaRPr lang="en-GB" dirty="0"/>
+                        </a:p>
+                      </a:txBody>
+                      <a:tcPr/>
+                    </a:tc>
+                    <a:tc>
+                      <a:txBody>
+                        <a:bodyPr/>
+                        <a:lstStyle/>
+                        <a:p>
+                          <a:r>
+                            <a:rPr lang="en-150" dirty="0"/>
+                            <a:t>5</a:t>
+                          </a:r>
+                          <a:endParaRPr lang="en-GB" dirty="0"/>
+                        </a:p>
+                      </a:txBody>
+                      <a:tcPr/>
+                    </a:tc>
+                    <a:extLst>
+                      <a:ext uri="{0D108BD9-81ED-4DB2-BD59-A6C34878D82A}">
+                        <a16:rowId xmlns:a16="http://schemas.microsoft.com/office/drawing/2014/main" val="53932405"/>
+                      </a:ext>
+                    </a:extLst>
+                  </a:tr>
+                  <a:tr h="370840">
+                    <a:tc>
+                      <a:txBody>
+                        <a:bodyPr/>
+                        <a:lstStyle/>
+                        <a:p>
+                          <a14:m>
+                            <m:oMathPara xmlns:m="http://schemas.openxmlformats.org/officeDocument/2006/math">
+                              <m:oMathParaPr>
+                                <m:jc m:val="centerGroup"/>
+                              </m:oMathParaPr>
+                              <m:oMath xmlns:m="http://schemas.openxmlformats.org/officeDocument/2006/math">
+                                <m:sSub>
+                                  <m:sSubPr>
+                                    <m:ctrlPr>
+                                      <a:rPr lang="en-150" b="0" i="1" smtClean="0">
+                                        <a:latin typeface="Cambria Math" panose="02040503050406030204" pitchFamily="18" charset="0"/>
+                                      </a:rPr>
+                                    </m:ctrlPr>
+                                  </m:sSubPr>
+                                  <m:e>
+                                    <m:r>
+                                      <a:rPr lang="en-150" b="0" i="1" smtClean="0">
+                                        <a:latin typeface="Cambria Math" panose="02040503050406030204" pitchFamily="18" charset="0"/>
+                                      </a:rPr>
+                                      <m:t>𝜏</m:t>
+                                    </m:r>
+                                  </m:e>
+                                  <m:sub>
+                                    <m:r>
+                                      <a:rPr lang="en-150" b="0" i="1" smtClean="0">
+                                        <a:latin typeface="Cambria Math" panose="02040503050406030204" pitchFamily="18" charset="0"/>
+                                      </a:rPr>
+                                      <m:t>2</m:t>
+                                    </m:r>
+                                  </m:sub>
+                                </m:sSub>
+                              </m:oMath>
+                            </m:oMathPara>
+                          </a14:m>
+                          <a:endParaRPr lang="en-GB" dirty="0"/>
+                        </a:p>
+                      </a:txBody>
+                      <a:tcPr/>
+                    </a:tc>
+                    <a:tc>
+                      <a:txBody>
+                        <a:bodyPr/>
+                        <a:lstStyle/>
+                        <a:p>
+                          <a:r>
+                            <a:rPr lang="en-150" dirty="0"/>
+                            <a:t>2</a:t>
+                          </a:r>
+                          <a:endParaRPr lang="en-GB" dirty="0"/>
+                        </a:p>
+                      </a:txBody>
+                      <a:tcPr/>
+                    </a:tc>
+                    <a:tc>
+                      <a:txBody>
+                        <a:bodyPr/>
+                        <a:lstStyle/>
+                        <a:p>
+                          <a:r>
+                            <a:rPr lang="en-150" dirty="0"/>
+                            <a:t>2</a:t>
+                          </a:r>
+                          <a:endParaRPr lang="en-GB" dirty="0"/>
+                        </a:p>
+                      </a:txBody>
+                      <a:tcPr/>
+                    </a:tc>
+                    <a:tc>
+                      <a:txBody>
+                        <a:bodyPr/>
+                        <a:lstStyle/>
+                        <a:p>
+                          <a:r>
+                            <a:rPr lang="en-150" dirty="0"/>
+                            <a:t>20</a:t>
+                          </a:r>
+                          <a:endParaRPr lang="en-GB" dirty="0"/>
+                        </a:p>
+                      </a:txBody>
+                      <a:tcPr/>
+                    </a:tc>
+                    <a:tc>
+                      <a:txBody>
+                        <a:bodyPr/>
+                        <a:lstStyle/>
+                        <a:p>
+                          <a:r>
+                            <a:rPr lang="en-150" dirty="0"/>
+                            <a:t>5</a:t>
+                          </a:r>
+                          <a:endParaRPr lang="en-GB" dirty="0"/>
+                        </a:p>
+                      </a:txBody>
+                      <a:tcPr/>
+                    </a:tc>
+                    <a:extLst>
+                      <a:ext uri="{0D108BD9-81ED-4DB2-BD59-A6C34878D82A}">
+                        <a16:rowId xmlns:a16="http://schemas.microsoft.com/office/drawing/2014/main" val="4198853159"/>
+                      </a:ext>
+                    </a:extLst>
+                  </a:tr>
+                  <a:tr h="370840">
+                    <a:tc>
+                      <a:txBody>
+                        <a:bodyPr/>
+                        <a:lstStyle/>
+                        <a:p>
+                          <a14:m>
+                            <m:oMathPara xmlns:m="http://schemas.openxmlformats.org/officeDocument/2006/math">
+                              <m:oMathParaPr>
+                                <m:jc m:val="centerGroup"/>
+                              </m:oMathParaPr>
+                              <m:oMath xmlns:m="http://schemas.openxmlformats.org/officeDocument/2006/math">
+                                <m:sSub>
+                                  <m:sSubPr>
+                                    <m:ctrlPr>
+                                      <a:rPr lang="en-150" b="0" i="1" smtClean="0">
+                                        <a:latin typeface="Cambria Math" panose="02040503050406030204" pitchFamily="18" charset="0"/>
+                                      </a:rPr>
+                                    </m:ctrlPr>
+                                  </m:sSubPr>
+                                  <m:e>
+                                    <m:r>
+                                      <a:rPr lang="en-150" b="0" i="1" smtClean="0">
+                                        <a:latin typeface="Cambria Math" panose="02040503050406030204" pitchFamily="18" charset="0"/>
+                                      </a:rPr>
+                                      <m:t>𝜏</m:t>
+                                    </m:r>
+                                  </m:e>
+                                  <m:sub>
+                                    <m:r>
+                                      <a:rPr lang="en-150" b="0" i="1" smtClean="0">
+                                        <a:latin typeface="Cambria Math" panose="02040503050406030204" pitchFamily="18" charset="0"/>
+                                      </a:rPr>
+                                      <m:t>3</m:t>
+                                    </m:r>
+                                  </m:sub>
+                                </m:sSub>
+                              </m:oMath>
+                            </m:oMathPara>
+                          </a14:m>
+                          <a:endParaRPr lang="en-GB" dirty="0"/>
+                        </a:p>
+                      </a:txBody>
+                      <a:tcPr/>
+                    </a:tc>
+                    <a:tc>
+                      <a:txBody>
+                        <a:bodyPr/>
+                        <a:lstStyle/>
+                        <a:p>
+                          <a:r>
+                            <a:rPr lang="en-150" dirty="0"/>
+                            <a:t>1</a:t>
+                          </a:r>
+                          <a:endParaRPr lang="en-GB" dirty="0"/>
+                        </a:p>
+                      </a:txBody>
+                      <a:tcPr/>
+                    </a:tc>
+                    <a:tc>
+                      <a:txBody>
+                        <a:bodyPr/>
+                        <a:lstStyle/>
+                        <a:p>
+                          <a:r>
+                            <a:rPr lang="en-150" dirty="0"/>
+                            <a:t>3</a:t>
+                          </a:r>
+                          <a:endParaRPr lang="en-GB" dirty="0"/>
+                        </a:p>
+                      </a:txBody>
+                      <a:tcPr/>
+                    </a:tc>
+                    <a:tc>
+                      <a:txBody>
+                        <a:bodyPr/>
+                        <a:lstStyle/>
+                        <a:p>
+                          <a:r>
+                            <a:rPr lang="en-150" dirty="0"/>
+                            <a:t>100</a:t>
+                          </a:r>
+                          <a:endParaRPr lang="en-GB" dirty="0"/>
+                        </a:p>
+                      </a:txBody>
+                      <a:tcPr/>
+                    </a:tc>
+                    <a:tc>
+                      <a:txBody>
+                        <a:bodyPr/>
+                        <a:lstStyle/>
+                        <a:p>
+                          <a:r>
+                            <a:rPr lang="en-150" dirty="0"/>
+                            <a:t>20</a:t>
+                          </a:r>
+                          <a:endParaRPr lang="en-GB" dirty="0"/>
+                        </a:p>
+                      </a:txBody>
+                      <a:tcPr/>
+                    </a:tc>
+                    <a:extLst>
+                      <a:ext uri="{0D108BD9-81ED-4DB2-BD59-A6C34878D82A}">
+                        <a16:rowId xmlns:a16="http://schemas.microsoft.com/office/drawing/2014/main" val="253922531"/>
+                      </a:ext>
+                    </a:extLst>
+                  </a:tr>
+                  <a:tr h="370840">
+                    <a:tc>
+                      <a:txBody>
+                        <a:bodyPr/>
+                        <a:lstStyle/>
+                        <a:p>
+                          <a14:m>
+                            <m:oMathPara xmlns:m="http://schemas.openxmlformats.org/officeDocument/2006/math">
+                              <m:oMathParaPr>
+                                <m:jc m:val="centerGroup"/>
+                              </m:oMathParaPr>
+                              <m:oMath xmlns:m="http://schemas.openxmlformats.org/officeDocument/2006/math">
+                                <m:sSub>
+                                  <m:sSubPr>
+                                    <m:ctrlPr>
+                                      <a:rPr lang="en-150" b="0" i="1" smtClean="0">
+                                        <a:latin typeface="Cambria Math" panose="02040503050406030204" pitchFamily="18" charset="0"/>
+                                      </a:rPr>
+                                    </m:ctrlPr>
+                                  </m:sSubPr>
+                                  <m:e>
+                                    <m:r>
+                                      <a:rPr lang="en-150" b="0" i="1" smtClean="0">
+                                        <a:latin typeface="Cambria Math" panose="02040503050406030204" pitchFamily="18" charset="0"/>
+                                      </a:rPr>
+                                      <m:t>𝜏</m:t>
+                                    </m:r>
+                                  </m:e>
+                                  <m:sub>
+                                    <m:r>
+                                      <a:rPr lang="en-150" b="0" i="1" smtClean="0">
+                                        <a:latin typeface="Cambria Math" panose="02040503050406030204" pitchFamily="18" charset="0"/>
+                                      </a:rPr>
+                                      <m:t>4</m:t>
+                                    </m:r>
+                                  </m:sub>
+                                </m:sSub>
+                              </m:oMath>
+                            </m:oMathPara>
+                          </a14:m>
+                          <a:endParaRPr lang="en-GB" dirty="0"/>
+                        </a:p>
+                      </a:txBody>
+                      <a:tcPr/>
+                    </a:tc>
+                    <a:tc>
+                      <a:txBody>
+                        <a:bodyPr/>
+                        <a:lstStyle/>
+                        <a:p>
+                          <a:r>
+                            <a:rPr lang="en-150" dirty="0"/>
+                            <a:t>1</a:t>
+                          </a:r>
+                          <a:endParaRPr lang="en-GB" dirty="0"/>
+                        </a:p>
+                      </a:txBody>
+                      <a:tcPr/>
+                    </a:tc>
+                    <a:tc>
+                      <a:txBody>
+                        <a:bodyPr/>
+                        <a:lstStyle/>
+                        <a:p>
+                          <a:r>
+                            <a:rPr lang="en-150" dirty="0"/>
+                            <a:t>4</a:t>
+                          </a:r>
+                          <a:endParaRPr lang="en-GB" dirty="0"/>
+                        </a:p>
+                      </a:txBody>
+                      <a:tcPr/>
+                    </a:tc>
+                    <a:tc>
+                      <a:txBody>
+                        <a:bodyPr/>
+                        <a:lstStyle/>
+                        <a:p>
+                          <a:r>
+                            <a:rPr lang="en-150" dirty="0"/>
+                            <a:t>100</a:t>
+                          </a:r>
+                          <a:endParaRPr lang="en-GB" dirty="0"/>
+                        </a:p>
+                      </a:txBody>
+                      <a:tcPr/>
+                    </a:tc>
+                    <a:tc>
+                      <a:txBody>
+                        <a:bodyPr/>
+                        <a:lstStyle/>
+                        <a:p>
+                          <a:r>
+                            <a:rPr lang="en-150" dirty="0"/>
+                            <a:t>20</a:t>
+                          </a:r>
+                          <a:endParaRPr lang="en-GB" dirty="0"/>
+                        </a:p>
+                      </a:txBody>
+                      <a:tcPr/>
+                    </a:tc>
+                    <a:extLst>
+                      <a:ext uri="{0D108BD9-81ED-4DB2-BD59-A6C34878D82A}">
+                        <a16:rowId xmlns:a16="http://schemas.microsoft.com/office/drawing/2014/main" val="334170670"/>
+                      </a:ext>
+                    </a:extLst>
+                  </a:tr>
+                </a:tbl>
+              </a:graphicData>
+            </a:graphic>
+          </p:graphicFrame>
+        </mc:Choice>
+        <mc:Fallback>
+          <p:graphicFrame>
+            <p:nvGraphicFramePr>
+              <p:cNvPr id="7" name="Table 7">
+                <a:extLst>
+                  <a:ext uri="{FF2B5EF4-FFF2-40B4-BE49-F238E27FC236}">
+                    <a16:creationId xmlns:a16="http://schemas.microsoft.com/office/drawing/2014/main" id="{7AF2EC91-3C9F-438B-98C6-D6D3ABF4C8D0}"/>
+                  </a:ext>
+                </a:extLst>
+              </p:cNvPr>
+              <p:cNvGraphicFramePr>
+                <a:graphicFrameLocks noGrp="1"/>
+              </p:cNvGraphicFramePr>
+              <p:nvPr>
+                <p:ph sz="half" idx="2"/>
+              </p:nvPr>
+            </p:nvGraphicFramePr>
+            <p:xfrm>
+              <a:off x="6172202" y="2501900"/>
+              <a:ext cx="5181595" cy="1854200"/>
+            </p:xfrm>
+            <a:graphic>
+              <a:graphicData uri="http://schemas.openxmlformats.org/drawingml/2006/table">
+                <a:tbl>
+                  <a:tblPr firstRow="1" bandRow="1">
+                    <a:tableStyleId>{5C22544A-7EE6-4342-B048-85BDC9FD1C3A}</a:tableStyleId>
+                  </a:tblPr>
+                  <a:tblGrid>
+                    <a:gridCol w="1036319">
+                      <a:extLst>
+                        <a:ext uri="{9D8B030D-6E8A-4147-A177-3AD203B41FA5}">
+                          <a16:colId xmlns:a16="http://schemas.microsoft.com/office/drawing/2014/main" val="4148035995"/>
+                        </a:ext>
+                      </a:extLst>
+                    </a:gridCol>
+                    <a:gridCol w="1036319">
+                      <a:extLst>
+                        <a:ext uri="{9D8B030D-6E8A-4147-A177-3AD203B41FA5}">
+                          <a16:colId xmlns:a16="http://schemas.microsoft.com/office/drawing/2014/main" val="3339124467"/>
+                        </a:ext>
+                      </a:extLst>
+                    </a:gridCol>
+                    <a:gridCol w="1036319">
+                      <a:extLst>
+                        <a:ext uri="{9D8B030D-6E8A-4147-A177-3AD203B41FA5}">
+                          <a16:colId xmlns:a16="http://schemas.microsoft.com/office/drawing/2014/main" val="379490230"/>
+                        </a:ext>
+                      </a:extLst>
+                    </a:gridCol>
+                    <a:gridCol w="1036319">
+                      <a:extLst>
+                        <a:ext uri="{9D8B030D-6E8A-4147-A177-3AD203B41FA5}">
+                          <a16:colId xmlns:a16="http://schemas.microsoft.com/office/drawing/2014/main" val="3558852644"/>
+                        </a:ext>
+                      </a:extLst>
+                    </a:gridCol>
+                    <a:gridCol w="1036319">
+                      <a:extLst>
+                        <a:ext uri="{9D8B030D-6E8A-4147-A177-3AD203B41FA5}">
+                          <a16:colId xmlns:a16="http://schemas.microsoft.com/office/drawing/2014/main" val="3340908239"/>
+                        </a:ext>
+                      </a:extLst>
+                    </a:gridCol>
+                  </a:tblGrid>
+                  <a:tr h="370840">
+                    <a:tc>
+                      <a:txBody>
+                        <a:bodyPr/>
+                        <a:lstStyle/>
+                        <a:p>
+                          <a:endParaRPr lang="en-US"/>
+                        </a:p>
+                      </a:txBody>
+                      <a:tcPr>
+                        <a:blipFill>
+                          <a:blip r:embed="rId3"/>
+                          <a:stretch>
+                            <a:fillRect l="-588" t="-1639" r="-402941" b="-424590"/>
+                          </a:stretch>
+                        </a:blipFill>
+                      </a:tcPr>
+                    </a:tc>
+                    <a:tc>
+                      <a:txBody>
+                        <a:bodyPr/>
+                        <a:lstStyle/>
+                        <a:p>
+                          <a:endParaRPr lang="en-US"/>
+                        </a:p>
+                      </a:txBody>
+                      <a:tcPr>
+                        <a:blipFill>
+                          <a:blip r:embed="rId3"/>
+                          <a:stretch>
+                            <a:fillRect l="-100588" t="-1639" r="-302941" b="-424590"/>
+                          </a:stretch>
+                        </a:blipFill>
+                      </a:tcPr>
+                    </a:tc>
+                    <a:tc>
+                      <a:txBody>
+                        <a:bodyPr/>
+                        <a:lstStyle/>
+                        <a:p>
+                          <a:endParaRPr lang="en-US"/>
+                        </a:p>
+                      </a:txBody>
+                      <a:tcPr>
+                        <a:blipFill>
+                          <a:blip r:embed="rId3"/>
+                          <a:stretch>
+                            <a:fillRect l="-199415" t="-1639" r="-201170" b="-424590"/>
+                          </a:stretch>
+                        </a:blipFill>
+                      </a:tcPr>
+                    </a:tc>
+                    <a:tc>
+                      <a:txBody>
+                        <a:bodyPr/>
+                        <a:lstStyle/>
+                        <a:p>
+                          <a:endParaRPr lang="en-US"/>
+                        </a:p>
+                      </a:txBody>
+                      <a:tcPr>
+                        <a:blipFill>
+                          <a:blip r:embed="rId3"/>
+                          <a:stretch>
+                            <a:fillRect l="-301176" t="-1639" r="-102353" b="-424590"/>
+                          </a:stretch>
+                        </a:blipFill>
+                      </a:tcPr>
+                    </a:tc>
+                    <a:tc>
+                      <a:txBody>
+                        <a:bodyPr/>
+                        <a:lstStyle/>
+                        <a:p>
+                          <a:endParaRPr lang="en-US"/>
+                        </a:p>
+                      </a:txBody>
+                      <a:tcPr>
+                        <a:blipFill>
+                          <a:blip r:embed="rId3"/>
+                          <a:stretch>
+                            <a:fillRect l="-401176" t="-1639" r="-2353" b="-424590"/>
+                          </a:stretch>
+                        </a:blipFill>
+                      </a:tcPr>
+                    </a:tc>
+                    <a:extLst>
+                      <a:ext uri="{0D108BD9-81ED-4DB2-BD59-A6C34878D82A}">
+                        <a16:rowId xmlns:a16="http://schemas.microsoft.com/office/drawing/2014/main" val="1387157273"/>
+                      </a:ext>
+                    </a:extLst>
+                  </a:tr>
+                  <a:tr h="370840">
+                    <a:tc>
+                      <a:txBody>
+                        <a:bodyPr/>
+                        <a:lstStyle/>
+                        <a:p>
+                          <a:endParaRPr lang="en-US"/>
+                        </a:p>
+                      </a:txBody>
+                      <a:tcPr>
+                        <a:blipFill>
+                          <a:blip r:embed="rId3"/>
+                          <a:stretch>
+                            <a:fillRect l="-588" t="-101639" r="-402941" b="-324590"/>
+                          </a:stretch>
+                        </a:blipFill>
+                      </a:tcPr>
+                    </a:tc>
+                    <a:tc>
+                      <a:txBody>
+                        <a:bodyPr/>
+                        <a:lstStyle/>
+                        <a:p>
+                          <a:r>
+                            <a:rPr lang="en-150" dirty="0"/>
+                            <a:t>1</a:t>
+                          </a:r>
+                          <a:endParaRPr lang="en-GB" dirty="0"/>
+                        </a:p>
+                      </a:txBody>
+                      <a:tcPr/>
+                    </a:tc>
+                    <a:tc>
+                      <a:txBody>
+                        <a:bodyPr/>
+                        <a:lstStyle/>
+                        <a:p>
+                          <a:r>
+                            <a:rPr lang="en-150" dirty="0"/>
+                            <a:t>1</a:t>
+                          </a:r>
+                          <a:endParaRPr lang="en-GB" dirty="0"/>
+                        </a:p>
+                      </a:txBody>
+                      <a:tcPr/>
+                    </a:tc>
+                    <a:tc>
+                      <a:txBody>
+                        <a:bodyPr/>
+                        <a:lstStyle/>
+                        <a:p>
+                          <a:r>
+                            <a:rPr lang="en-150" dirty="0"/>
+                            <a:t>100</a:t>
+                          </a:r>
+                          <a:endParaRPr lang="en-GB" dirty="0"/>
+                        </a:p>
+                      </a:txBody>
+                      <a:tcPr/>
+                    </a:tc>
+                    <a:tc>
+                      <a:txBody>
+                        <a:bodyPr/>
+                        <a:lstStyle/>
+                        <a:p>
+                          <a:r>
+                            <a:rPr lang="en-150" dirty="0"/>
+                            <a:t>5</a:t>
+                          </a:r>
+                          <a:endParaRPr lang="en-GB" dirty="0"/>
+                        </a:p>
+                      </a:txBody>
+                      <a:tcPr/>
+                    </a:tc>
+                    <a:extLst>
+                      <a:ext uri="{0D108BD9-81ED-4DB2-BD59-A6C34878D82A}">
+                        <a16:rowId xmlns:a16="http://schemas.microsoft.com/office/drawing/2014/main" val="53932405"/>
+                      </a:ext>
+                    </a:extLst>
+                  </a:tr>
+                  <a:tr h="370840">
+                    <a:tc>
+                      <a:txBody>
+                        <a:bodyPr/>
+                        <a:lstStyle/>
+                        <a:p>
+                          <a:endParaRPr lang="en-US"/>
+                        </a:p>
+                      </a:txBody>
+                      <a:tcPr>
+                        <a:blipFill>
+                          <a:blip r:embed="rId3"/>
+                          <a:stretch>
+                            <a:fillRect l="-588" t="-201639" r="-402941" b="-224590"/>
+                          </a:stretch>
+                        </a:blipFill>
+                      </a:tcPr>
+                    </a:tc>
+                    <a:tc>
+                      <a:txBody>
+                        <a:bodyPr/>
+                        <a:lstStyle/>
+                        <a:p>
+                          <a:r>
+                            <a:rPr lang="en-150" dirty="0"/>
+                            <a:t>2</a:t>
+                          </a:r>
+                          <a:endParaRPr lang="en-GB" dirty="0"/>
+                        </a:p>
+                      </a:txBody>
+                      <a:tcPr/>
+                    </a:tc>
+                    <a:tc>
+                      <a:txBody>
+                        <a:bodyPr/>
+                        <a:lstStyle/>
+                        <a:p>
+                          <a:r>
+                            <a:rPr lang="en-150" dirty="0"/>
+                            <a:t>2</a:t>
+                          </a:r>
+                          <a:endParaRPr lang="en-GB" dirty="0"/>
+                        </a:p>
+                      </a:txBody>
+                      <a:tcPr/>
+                    </a:tc>
+                    <a:tc>
+                      <a:txBody>
+                        <a:bodyPr/>
+                        <a:lstStyle/>
+                        <a:p>
+                          <a:r>
+                            <a:rPr lang="en-150" dirty="0"/>
+                            <a:t>20</a:t>
+                          </a:r>
+                          <a:endParaRPr lang="en-GB" dirty="0"/>
+                        </a:p>
+                      </a:txBody>
+                      <a:tcPr/>
+                    </a:tc>
+                    <a:tc>
+                      <a:txBody>
+                        <a:bodyPr/>
+                        <a:lstStyle/>
+                        <a:p>
+                          <a:r>
+                            <a:rPr lang="en-150" dirty="0"/>
+                            <a:t>5</a:t>
+                          </a:r>
+                          <a:endParaRPr lang="en-GB" dirty="0"/>
+                        </a:p>
+                      </a:txBody>
+                      <a:tcPr/>
+                    </a:tc>
+                    <a:extLst>
+                      <a:ext uri="{0D108BD9-81ED-4DB2-BD59-A6C34878D82A}">
+                        <a16:rowId xmlns:a16="http://schemas.microsoft.com/office/drawing/2014/main" val="4198853159"/>
+                      </a:ext>
+                    </a:extLst>
+                  </a:tr>
+                  <a:tr h="370840">
+                    <a:tc>
+                      <a:txBody>
+                        <a:bodyPr/>
+                        <a:lstStyle/>
+                        <a:p>
+                          <a:endParaRPr lang="en-US"/>
+                        </a:p>
+                      </a:txBody>
+                      <a:tcPr>
+                        <a:blipFill>
+                          <a:blip r:embed="rId3"/>
+                          <a:stretch>
+                            <a:fillRect l="-588" t="-301639" r="-402941" b="-124590"/>
+                          </a:stretch>
+                        </a:blipFill>
+                      </a:tcPr>
+                    </a:tc>
+                    <a:tc>
+                      <a:txBody>
+                        <a:bodyPr/>
+                        <a:lstStyle/>
+                        <a:p>
+                          <a:r>
+                            <a:rPr lang="en-150" dirty="0"/>
+                            <a:t>1</a:t>
+                          </a:r>
+                          <a:endParaRPr lang="en-GB" dirty="0"/>
+                        </a:p>
+                      </a:txBody>
+                      <a:tcPr/>
+                    </a:tc>
+                    <a:tc>
+                      <a:txBody>
+                        <a:bodyPr/>
+                        <a:lstStyle/>
+                        <a:p>
+                          <a:r>
+                            <a:rPr lang="en-150" dirty="0"/>
+                            <a:t>3</a:t>
+                          </a:r>
+                          <a:endParaRPr lang="en-GB" dirty="0"/>
+                        </a:p>
+                      </a:txBody>
+                      <a:tcPr/>
+                    </a:tc>
+                    <a:tc>
+                      <a:txBody>
+                        <a:bodyPr/>
+                        <a:lstStyle/>
+                        <a:p>
+                          <a:r>
+                            <a:rPr lang="en-150" dirty="0"/>
+                            <a:t>100</a:t>
+                          </a:r>
+                          <a:endParaRPr lang="en-GB" dirty="0"/>
+                        </a:p>
+                      </a:txBody>
+                      <a:tcPr/>
+                    </a:tc>
+                    <a:tc>
+                      <a:txBody>
+                        <a:bodyPr/>
+                        <a:lstStyle/>
+                        <a:p>
+                          <a:r>
+                            <a:rPr lang="en-150" dirty="0"/>
+                            <a:t>20</a:t>
+                          </a:r>
+                          <a:endParaRPr lang="en-GB" dirty="0"/>
+                        </a:p>
+                      </a:txBody>
+                      <a:tcPr/>
+                    </a:tc>
+                    <a:extLst>
+                      <a:ext uri="{0D108BD9-81ED-4DB2-BD59-A6C34878D82A}">
+                        <a16:rowId xmlns:a16="http://schemas.microsoft.com/office/drawing/2014/main" val="253922531"/>
+                      </a:ext>
+                    </a:extLst>
+                  </a:tr>
+                  <a:tr h="370840">
+                    <a:tc>
+                      <a:txBody>
+                        <a:bodyPr/>
+                        <a:lstStyle/>
+                        <a:p>
+                          <a:endParaRPr lang="en-US"/>
+                        </a:p>
+                      </a:txBody>
+                      <a:tcPr>
+                        <a:blipFill>
+                          <a:blip r:embed="rId3"/>
+                          <a:stretch>
+                            <a:fillRect l="-588" t="-401639" r="-402941" b="-24590"/>
+                          </a:stretch>
+                        </a:blipFill>
+                      </a:tcPr>
+                    </a:tc>
+                    <a:tc>
+                      <a:txBody>
+                        <a:bodyPr/>
+                        <a:lstStyle/>
+                        <a:p>
+                          <a:r>
+                            <a:rPr lang="en-150" dirty="0"/>
+                            <a:t>1</a:t>
+                          </a:r>
+                          <a:endParaRPr lang="en-GB" dirty="0"/>
+                        </a:p>
+                      </a:txBody>
+                      <a:tcPr/>
+                    </a:tc>
+                    <a:tc>
+                      <a:txBody>
+                        <a:bodyPr/>
+                        <a:lstStyle/>
+                        <a:p>
+                          <a:r>
+                            <a:rPr lang="en-150" dirty="0"/>
+                            <a:t>4</a:t>
+                          </a:r>
+                          <a:endParaRPr lang="en-GB" dirty="0"/>
+                        </a:p>
+                      </a:txBody>
+                      <a:tcPr/>
+                    </a:tc>
+                    <a:tc>
+                      <a:txBody>
+                        <a:bodyPr/>
+                        <a:lstStyle/>
+                        <a:p>
+                          <a:r>
+                            <a:rPr lang="en-150" dirty="0"/>
+                            <a:t>100</a:t>
+                          </a:r>
+                          <a:endParaRPr lang="en-GB" dirty="0"/>
+                        </a:p>
+                      </a:txBody>
+                      <a:tcPr/>
+                    </a:tc>
+                    <a:tc>
+                      <a:txBody>
+                        <a:bodyPr/>
+                        <a:lstStyle/>
+                        <a:p>
+                          <a:r>
+                            <a:rPr lang="en-150" dirty="0"/>
+                            <a:t>20</a:t>
+                          </a:r>
+                          <a:endParaRPr lang="en-GB" dirty="0"/>
+                        </a:p>
+                      </a:txBody>
+                      <a:tcPr/>
+                    </a:tc>
+                    <a:extLst>
+                      <a:ext uri="{0D108BD9-81ED-4DB2-BD59-A6C34878D82A}">
+                        <a16:rowId xmlns:a16="http://schemas.microsoft.com/office/drawing/2014/main" val="334170670"/>
+                      </a:ext>
+                    </a:extLst>
+                  </a:tr>
+                </a:tbl>
+              </a:graphicData>
+            </a:graphic>
+          </p:graphicFrame>
+        </mc:Fallback>
+      </mc:AlternateContent>
+      <p:sp>
+        <p:nvSpPr>
           <p:cNvPr id="4" name="Slide Number Placeholder 3">
             <a:extLst>
               <a:ext uri="{FF2B5EF4-FFF2-40B4-BE49-F238E27FC236}">
-                <a16:creationId xmlns:a16="http://schemas.microsoft.com/office/drawing/2014/main" id="{E4CAF3CB-DEF0-4E61-A57F-0E095F5BEB96}"/>
+                <a16:creationId xmlns:a16="http://schemas.microsoft.com/office/drawing/2014/main" id="{8072A70F-2686-479C-AEB2-3F1FDA543A67}"/>
               </a:ext>
             </a:extLst>
           </p:cNvPr>
@@ -7712,339 +11141,49 @@
             <p:ph type="sldNum" sz="quarter" idx="12"/>
           </p:nvPr>
         </p:nvSpPr>
-        <p:spPr/>
-        <p:txBody>
-          <a:bodyPr/>
-          <a:lstStyle/>
-          <a:p>
-            <a:fld id="{6565F0C3-D9E9-4961-A3A4-87F2116D4289}" type="slidenum">
-              <a:rPr lang="en-GB" smtClean="0"/>
-              <a:t>4</a:t>
-            </a:fld>
-            <a:endParaRPr lang="en-GB" dirty="0"/>
-          </a:p>
-        </p:txBody>
-      </p:sp>
-      <p:pic>
-        <p:nvPicPr>
-          <p:cNvPr id="20" name="T=5">
-            <a:extLst>
-              <a:ext uri="{FF2B5EF4-FFF2-40B4-BE49-F238E27FC236}">
-                <a16:creationId xmlns:a16="http://schemas.microsoft.com/office/drawing/2014/main" id="{143C3407-4399-4669-B151-69F408F92191}"/>
-              </a:ext>
-            </a:extLst>
-          </p:cNvPr>
-          <p:cNvPicPr>
-            <a:picLocks noChangeAspect="1"/>
-          </p:cNvPicPr>
-          <p:nvPr/>
-        </p:nvPicPr>
-        <p:blipFill>
-          <a:blip r:embed="rId3">
-            <a:extLst>
-              <a:ext uri="{28A0092B-C50C-407E-A947-70E740481C1C}">
-                <a14:useLocalDpi xmlns:a14="http://schemas.microsoft.com/office/drawing/2010/main" val="0"/>
-              </a:ext>
-            </a:extLst>
-          </a:blip>
-          <a:srcRect/>
-          <a:stretch/>
-        </p:blipFill>
         <p:spPr>
           <a:xfrm>
-            <a:off x="2720818" y="643550"/>
-            <a:ext cx="6750363" cy="5400291"/>
+            <a:off x="8610600" y="6356350"/>
+            <a:ext cx="2320636" cy="365125"/>
           </a:xfrm>
           <a:prstGeom prst="rect">
             <a:avLst/>
           </a:prstGeom>
         </p:spPr>
-      </p:pic>
-      <p:pic>
-        <p:nvPicPr>
-          <p:cNvPr id="22" name="T=10">
-            <a:extLst>
-              <a:ext uri="{FF2B5EF4-FFF2-40B4-BE49-F238E27FC236}">
-                <a16:creationId xmlns:a16="http://schemas.microsoft.com/office/drawing/2014/main" id="{6E051251-16EC-4822-B203-23CB416FA6E9}"/>
-              </a:ext>
-            </a:extLst>
-          </p:cNvPr>
-          <p:cNvPicPr>
-            <a:picLocks noChangeAspect="1"/>
-          </p:cNvPicPr>
-          <p:nvPr/>
-        </p:nvPicPr>
-        <p:blipFill>
-          <a:blip r:embed="rId4">
-            <a:extLst>
-              <a:ext uri="{28A0092B-C50C-407E-A947-70E740481C1C}">
-                <a14:useLocalDpi xmlns:a14="http://schemas.microsoft.com/office/drawing/2010/main" val="0"/>
-              </a:ext>
-            </a:extLst>
-          </a:blip>
-          <a:srcRect/>
-          <a:stretch/>
-        </p:blipFill>
-        <p:spPr>
-          <a:xfrm>
-            <a:off x="2720818" y="643550"/>
-            <a:ext cx="6750363" cy="5400291"/>
-          </a:xfrm>
-          <a:prstGeom prst="rect">
-            <a:avLst/>
-          </a:prstGeom>
-        </p:spPr>
-      </p:pic>
-      <p:pic>
-        <p:nvPicPr>
-          <p:cNvPr id="7" name="T=15">
-            <a:extLst>
-              <a:ext uri="{FF2B5EF4-FFF2-40B4-BE49-F238E27FC236}">
-                <a16:creationId xmlns:a16="http://schemas.microsoft.com/office/drawing/2014/main" id="{41F7FA43-A3FB-48E1-A1D9-436FB6328C73}"/>
-              </a:ext>
-            </a:extLst>
-          </p:cNvPr>
-          <p:cNvPicPr>
-            <a:picLocks noChangeAspect="1"/>
-          </p:cNvPicPr>
-          <p:nvPr/>
-        </p:nvPicPr>
-        <p:blipFill>
-          <a:blip r:embed="rId5">
-            <a:extLst>
-              <a:ext uri="{28A0092B-C50C-407E-A947-70E740481C1C}">
-                <a14:useLocalDpi xmlns:a14="http://schemas.microsoft.com/office/drawing/2010/main" val="0"/>
-              </a:ext>
-            </a:extLst>
-          </a:blip>
-          <a:srcRect/>
-          <a:stretch/>
-        </p:blipFill>
-        <p:spPr>
-          <a:xfrm>
-            <a:off x="2720819" y="643549"/>
-            <a:ext cx="6750363" cy="5400290"/>
-          </a:xfrm>
-          <a:prstGeom prst="rect">
-            <a:avLst/>
-          </a:prstGeom>
-        </p:spPr>
-      </p:pic>
-      <p:sp>
-        <p:nvSpPr>
-          <p:cNvPr id="2" name="Title 1">
-            <a:extLst>
-              <a:ext uri="{FF2B5EF4-FFF2-40B4-BE49-F238E27FC236}">
-                <a16:creationId xmlns:a16="http://schemas.microsoft.com/office/drawing/2014/main" id="{BE58AE84-15A3-424F-918C-5140AAC3D8FC}"/>
-              </a:ext>
-            </a:extLst>
-          </p:cNvPr>
-          <p:cNvSpPr>
-            <a:spLocks noGrp="1"/>
-          </p:cNvSpPr>
-          <p:nvPr>
-            <p:ph type="title"/>
-          </p:nvPr>
-        </p:nvSpPr>
-        <p:spPr/>
         <p:txBody>
-          <a:bodyPr/>
+          <a:bodyPr anchor="ctr">
+            <a:normAutofit/>
+          </a:bodyPr>
           <a:lstStyle/>
           <a:p>
-            <a:r>
-              <a:rPr lang="en-150" noProof="0" dirty="0"/>
-              <a:t>O</a:t>
-            </a:r>
-            <a:r>
-              <a:rPr lang="en-GB" noProof="0" dirty="0"/>
-              <a:t>l</a:t>
-            </a:r>
-            <a:r>
-              <a:rPr lang="en-150" noProof="0" dirty="0"/>
-              <a:t>d </a:t>
-            </a:r>
-            <a:r>
-              <a:rPr lang="en-GB" noProof="0" dirty="0"/>
-              <a:t>Results</a:t>
-            </a:r>
+            <a:pPr>
+              <a:spcAft>
+                <a:spcPts val="600"/>
+              </a:spcAft>
+            </a:pPr>
+            <a:fld id="{6565F0C3-D9E9-4961-A3A4-87F2116D4289}" type="slidenum">
+              <a:rPr lang="en-GB" smtClean="0"/>
+              <a:pPr>
+                <a:spcAft>
+                  <a:spcPts val="600"/>
+                </a:spcAft>
+              </a:pPr>
+              <a:t>4</a:t>
+            </a:fld>
+            <a:endParaRPr lang="en-GB"/>
           </a:p>
         </p:txBody>
       </p:sp>
     </p:spTree>
     <p:extLst>
       <p:ext uri="{BB962C8B-B14F-4D97-AF65-F5344CB8AC3E}">
-        <p14:creationId xmlns:p14="http://schemas.microsoft.com/office/powerpoint/2010/main" val="2707527467"/>
+        <p14:creationId xmlns:p14="http://schemas.microsoft.com/office/powerpoint/2010/main" val="738119818"/>
       </p:ext>
     </p:extLst>
   </p:cSld>
   <p:clrMapOvr>
     <a:masterClrMapping/>
   </p:clrMapOvr>
-  <p:timing>
-    <p:tnLst>
-      <p:par>
-        <p:cTn id="1" dur="indefinite" restart="never" nodeType="tmRoot">
-          <p:childTnLst>
-            <p:seq concurrent="1" nextAc="seek">
-              <p:cTn id="2" dur="indefinite" nodeType="mainSeq">
-                <p:childTnLst>
-                  <p:par>
-                    <p:cTn id="3" fill="hold">
-                      <p:stCondLst>
-                        <p:cond delay="indefinite"/>
-                      </p:stCondLst>
-                      <p:childTnLst>
-                        <p:par>
-                          <p:cTn id="4" fill="hold">
-                            <p:stCondLst>
-                              <p:cond delay="0"/>
-                            </p:stCondLst>
-                            <p:childTnLst>
-                              <p:par>
-                                <p:cTn id="5" presetID="1" presetClass="entr" presetSubtype="0" fill="hold" nodeType="clickEffect">
-                                  <p:stCondLst>
-                                    <p:cond delay="0"/>
-                                  </p:stCondLst>
-                                  <p:childTnLst>
-                                    <p:set>
-                                      <p:cBhvr>
-                                        <p:cTn id="6" dur="1" fill="hold">
-                                          <p:stCondLst>
-                                            <p:cond delay="0"/>
-                                          </p:stCondLst>
-                                        </p:cTn>
-                                        <p:tgtEl>
-                                          <p:spTgt spid="20"/>
-                                        </p:tgtEl>
-                                        <p:attrNameLst>
-                                          <p:attrName>style.visibility</p:attrName>
-                                        </p:attrNameLst>
-                                      </p:cBhvr>
-                                      <p:to>
-                                        <p:strVal val="visible"/>
-                                      </p:to>
-                                    </p:set>
-                                  </p:childTnLst>
-                                </p:cTn>
-                              </p:par>
-                            </p:childTnLst>
-                          </p:cTn>
-                        </p:par>
-                      </p:childTnLst>
-                    </p:cTn>
-                  </p:par>
-                  <p:par>
-                    <p:cTn id="7" fill="hold">
-                      <p:stCondLst>
-                        <p:cond delay="indefinite"/>
-                      </p:stCondLst>
-                      <p:childTnLst>
-                        <p:par>
-                          <p:cTn id="8" fill="hold">
-                            <p:stCondLst>
-                              <p:cond delay="0"/>
-                            </p:stCondLst>
-                            <p:childTnLst>
-                              <p:par>
-                                <p:cTn id="9" presetID="1" presetClass="entr" presetSubtype="0" fill="hold" nodeType="clickEffect">
-                                  <p:stCondLst>
-                                    <p:cond delay="0"/>
-                                  </p:stCondLst>
-                                  <p:childTnLst>
-                                    <p:set>
-                                      <p:cBhvr>
-                                        <p:cTn id="10" dur="1" fill="hold">
-                                          <p:stCondLst>
-                                            <p:cond delay="0"/>
-                                          </p:stCondLst>
-                                        </p:cTn>
-                                        <p:tgtEl>
-                                          <p:spTgt spid="22"/>
-                                        </p:tgtEl>
-                                        <p:attrNameLst>
-                                          <p:attrName>style.visibility</p:attrName>
-                                        </p:attrNameLst>
-                                      </p:cBhvr>
-                                      <p:to>
-                                        <p:strVal val="visible"/>
-                                      </p:to>
-                                    </p:set>
-                                  </p:childTnLst>
-                                </p:cTn>
-                              </p:par>
-                            </p:childTnLst>
-                          </p:cTn>
-                        </p:par>
-                      </p:childTnLst>
-                    </p:cTn>
-                  </p:par>
-                  <p:par>
-                    <p:cTn id="11" fill="hold">
-                      <p:stCondLst>
-                        <p:cond delay="indefinite"/>
-                      </p:stCondLst>
-                      <p:childTnLst>
-                        <p:par>
-                          <p:cTn id="12" fill="hold">
-                            <p:stCondLst>
-                              <p:cond delay="0"/>
-                            </p:stCondLst>
-                            <p:childTnLst>
-                              <p:par>
-                                <p:cTn id="13" presetID="1" presetClass="entr" presetSubtype="0" fill="hold" nodeType="clickEffect">
-                                  <p:stCondLst>
-                                    <p:cond delay="0"/>
-                                  </p:stCondLst>
-                                  <p:childTnLst>
-                                    <p:set>
-                                      <p:cBhvr>
-                                        <p:cTn id="14" dur="1" fill="hold">
-                                          <p:stCondLst>
-                                            <p:cond delay="0"/>
-                                          </p:stCondLst>
-                                        </p:cTn>
-                                        <p:tgtEl>
-                                          <p:spTgt spid="7"/>
-                                        </p:tgtEl>
-                                        <p:attrNameLst>
-                                          <p:attrName>style.visibility</p:attrName>
-                                        </p:attrNameLst>
-                                      </p:cBhvr>
-                                      <p:to>
-                                        <p:strVal val="visible"/>
-                                      </p:to>
-                                    </p:set>
-                                  </p:childTnLst>
-                                </p:cTn>
-                              </p:par>
-                            </p:childTnLst>
-                          </p:cTn>
-                        </p:par>
-                      </p:childTnLst>
-                    </p:cTn>
-                  </p:par>
-                </p:childTnLst>
-              </p:cTn>
-              <p:prevCondLst>
-                <p:cond evt="onPrev" delay="0">
-                  <p:tgtEl>
-                    <p:sldTgt/>
-                  </p:tgtEl>
-                </p:cond>
-              </p:prevCondLst>
-              <p:nextCondLst>
-                <p:cond evt="onNext" delay="0">
-                  <p:tgtEl>
-                    <p:sldTgt/>
-                  </p:tgtEl>
-                </p:cond>
-              </p:nextCondLst>
-            </p:seq>
-          </p:childTnLst>
-        </p:cTn>
-      </p:par>
-    </p:tnLst>
-  </p:timing>
 </p:sld>
 </file>
 
@@ -8067,10 +11206,143 @@
       </p:grpSpPr>
       <p:sp>
         <p:nvSpPr>
+          <p:cNvPr id="2" name="Title 1">
+            <a:extLst>
+              <a:ext uri="{FF2B5EF4-FFF2-40B4-BE49-F238E27FC236}">
+                <a16:creationId xmlns:a16="http://schemas.microsoft.com/office/drawing/2014/main" id="{E4F7AE00-7CD3-48A4-BFE5-A5734B3E7388}"/>
+              </a:ext>
+            </a:extLst>
+          </p:cNvPr>
+          <p:cNvSpPr>
+            <a:spLocks noGrp="1"/>
+          </p:cNvSpPr>
+          <p:nvPr>
+            <p:ph type="title"/>
+          </p:nvPr>
+        </p:nvSpPr>
+        <p:spPr>
+          <a:xfrm>
+            <a:off x="838200" y="365126"/>
+            <a:ext cx="10515600" cy="1014788"/>
+          </a:xfrm>
+          <a:prstGeom prst="rect">
+            <a:avLst/>
+          </a:prstGeom>
+        </p:spPr>
+        <p:txBody>
+          <a:bodyPr anchor="ctr">
+            <a:normAutofit/>
+          </a:bodyPr>
+          <a:lstStyle/>
+          <a:p>
+            <a:r>
+              <a:rPr lang="en-150" dirty="0"/>
+              <a:t>A</a:t>
+            </a:r>
+            <a:r>
+              <a:rPr lang="en-GB" dirty="0"/>
+              <a:t>l</a:t>
+            </a:r>
+            <a:r>
+              <a:rPr lang="en-150" dirty="0"/>
+              <a:t>g</a:t>
+            </a:r>
+            <a:r>
+              <a:rPr lang="en-GB" dirty="0"/>
+              <a:t>o</a:t>
+            </a:r>
+            <a:r>
+              <a:rPr lang="en-150" dirty="0"/>
+              <a:t>r</a:t>
+            </a:r>
+            <a:r>
+              <a:rPr lang="en-GB" dirty="0"/>
+              <a:t>i</a:t>
+            </a:r>
+            <a:r>
+              <a:rPr lang="en-150" dirty="0"/>
+              <a:t>t</a:t>
+            </a:r>
+            <a:r>
+              <a:rPr lang="en-GB" dirty="0"/>
+              <a:t>h</a:t>
+            </a:r>
+            <a:r>
+              <a:rPr lang="en-150" dirty="0"/>
+              <a:t>m </a:t>
+            </a:r>
+            <a:r>
+              <a:rPr lang="en-GB" dirty="0"/>
+              <a:t>c</a:t>
+            </a:r>
+            <a:r>
+              <a:rPr lang="en-150" dirty="0"/>
+              <a:t>h</a:t>
+            </a:r>
+            <a:r>
+              <a:rPr lang="en-GB" dirty="0"/>
+              <a:t>a</a:t>
+            </a:r>
+            <a:r>
+              <a:rPr lang="en-150" dirty="0"/>
+              <a:t>n</a:t>
+            </a:r>
+            <a:r>
+              <a:rPr lang="en-GB" dirty="0"/>
+              <a:t>g</a:t>
+            </a:r>
+            <a:r>
+              <a:rPr lang="en-150" dirty="0"/>
+              <a:t>e</a:t>
+            </a:r>
+            <a:endParaRPr lang="en-GB" dirty="0"/>
+          </a:p>
+        </p:txBody>
+      </p:sp>
+      <p:pic>
+        <p:nvPicPr>
+          <p:cNvPr id="6" name="Content Placeholder 5">
+            <a:extLst>
+              <a:ext uri="{FF2B5EF4-FFF2-40B4-BE49-F238E27FC236}">
+                <a16:creationId xmlns:a16="http://schemas.microsoft.com/office/drawing/2014/main" id="{FA2A48C8-2DCF-4448-875D-8B6D118F1592}"/>
+              </a:ext>
+            </a:extLst>
+          </p:cNvPr>
+          <p:cNvPicPr>
+            <a:picLocks noGrp="1" noChangeAspect="1"/>
+          </p:cNvPicPr>
+          <p:nvPr>
+            <p:ph idx="1"/>
+          </p:nvPr>
+        </p:nvPicPr>
+        <p:blipFill>
+          <a:blip r:embed="rId2">
+            <a:extLst>
+              <a:ext uri="{28A0092B-C50C-407E-A947-70E740481C1C}">
+                <a14:useLocalDpi xmlns:a14="http://schemas.microsoft.com/office/drawing/2010/main" val="0"/>
+              </a:ext>
+            </a:extLst>
+          </a:blip>
+          <a:srcRect/>
+          <a:stretch/>
+        </p:blipFill>
+        <p:spPr>
+          <a:xfrm>
+            <a:off x="2346072" y="1707531"/>
+            <a:ext cx="7499855" cy="4258189"/>
+          </a:xfrm>
+          <a:prstGeom prst="rect">
+            <a:avLst/>
+          </a:prstGeom>
+          <a:noFill/>
+        </p:spPr>
+      </p:pic>
+      <p:sp>
+        <p:nvSpPr>
           <p:cNvPr id="4" name="Slide Number Placeholder 3">
             <a:extLst>
               <a:ext uri="{FF2B5EF4-FFF2-40B4-BE49-F238E27FC236}">
-                <a16:creationId xmlns:a16="http://schemas.microsoft.com/office/drawing/2014/main" id="{E4CAF3CB-DEF0-4E61-A57F-0E095F5BEB96}"/>
+                <a16:creationId xmlns:a16="http://schemas.microsoft.com/office/drawing/2014/main" id="{0EF63B9C-78E1-4396-B287-257C3F025F0D}"/>
               </a:ext>
             </a:extLst>
           </p:cNvPr>
@@ -8081,294 +11353,49 @@
             <p:ph type="sldNum" sz="quarter" idx="12"/>
           </p:nvPr>
         </p:nvSpPr>
-        <p:spPr/>
-        <p:txBody>
-          <a:bodyPr/>
-          <a:lstStyle/>
-          <a:p>
-            <a:fld id="{6565F0C3-D9E9-4961-A3A4-87F2116D4289}" type="slidenum">
-              <a:rPr lang="en-GB" smtClean="0"/>
-              <a:t>5</a:t>
-            </a:fld>
-            <a:endParaRPr lang="en-GB" dirty="0"/>
-          </a:p>
-        </p:txBody>
-      </p:sp>
-      <p:pic>
-        <p:nvPicPr>
-          <p:cNvPr id="20" name="T=5">
-            <a:extLst>
-              <a:ext uri="{FF2B5EF4-FFF2-40B4-BE49-F238E27FC236}">
-                <a16:creationId xmlns:a16="http://schemas.microsoft.com/office/drawing/2014/main" id="{143C3407-4399-4669-B151-69F408F92191}"/>
-              </a:ext>
-            </a:extLst>
-          </p:cNvPr>
-          <p:cNvPicPr>
-            <a:picLocks noChangeAspect="1"/>
-          </p:cNvPicPr>
-          <p:nvPr/>
-        </p:nvPicPr>
-        <p:blipFill>
-          <a:blip r:embed="rId3">
-            <a:extLst>
-              <a:ext uri="{28A0092B-C50C-407E-A947-70E740481C1C}">
-                <a14:useLocalDpi xmlns:a14="http://schemas.microsoft.com/office/drawing/2010/main" val="0"/>
-              </a:ext>
-            </a:extLst>
-          </a:blip>
-          <a:srcRect/>
-          <a:stretch/>
-        </p:blipFill>
         <p:spPr>
           <a:xfrm>
-            <a:off x="2720818" y="643550"/>
-            <a:ext cx="6750364" cy="5400291"/>
+            <a:off x="8610600" y="6356350"/>
+            <a:ext cx="2320636" cy="365125"/>
           </a:xfrm>
           <a:prstGeom prst="rect">
             <a:avLst/>
           </a:prstGeom>
         </p:spPr>
-      </p:pic>
-      <p:pic>
-        <p:nvPicPr>
-          <p:cNvPr id="22" name="T=10">
-            <a:extLst>
-              <a:ext uri="{FF2B5EF4-FFF2-40B4-BE49-F238E27FC236}">
-                <a16:creationId xmlns:a16="http://schemas.microsoft.com/office/drawing/2014/main" id="{6E051251-16EC-4822-B203-23CB416FA6E9}"/>
-              </a:ext>
-            </a:extLst>
-          </p:cNvPr>
-          <p:cNvPicPr>
-            <a:picLocks noChangeAspect="1"/>
-          </p:cNvPicPr>
-          <p:nvPr/>
-        </p:nvPicPr>
-        <p:blipFill>
-          <a:blip r:embed="rId4">
-            <a:extLst>
-              <a:ext uri="{28A0092B-C50C-407E-A947-70E740481C1C}">
-                <a14:useLocalDpi xmlns:a14="http://schemas.microsoft.com/office/drawing/2010/main" val="0"/>
-              </a:ext>
-            </a:extLst>
-          </a:blip>
-          <a:srcRect/>
-          <a:stretch/>
-        </p:blipFill>
-        <p:spPr>
-          <a:xfrm>
-            <a:off x="2720818" y="643550"/>
-            <a:ext cx="6750364" cy="5400291"/>
-          </a:xfrm>
-          <a:prstGeom prst="rect">
-            <a:avLst/>
-          </a:prstGeom>
-        </p:spPr>
-      </p:pic>
-      <p:pic>
-        <p:nvPicPr>
-          <p:cNvPr id="7" name="T=15">
-            <a:extLst>
-              <a:ext uri="{FF2B5EF4-FFF2-40B4-BE49-F238E27FC236}">
-                <a16:creationId xmlns:a16="http://schemas.microsoft.com/office/drawing/2014/main" id="{41F7FA43-A3FB-48E1-A1D9-436FB6328C73}"/>
-              </a:ext>
-            </a:extLst>
-          </p:cNvPr>
-          <p:cNvPicPr>
-            <a:picLocks noChangeAspect="1"/>
-          </p:cNvPicPr>
-          <p:nvPr/>
-        </p:nvPicPr>
-        <p:blipFill>
-          <a:blip r:embed="rId5">
-            <a:extLst>
-              <a:ext uri="{28A0092B-C50C-407E-A947-70E740481C1C}">
-                <a14:useLocalDpi xmlns:a14="http://schemas.microsoft.com/office/drawing/2010/main" val="0"/>
-              </a:ext>
-            </a:extLst>
-          </a:blip>
-          <a:srcRect/>
-          <a:stretch/>
-        </p:blipFill>
-        <p:spPr>
-          <a:xfrm>
-            <a:off x="2720819" y="643549"/>
-            <a:ext cx="6750363" cy="5400291"/>
-          </a:xfrm>
-          <a:prstGeom prst="rect">
-            <a:avLst/>
-          </a:prstGeom>
-        </p:spPr>
-      </p:pic>
-      <p:sp>
-        <p:nvSpPr>
-          <p:cNvPr id="2" name="Title 1">
-            <a:extLst>
-              <a:ext uri="{FF2B5EF4-FFF2-40B4-BE49-F238E27FC236}">
-                <a16:creationId xmlns:a16="http://schemas.microsoft.com/office/drawing/2014/main" id="{BE58AE84-15A3-424F-918C-5140AAC3D8FC}"/>
-              </a:ext>
-            </a:extLst>
-          </p:cNvPr>
-          <p:cNvSpPr>
-            <a:spLocks noGrp="1"/>
-          </p:cNvSpPr>
-          <p:nvPr>
-            <p:ph type="title"/>
-          </p:nvPr>
-        </p:nvSpPr>
-        <p:spPr/>
         <p:txBody>
-          <a:bodyPr/>
+          <a:bodyPr anchor="ctr">
+            <a:normAutofit/>
+          </a:bodyPr>
           <a:lstStyle/>
           <a:p>
-            <a:r>
-              <a:rPr lang="en-150" noProof="0" dirty="0"/>
-              <a:t>O</a:t>
-            </a:r>
-            <a:r>
-              <a:rPr lang="en-GB" noProof="0" dirty="0"/>
-              <a:t>l</a:t>
-            </a:r>
-            <a:r>
-              <a:rPr lang="en-150" noProof="0" dirty="0"/>
-              <a:t>d </a:t>
-            </a:r>
-            <a:r>
-              <a:rPr lang="en-GB" noProof="0" dirty="0"/>
-              <a:t>Results</a:t>
-            </a:r>
+            <a:pPr>
+              <a:spcAft>
+                <a:spcPts val="600"/>
+              </a:spcAft>
+            </a:pPr>
+            <a:fld id="{6565F0C3-D9E9-4961-A3A4-87F2116D4289}" type="slidenum">
+              <a:rPr lang="en-GB" smtClean="0"/>
+              <a:pPr>
+                <a:spcAft>
+                  <a:spcPts val="600"/>
+                </a:spcAft>
+              </a:pPr>
+              <a:t>5</a:t>
+            </a:fld>
+            <a:endParaRPr lang="en-GB"/>
           </a:p>
         </p:txBody>
       </p:sp>
     </p:spTree>
     <p:extLst>
       <p:ext uri="{BB962C8B-B14F-4D97-AF65-F5344CB8AC3E}">
-        <p14:creationId xmlns:p14="http://schemas.microsoft.com/office/powerpoint/2010/main" val="3568287303"/>
+        <p14:creationId xmlns:p14="http://schemas.microsoft.com/office/powerpoint/2010/main" val="125958833"/>
       </p:ext>
     </p:extLst>
   </p:cSld>
   <p:clrMapOvr>
     <a:masterClrMapping/>
   </p:clrMapOvr>
-  <p:timing>
-    <p:tnLst>
-      <p:par>
-        <p:cTn id="1" dur="indefinite" restart="never" nodeType="tmRoot">
-          <p:childTnLst>
-            <p:seq concurrent="1" nextAc="seek">
-              <p:cTn id="2" dur="indefinite" nodeType="mainSeq">
-                <p:childTnLst>
-                  <p:par>
-                    <p:cTn id="3" fill="hold">
-                      <p:stCondLst>
-                        <p:cond delay="indefinite"/>
-                      </p:stCondLst>
-                      <p:childTnLst>
-                        <p:par>
-                          <p:cTn id="4" fill="hold">
-                            <p:stCondLst>
-                              <p:cond delay="0"/>
-                            </p:stCondLst>
-                            <p:childTnLst>
-                              <p:par>
-                                <p:cTn id="5" presetID="1" presetClass="entr" presetSubtype="0" fill="hold" nodeType="clickEffect">
-                                  <p:stCondLst>
-                                    <p:cond delay="0"/>
-                                  </p:stCondLst>
-                                  <p:childTnLst>
-                                    <p:set>
-                                      <p:cBhvr>
-                                        <p:cTn id="6" dur="1" fill="hold">
-                                          <p:stCondLst>
-                                            <p:cond delay="0"/>
-                                          </p:stCondLst>
-                                        </p:cTn>
-                                        <p:tgtEl>
-                                          <p:spTgt spid="22"/>
-                                        </p:tgtEl>
-                                        <p:attrNameLst>
-                                          <p:attrName>style.visibility</p:attrName>
-                                        </p:attrNameLst>
-                                      </p:cBhvr>
-                                      <p:to>
-                                        <p:strVal val="visible"/>
-                                      </p:to>
-                                    </p:set>
-                                  </p:childTnLst>
-                                </p:cTn>
-                              </p:par>
-                            </p:childTnLst>
-                          </p:cTn>
-                        </p:par>
-                      </p:childTnLst>
-                    </p:cTn>
-                  </p:par>
-                  <p:par>
-                    <p:cTn id="7" fill="hold">
-                      <p:stCondLst>
-                        <p:cond delay="indefinite"/>
-                      </p:stCondLst>
-                      <p:childTnLst>
-                        <p:par>
-                          <p:cTn id="8" fill="hold">
-                            <p:stCondLst>
-                              <p:cond delay="0"/>
-                            </p:stCondLst>
-                            <p:childTnLst>
-                              <p:par>
-                                <p:cTn id="9" presetID="1" presetClass="entr" presetSubtype="0" fill="hold" nodeType="clickEffect">
-                                  <p:stCondLst>
-                                    <p:cond delay="0"/>
-                                  </p:stCondLst>
-                                  <p:childTnLst>
-                                    <p:set>
-                                      <p:cBhvr>
-                                        <p:cTn id="10" dur="1" fill="hold">
-                                          <p:stCondLst>
-                                            <p:cond delay="0"/>
-                                          </p:stCondLst>
-                                        </p:cTn>
-                                        <p:tgtEl>
-                                          <p:spTgt spid="7"/>
-                                        </p:tgtEl>
-                                        <p:attrNameLst>
-                                          <p:attrName>style.visibility</p:attrName>
-                                        </p:attrNameLst>
-                                      </p:cBhvr>
-                                      <p:to>
-                                        <p:strVal val="visible"/>
-                                      </p:to>
-                                    </p:set>
-                                  </p:childTnLst>
-                                </p:cTn>
-                              </p:par>
-                            </p:childTnLst>
-                          </p:cTn>
-                        </p:par>
-                      </p:childTnLst>
-                    </p:cTn>
-                  </p:par>
-                </p:childTnLst>
-              </p:cTn>
-              <p:prevCondLst>
-                <p:cond evt="onPrev" delay="0">
-                  <p:tgtEl>
-                    <p:sldTgt/>
-                  </p:tgtEl>
-                </p:cond>
-              </p:prevCondLst>
-              <p:nextCondLst>
-                <p:cond evt="onNext" delay="0">
-                  <p:tgtEl>
-                    <p:sldTgt/>
-                  </p:tgtEl>
-                </p:cond>
-              </p:nextCondLst>
-            </p:seq>
-          </p:childTnLst>
-        </p:cTn>
-      </p:par>
-    </p:tnLst>
-  </p:timing>
 </p:sld>
 </file>
 
@@ -8391,10 +11418,143 @@
       </p:grpSpPr>
       <p:sp>
         <p:nvSpPr>
+          <p:cNvPr id="2" name="Title 1">
+            <a:extLst>
+              <a:ext uri="{FF2B5EF4-FFF2-40B4-BE49-F238E27FC236}">
+                <a16:creationId xmlns:a16="http://schemas.microsoft.com/office/drawing/2014/main" id="{E4F7AE00-7CD3-48A4-BFE5-A5734B3E7388}"/>
+              </a:ext>
+            </a:extLst>
+          </p:cNvPr>
+          <p:cNvSpPr>
+            <a:spLocks noGrp="1"/>
+          </p:cNvSpPr>
+          <p:nvPr>
+            <p:ph type="title"/>
+          </p:nvPr>
+        </p:nvSpPr>
+        <p:spPr>
+          <a:xfrm>
+            <a:off x="838200" y="365126"/>
+            <a:ext cx="10515600" cy="1014788"/>
+          </a:xfrm>
+          <a:prstGeom prst="rect">
+            <a:avLst/>
+          </a:prstGeom>
+        </p:spPr>
+        <p:txBody>
+          <a:bodyPr anchor="ctr">
+            <a:normAutofit/>
+          </a:bodyPr>
+          <a:lstStyle/>
+          <a:p>
+            <a:r>
+              <a:rPr lang="en-150" dirty="0"/>
+              <a:t>A</a:t>
+            </a:r>
+            <a:r>
+              <a:rPr lang="en-GB" dirty="0"/>
+              <a:t>l</a:t>
+            </a:r>
+            <a:r>
+              <a:rPr lang="en-150" dirty="0"/>
+              <a:t>g</a:t>
+            </a:r>
+            <a:r>
+              <a:rPr lang="en-GB" dirty="0"/>
+              <a:t>o</a:t>
+            </a:r>
+            <a:r>
+              <a:rPr lang="en-150" dirty="0"/>
+              <a:t>r</a:t>
+            </a:r>
+            <a:r>
+              <a:rPr lang="en-GB" dirty="0"/>
+              <a:t>i</a:t>
+            </a:r>
+            <a:r>
+              <a:rPr lang="en-150" dirty="0"/>
+              <a:t>t</a:t>
+            </a:r>
+            <a:r>
+              <a:rPr lang="en-GB" dirty="0"/>
+              <a:t>h</a:t>
+            </a:r>
+            <a:r>
+              <a:rPr lang="en-150" dirty="0"/>
+              <a:t>m </a:t>
+            </a:r>
+            <a:r>
+              <a:rPr lang="en-GB" dirty="0"/>
+              <a:t>c</a:t>
+            </a:r>
+            <a:r>
+              <a:rPr lang="en-150" dirty="0"/>
+              <a:t>h</a:t>
+            </a:r>
+            <a:r>
+              <a:rPr lang="en-GB" dirty="0"/>
+              <a:t>a</a:t>
+            </a:r>
+            <a:r>
+              <a:rPr lang="en-150" dirty="0"/>
+              <a:t>n</a:t>
+            </a:r>
+            <a:r>
+              <a:rPr lang="en-GB" dirty="0"/>
+              <a:t>g</a:t>
+            </a:r>
+            <a:r>
+              <a:rPr lang="en-150" dirty="0"/>
+              <a:t>e</a:t>
+            </a:r>
+            <a:endParaRPr lang="en-GB" dirty="0"/>
+          </a:p>
+        </p:txBody>
+      </p:sp>
+      <p:pic>
+        <p:nvPicPr>
+          <p:cNvPr id="6" name="Content Placeholder 5">
+            <a:extLst>
+              <a:ext uri="{FF2B5EF4-FFF2-40B4-BE49-F238E27FC236}">
+                <a16:creationId xmlns:a16="http://schemas.microsoft.com/office/drawing/2014/main" id="{FA2A48C8-2DCF-4448-875D-8B6D118F1592}"/>
+              </a:ext>
+            </a:extLst>
+          </p:cNvPr>
+          <p:cNvPicPr>
+            <a:picLocks noGrp="1" noChangeAspect="1"/>
+          </p:cNvPicPr>
+          <p:nvPr>
+            <p:ph idx="1"/>
+          </p:nvPr>
+        </p:nvPicPr>
+        <p:blipFill>
+          <a:blip r:embed="rId2">
+            <a:extLst>
+              <a:ext uri="{28A0092B-C50C-407E-A947-70E740481C1C}">
+                <a14:useLocalDpi xmlns:a14="http://schemas.microsoft.com/office/drawing/2010/main" val="0"/>
+              </a:ext>
+            </a:extLst>
+          </a:blip>
+          <a:srcRect/>
+          <a:stretch/>
+        </p:blipFill>
+        <p:spPr>
+          <a:xfrm>
+            <a:off x="2405820" y="1707531"/>
+            <a:ext cx="7380359" cy="4258189"/>
+          </a:xfrm>
+          <a:prstGeom prst="rect">
+            <a:avLst/>
+          </a:prstGeom>
+          <a:noFill/>
+        </p:spPr>
+      </p:pic>
+      <p:sp>
+        <p:nvSpPr>
           <p:cNvPr id="4" name="Slide Number Placeholder 3">
             <a:extLst>
               <a:ext uri="{FF2B5EF4-FFF2-40B4-BE49-F238E27FC236}">
-                <a16:creationId xmlns:a16="http://schemas.microsoft.com/office/drawing/2014/main" id="{E4CAF3CB-DEF0-4E61-A57F-0E095F5BEB96}"/>
+                <a16:creationId xmlns:a16="http://schemas.microsoft.com/office/drawing/2014/main" id="{0EF63B9C-78E1-4396-B287-257C3F025F0D}"/>
               </a:ext>
             </a:extLst>
           </p:cNvPr>
@@ -8405,294 +11565,49 @@
             <p:ph type="sldNum" sz="quarter" idx="12"/>
           </p:nvPr>
         </p:nvSpPr>
-        <p:spPr/>
-        <p:txBody>
-          <a:bodyPr/>
-          <a:lstStyle/>
-          <a:p>
-            <a:fld id="{6565F0C3-D9E9-4961-A3A4-87F2116D4289}" type="slidenum">
-              <a:rPr lang="en-GB" smtClean="0"/>
-              <a:t>6</a:t>
-            </a:fld>
-            <a:endParaRPr lang="en-GB" dirty="0"/>
-          </a:p>
-        </p:txBody>
-      </p:sp>
-      <p:pic>
-        <p:nvPicPr>
-          <p:cNvPr id="20" name="T=5">
-            <a:extLst>
-              <a:ext uri="{FF2B5EF4-FFF2-40B4-BE49-F238E27FC236}">
-                <a16:creationId xmlns:a16="http://schemas.microsoft.com/office/drawing/2014/main" id="{143C3407-4399-4669-B151-69F408F92191}"/>
-              </a:ext>
-            </a:extLst>
-          </p:cNvPr>
-          <p:cNvPicPr>
-            <a:picLocks noChangeAspect="1"/>
-          </p:cNvPicPr>
-          <p:nvPr/>
-        </p:nvPicPr>
-        <p:blipFill>
-          <a:blip r:embed="rId3">
-            <a:extLst>
-              <a:ext uri="{28A0092B-C50C-407E-A947-70E740481C1C}">
-                <a14:useLocalDpi xmlns:a14="http://schemas.microsoft.com/office/drawing/2010/main" val="0"/>
-              </a:ext>
-            </a:extLst>
-          </a:blip>
-          <a:srcRect/>
-          <a:stretch/>
-        </p:blipFill>
         <p:spPr>
           <a:xfrm>
-            <a:off x="2720818" y="643550"/>
-            <a:ext cx="6750363" cy="5400291"/>
+            <a:off x="8610600" y="6356350"/>
+            <a:ext cx="2320636" cy="365125"/>
           </a:xfrm>
           <a:prstGeom prst="rect">
             <a:avLst/>
           </a:prstGeom>
         </p:spPr>
-      </p:pic>
-      <p:pic>
-        <p:nvPicPr>
-          <p:cNvPr id="22" name="T=10">
-            <a:extLst>
-              <a:ext uri="{FF2B5EF4-FFF2-40B4-BE49-F238E27FC236}">
-                <a16:creationId xmlns:a16="http://schemas.microsoft.com/office/drawing/2014/main" id="{6E051251-16EC-4822-B203-23CB416FA6E9}"/>
-              </a:ext>
-            </a:extLst>
-          </p:cNvPr>
-          <p:cNvPicPr>
-            <a:picLocks noChangeAspect="1"/>
-          </p:cNvPicPr>
-          <p:nvPr/>
-        </p:nvPicPr>
-        <p:blipFill>
-          <a:blip r:embed="rId4">
-            <a:extLst>
-              <a:ext uri="{28A0092B-C50C-407E-A947-70E740481C1C}">
-                <a14:useLocalDpi xmlns:a14="http://schemas.microsoft.com/office/drawing/2010/main" val="0"/>
-              </a:ext>
-            </a:extLst>
-          </a:blip>
-          <a:srcRect/>
-          <a:stretch/>
-        </p:blipFill>
-        <p:spPr>
-          <a:xfrm>
-            <a:off x="2720818" y="643550"/>
-            <a:ext cx="6750363" cy="5400291"/>
-          </a:xfrm>
-          <a:prstGeom prst="rect">
-            <a:avLst/>
-          </a:prstGeom>
-        </p:spPr>
-      </p:pic>
-      <p:pic>
-        <p:nvPicPr>
-          <p:cNvPr id="7" name="T=15">
-            <a:extLst>
-              <a:ext uri="{FF2B5EF4-FFF2-40B4-BE49-F238E27FC236}">
-                <a16:creationId xmlns:a16="http://schemas.microsoft.com/office/drawing/2014/main" id="{41F7FA43-A3FB-48E1-A1D9-436FB6328C73}"/>
-              </a:ext>
-            </a:extLst>
-          </p:cNvPr>
-          <p:cNvPicPr>
-            <a:picLocks noChangeAspect="1"/>
-          </p:cNvPicPr>
-          <p:nvPr/>
-        </p:nvPicPr>
-        <p:blipFill>
-          <a:blip r:embed="rId5">
-            <a:extLst>
-              <a:ext uri="{28A0092B-C50C-407E-A947-70E740481C1C}">
-                <a14:useLocalDpi xmlns:a14="http://schemas.microsoft.com/office/drawing/2010/main" val="0"/>
-              </a:ext>
-            </a:extLst>
-          </a:blip>
-          <a:srcRect/>
-          <a:stretch/>
-        </p:blipFill>
-        <p:spPr>
-          <a:xfrm>
-            <a:off x="2720819" y="643549"/>
-            <a:ext cx="6750363" cy="5400290"/>
-          </a:xfrm>
-          <a:prstGeom prst="rect">
-            <a:avLst/>
-          </a:prstGeom>
-        </p:spPr>
-      </p:pic>
-      <p:sp>
-        <p:nvSpPr>
-          <p:cNvPr id="2" name="Title 1">
-            <a:extLst>
-              <a:ext uri="{FF2B5EF4-FFF2-40B4-BE49-F238E27FC236}">
-                <a16:creationId xmlns:a16="http://schemas.microsoft.com/office/drawing/2014/main" id="{BE58AE84-15A3-424F-918C-5140AAC3D8FC}"/>
-              </a:ext>
-            </a:extLst>
-          </p:cNvPr>
-          <p:cNvSpPr>
-            <a:spLocks noGrp="1"/>
-          </p:cNvSpPr>
-          <p:nvPr>
-            <p:ph type="title"/>
-          </p:nvPr>
-        </p:nvSpPr>
-        <p:spPr/>
         <p:txBody>
-          <a:bodyPr/>
+          <a:bodyPr anchor="ctr">
+            <a:normAutofit/>
+          </a:bodyPr>
           <a:lstStyle/>
           <a:p>
-            <a:r>
-              <a:rPr lang="en-150" noProof="0" dirty="0"/>
-              <a:t>O</a:t>
-            </a:r>
-            <a:r>
-              <a:rPr lang="en-GB" noProof="0" dirty="0"/>
-              <a:t>l</a:t>
-            </a:r>
-            <a:r>
-              <a:rPr lang="en-150" noProof="0" dirty="0"/>
-              <a:t>d </a:t>
-            </a:r>
-            <a:r>
-              <a:rPr lang="en-GB" noProof="0" dirty="0"/>
-              <a:t>Results</a:t>
-            </a:r>
+            <a:pPr>
+              <a:spcAft>
+                <a:spcPts val="600"/>
+              </a:spcAft>
+            </a:pPr>
+            <a:fld id="{6565F0C3-D9E9-4961-A3A4-87F2116D4289}" type="slidenum">
+              <a:rPr lang="en-GB" smtClean="0"/>
+              <a:pPr>
+                <a:spcAft>
+                  <a:spcPts val="600"/>
+                </a:spcAft>
+              </a:pPr>
+              <a:t>6</a:t>
+            </a:fld>
+            <a:endParaRPr lang="en-GB"/>
           </a:p>
         </p:txBody>
       </p:sp>
     </p:spTree>
     <p:extLst>
       <p:ext uri="{BB962C8B-B14F-4D97-AF65-F5344CB8AC3E}">
-        <p14:creationId xmlns:p14="http://schemas.microsoft.com/office/powerpoint/2010/main" val="632591743"/>
+        <p14:creationId xmlns:p14="http://schemas.microsoft.com/office/powerpoint/2010/main" val="4152250072"/>
       </p:ext>
     </p:extLst>
   </p:cSld>
   <p:clrMapOvr>
     <a:masterClrMapping/>
   </p:clrMapOvr>
-  <p:timing>
-    <p:tnLst>
-      <p:par>
-        <p:cTn id="1" dur="indefinite" restart="never" nodeType="tmRoot">
-          <p:childTnLst>
-            <p:seq concurrent="1" nextAc="seek">
-              <p:cTn id="2" dur="indefinite" nodeType="mainSeq">
-                <p:childTnLst>
-                  <p:par>
-                    <p:cTn id="3" fill="hold">
-                      <p:stCondLst>
-                        <p:cond delay="indefinite"/>
-                      </p:stCondLst>
-                      <p:childTnLst>
-                        <p:par>
-                          <p:cTn id="4" fill="hold">
-                            <p:stCondLst>
-                              <p:cond delay="0"/>
-                            </p:stCondLst>
-                            <p:childTnLst>
-                              <p:par>
-                                <p:cTn id="5" presetID="1" presetClass="entr" presetSubtype="0" fill="hold" nodeType="clickEffect">
-                                  <p:stCondLst>
-                                    <p:cond delay="0"/>
-                                  </p:stCondLst>
-                                  <p:childTnLst>
-                                    <p:set>
-                                      <p:cBhvr>
-                                        <p:cTn id="6" dur="1" fill="hold">
-                                          <p:stCondLst>
-                                            <p:cond delay="0"/>
-                                          </p:stCondLst>
-                                        </p:cTn>
-                                        <p:tgtEl>
-                                          <p:spTgt spid="22"/>
-                                        </p:tgtEl>
-                                        <p:attrNameLst>
-                                          <p:attrName>style.visibility</p:attrName>
-                                        </p:attrNameLst>
-                                      </p:cBhvr>
-                                      <p:to>
-                                        <p:strVal val="visible"/>
-                                      </p:to>
-                                    </p:set>
-                                  </p:childTnLst>
-                                </p:cTn>
-                              </p:par>
-                            </p:childTnLst>
-                          </p:cTn>
-                        </p:par>
-                      </p:childTnLst>
-                    </p:cTn>
-                  </p:par>
-                  <p:par>
-                    <p:cTn id="7" fill="hold">
-                      <p:stCondLst>
-                        <p:cond delay="indefinite"/>
-                      </p:stCondLst>
-                      <p:childTnLst>
-                        <p:par>
-                          <p:cTn id="8" fill="hold">
-                            <p:stCondLst>
-                              <p:cond delay="0"/>
-                            </p:stCondLst>
-                            <p:childTnLst>
-                              <p:par>
-                                <p:cTn id="9" presetID="1" presetClass="entr" presetSubtype="0" fill="hold" nodeType="clickEffect">
-                                  <p:stCondLst>
-                                    <p:cond delay="0"/>
-                                  </p:stCondLst>
-                                  <p:childTnLst>
-                                    <p:set>
-                                      <p:cBhvr>
-                                        <p:cTn id="10" dur="1" fill="hold">
-                                          <p:stCondLst>
-                                            <p:cond delay="0"/>
-                                          </p:stCondLst>
-                                        </p:cTn>
-                                        <p:tgtEl>
-                                          <p:spTgt spid="7"/>
-                                        </p:tgtEl>
-                                        <p:attrNameLst>
-                                          <p:attrName>style.visibility</p:attrName>
-                                        </p:attrNameLst>
-                                      </p:cBhvr>
-                                      <p:to>
-                                        <p:strVal val="visible"/>
-                                      </p:to>
-                                    </p:set>
-                                  </p:childTnLst>
-                                </p:cTn>
-                              </p:par>
-                            </p:childTnLst>
-                          </p:cTn>
-                        </p:par>
-                      </p:childTnLst>
-                    </p:cTn>
-                  </p:par>
-                </p:childTnLst>
-              </p:cTn>
-              <p:prevCondLst>
-                <p:cond evt="onPrev" delay="0">
-                  <p:tgtEl>
-                    <p:sldTgt/>
-                  </p:tgtEl>
-                </p:cond>
-              </p:prevCondLst>
-              <p:nextCondLst>
-                <p:cond evt="onNext" delay="0">
-                  <p:tgtEl>
-                    <p:sldTgt/>
-                  </p:tgtEl>
-                </p:cond>
-              </p:nextCondLst>
-            </p:seq>
-          </p:childTnLst>
-        </p:cTn>
-      </p:par>
-    </p:tnLst>
-  </p:timing>
 </p:sld>
 </file>
 
@@ -8770,7 +11685,7 @@
         <p:spPr>
           <a:xfrm>
             <a:off x="2720818" y="643550"/>
-            <a:ext cx="6750363" cy="5400290"/>
+            <a:ext cx="6750363" cy="5400291"/>
           </a:xfrm>
           <a:prstGeom prst="rect">
             <a:avLst/>
@@ -8805,7 +11720,7 @@
         <p:spPr>
           <a:xfrm>
             <a:off x="2720818" y="643550"/>
-            <a:ext cx="6750363" cy="5400290"/>
+            <a:ext cx="6750363" cy="5400291"/>
           </a:xfrm>
           <a:prstGeom prst="rect">
             <a:avLst/>
@@ -8840,7 +11755,7 @@
         <p:spPr>
           <a:xfrm>
             <a:off x="2720819" y="643549"/>
-            <a:ext cx="6750362" cy="5400290"/>
+            <a:ext cx="6750363" cy="5400290"/>
           </a:xfrm>
           <a:prstGeom prst="rect">
             <a:avLst/>
@@ -8869,6 +11784,18 @@
           <a:lstStyle/>
           <a:p>
             <a:r>
+              <a:rPr lang="en-150" noProof="0" dirty="0"/>
+              <a:t>O</a:t>
+            </a:r>
+            <a:r>
+              <a:rPr lang="en-GB" noProof="0" dirty="0"/>
+              <a:t>l</a:t>
+            </a:r>
+            <a:r>
+              <a:rPr lang="en-150" noProof="0" dirty="0"/>
+              <a:t>d </a:t>
+            </a:r>
+            <a:r>
               <a:rPr lang="en-GB" noProof="0" dirty="0"/>
               <a:t>Results</a:t>
             </a:r>
@@ -8878,7 +11805,7 @@
     </p:spTree>
     <p:extLst>
       <p:ext uri="{BB962C8B-B14F-4D97-AF65-F5344CB8AC3E}">
-        <p14:creationId xmlns:p14="http://schemas.microsoft.com/office/powerpoint/2010/main" val="1499647241"/>
+        <p14:creationId xmlns:p14="http://schemas.microsoft.com/office/powerpoint/2010/main" val="2707527467"/>
       </p:ext>
     </p:extLst>
   </p:cSld>
@@ -9127,7 +12054,7 @@
         <p:spPr>
           <a:xfrm>
             <a:off x="2720818" y="643550"/>
-            <a:ext cx="6750363" cy="5400291"/>
+            <a:ext cx="6750364" cy="5400291"/>
           </a:xfrm>
           <a:prstGeom prst="rect">
             <a:avLst/>
@@ -9162,7 +12089,7 @@
         <p:spPr>
           <a:xfrm>
             <a:off x="2720818" y="643550"/>
-            <a:ext cx="6750363" cy="5400291"/>
+            <a:ext cx="6750364" cy="5400291"/>
           </a:xfrm>
           <a:prstGeom prst="rect">
             <a:avLst/>
@@ -9197,7 +12124,7 @@
         <p:spPr>
           <a:xfrm>
             <a:off x="2720819" y="643549"/>
-            <a:ext cx="6750363" cy="5400290"/>
+            <a:ext cx="6750363" cy="5400291"/>
           </a:xfrm>
           <a:prstGeom prst="rect">
             <a:avLst/>
@@ -9226,6 +12153,18 @@
           <a:lstStyle/>
           <a:p>
             <a:r>
+              <a:rPr lang="en-150" noProof="0" dirty="0"/>
+              <a:t>O</a:t>
+            </a:r>
+            <a:r>
+              <a:rPr lang="en-GB" noProof="0" dirty="0"/>
+              <a:t>l</a:t>
+            </a:r>
+            <a:r>
+              <a:rPr lang="en-150" noProof="0" dirty="0"/>
+              <a:t>d </a:t>
+            </a:r>
+            <a:r>
               <a:rPr lang="en-GB" noProof="0" dirty="0"/>
               <a:t>Results</a:t>
             </a:r>
@@ -9235,7 +12174,7 @@
     </p:spTree>
     <p:extLst>
       <p:ext uri="{BB962C8B-B14F-4D97-AF65-F5344CB8AC3E}">
-        <p14:creationId xmlns:p14="http://schemas.microsoft.com/office/powerpoint/2010/main" val="1574872275"/>
+        <p14:creationId xmlns:p14="http://schemas.microsoft.com/office/powerpoint/2010/main" val="3568287303"/>
       </p:ext>
     </p:extLst>
   </p:cSld>
@@ -9439,7 +12378,7 @@
         <p:spPr>
           <a:xfrm>
             <a:off x="2720818" y="643550"/>
-            <a:ext cx="6750363" cy="5400290"/>
+            <a:ext cx="6750363" cy="5400291"/>
           </a:xfrm>
           <a:prstGeom prst="rect">
             <a:avLst/>
@@ -9474,7 +12413,7 @@
         <p:spPr>
           <a:xfrm>
             <a:off x="2720818" y="643550"/>
-            <a:ext cx="6750363" cy="5400290"/>
+            <a:ext cx="6750363" cy="5400291"/>
           </a:xfrm>
           <a:prstGeom prst="rect">
             <a:avLst/>
@@ -9509,7 +12448,7 @@
         <p:spPr>
           <a:xfrm>
             <a:off x="2720819" y="643549"/>
-            <a:ext cx="6750362" cy="5400290"/>
+            <a:ext cx="6750363" cy="5400290"/>
           </a:xfrm>
           <a:prstGeom prst="rect">
             <a:avLst/>
@@ -9538,6 +12477,18 @@
           <a:lstStyle/>
           <a:p>
             <a:r>
+              <a:rPr lang="en-150" noProof="0" dirty="0"/>
+              <a:t>O</a:t>
+            </a:r>
+            <a:r>
+              <a:rPr lang="en-GB" noProof="0" dirty="0"/>
+              <a:t>l</a:t>
+            </a:r>
+            <a:r>
+              <a:rPr lang="en-150" noProof="0" dirty="0"/>
+              <a:t>d </a:t>
+            </a:r>
+            <a:r>
               <a:rPr lang="en-GB" noProof="0" dirty="0"/>
               <a:t>Results</a:t>
             </a:r>
@@ -9547,7 +12498,7 @@
     </p:spTree>
     <p:extLst>
       <p:ext uri="{BB962C8B-B14F-4D97-AF65-F5344CB8AC3E}">
-        <p14:creationId xmlns:p14="http://schemas.microsoft.com/office/powerpoint/2010/main" val="1278218383"/>
+        <p14:creationId xmlns:p14="http://schemas.microsoft.com/office/powerpoint/2010/main" val="632591743"/>
       </p:ext>
     </p:extLst>
   </p:cSld>

--- a/Notes/TFM_presentations/2020_03_09/2020_03_09.pptx
+++ b/Notes/TFM_presentations/2020_03_09/2020_03_09.pptx
@@ -5,22 +5,23 @@
     <p:sldMasterId id="2147483648" r:id="rId1"/>
   </p:sldMasterIdLst>
   <p:notesMasterIdLst>
-    <p:notesMasterId r:id="rId15"/>
+    <p:notesMasterId r:id="rId16"/>
   </p:notesMasterIdLst>
   <p:sldIdLst>
     <p:sldId id="256" r:id="rId2"/>
     <p:sldId id="257" r:id="rId3"/>
-    <p:sldId id="289" r:id="rId4"/>
-    <p:sldId id="290" r:id="rId5"/>
-    <p:sldId id="284" r:id="rId6"/>
-    <p:sldId id="288" r:id="rId7"/>
-    <p:sldId id="282" r:id="rId8"/>
-    <p:sldId id="280" r:id="rId9"/>
-    <p:sldId id="283" r:id="rId10"/>
-    <p:sldId id="285" r:id="rId11"/>
-    <p:sldId id="286" r:id="rId12"/>
-    <p:sldId id="287" r:id="rId13"/>
-    <p:sldId id="281" r:id="rId14"/>
+    <p:sldId id="284" r:id="rId4"/>
+    <p:sldId id="289" r:id="rId5"/>
+    <p:sldId id="290" r:id="rId6"/>
+    <p:sldId id="291" r:id="rId7"/>
+    <p:sldId id="288" r:id="rId8"/>
+    <p:sldId id="282" r:id="rId9"/>
+    <p:sldId id="280" r:id="rId10"/>
+    <p:sldId id="283" r:id="rId11"/>
+    <p:sldId id="285" r:id="rId12"/>
+    <p:sldId id="286" r:id="rId13"/>
+    <p:sldId id="287" r:id="rId14"/>
+    <p:sldId id="281" r:id="rId15"/>
   </p:sldIdLst>
   <p:sldSz cx="12192000" cy="6858000"/>
   <p:notesSz cx="6858000" cy="9144000"/>
@@ -1371,7 +1372,7 @@
           <a:p>
             <a:fld id="{CCADCBAA-299B-4552-9387-24D12127C082}" type="slidenum">
               <a:rPr lang="en-GB" smtClean="0"/>
-              <a:t>7</a:t>
+              <a:t>8</a:t>
             </a:fld>
             <a:endParaRPr lang="en-GB" dirty="0"/>
           </a:p>
@@ -1455,7 +1456,7 @@
           <a:p>
             <a:fld id="{CCADCBAA-299B-4552-9387-24D12127C082}" type="slidenum">
               <a:rPr lang="en-GB" smtClean="0"/>
-              <a:t>8</a:t>
+              <a:t>9</a:t>
             </a:fld>
             <a:endParaRPr lang="en-GB" dirty="0"/>
           </a:p>
@@ -1539,7 +1540,7 @@
           <a:p>
             <a:fld id="{CCADCBAA-299B-4552-9387-24D12127C082}" type="slidenum">
               <a:rPr lang="en-GB" smtClean="0"/>
-              <a:t>9</a:t>
+              <a:t>10</a:t>
             </a:fld>
             <a:endParaRPr lang="en-GB" dirty="0"/>
           </a:p>
@@ -1623,7 +1624,7 @@
           <a:p>
             <a:fld id="{CCADCBAA-299B-4552-9387-24D12127C082}" type="slidenum">
               <a:rPr lang="en-GB" smtClean="0"/>
-              <a:t>10</a:t>
+              <a:t>11</a:t>
             </a:fld>
             <a:endParaRPr lang="en-GB" dirty="0"/>
           </a:p>
@@ -1707,7 +1708,7 @@
           <a:p>
             <a:fld id="{CCADCBAA-299B-4552-9387-24D12127C082}" type="slidenum">
               <a:rPr lang="en-GB" smtClean="0"/>
-              <a:t>11</a:t>
+              <a:t>12</a:t>
             </a:fld>
             <a:endParaRPr lang="en-GB" dirty="0"/>
           </a:p>
@@ -1791,7 +1792,7 @@
           <a:p>
             <a:fld id="{CCADCBAA-299B-4552-9387-24D12127C082}" type="slidenum">
               <a:rPr lang="en-GB" smtClean="0"/>
-              <a:t>12</a:t>
+              <a:t>13</a:t>
             </a:fld>
             <a:endParaRPr lang="en-GB" dirty="0"/>
           </a:p>
@@ -6515,6 +6516,330 @@
         <p:spPr>
           <a:xfrm>
             <a:off x="2720818" y="643550"/>
+            <a:ext cx="6750363" cy="5400291"/>
+          </a:xfrm>
+          <a:prstGeom prst="rect">
+            <a:avLst/>
+          </a:prstGeom>
+        </p:spPr>
+      </p:pic>
+      <p:pic>
+        <p:nvPicPr>
+          <p:cNvPr id="22" name="T=10">
+            <a:extLst>
+              <a:ext uri="{FF2B5EF4-FFF2-40B4-BE49-F238E27FC236}">
+                <a16:creationId xmlns:a16="http://schemas.microsoft.com/office/drawing/2014/main" id="{6E051251-16EC-4822-B203-23CB416FA6E9}"/>
+              </a:ext>
+            </a:extLst>
+          </p:cNvPr>
+          <p:cNvPicPr>
+            <a:picLocks noChangeAspect="1"/>
+          </p:cNvPicPr>
+          <p:nvPr/>
+        </p:nvPicPr>
+        <p:blipFill>
+          <a:blip r:embed="rId4">
+            <a:extLst>
+              <a:ext uri="{28A0092B-C50C-407E-A947-70E740481C1C}">
+                <a14:useLocalDpi xmlns:a14="http://schemas.microsoft.com/office/drawing/2010/main" val="0"/>
+              </a:ext>
+            </a:extLst>
+          </a:blip>
+          <a:srcRect/>
+          <a:stretch/>
+        </p:blipFill>
+        <p:spPr>
+          <a:xfrm>
+            <a:off x="2720818" y="643550"/>
+            <a:ext cx="6750363" cy="5400291"/>
+          </a:xfrm>
+          <a:prstGeom prst="rect">
+            <a:avLst/>
+          </a:prstGeom>
+        </p:spPr>
+      </p:pic>
+      <p:pic>
+        <p:nvPicPr>
+          <p:cNvPr id="7" name="T=15">
+            <a:extLst>
+              <a:ext uri="{FF2B5EF4-FFF2-40B4-BE49-F238E27FC236}">
+                <a16:creationId xmlns:a16="http://schemas.microsoft.com/office/drawing/2014/main" id="{41F7FA43-A3FB-48E1-A1D9-436FB6328C73}"/>
+              </a:ext>
+            </a:extLst>
+          </p:cNvPr>
+          <p:cNvPicPr>
+            <a:picLocks noChangeAspect="1"/>
+          </p:cNvPicPr>
+          <p:nvPr/>
+        </p:nvPicPr>
+        <p:blipFill>
+          <a:blip r:embed="rId5">
+            <a:extLst>
+              <a:ext uri="{28A0092B-C50C-407E-A947-70E740481C1C}">
+                <a14:useLocalDpi xmlns:a14="http://schemas.microsoft.com/office/drawing/2010/main" val="0"/>
+              </a:ext>
+            </a:extLst>
+          </a:blip>
+          <a:srcRect/>
+          <a:stretch/>
+        </p:blipFill>
+        <p:spPr>
+          <a:xfrm>
+            <a:off x="2720819" y="643549"/>
+            <a:ext cx="6750363" cy="5400290"/>
+          </a:xfrm>
+          <a:prstGeom prst="rect">
+            <a:avLst/>
+          </a:prstGeom>
+        </p:spPr>
+      </p:pic>
+      <p:sp>
+        <p:nvSpPr>
+          <p:cNvPr id="2" name="Title 1">
+            <a:extLst>
+              <a:ext uri="{FF2B5EF4-FFF2-40B4-BE49-F238E27FC236}">
+                <a16:creationId xmlns:a16="http://schemas.microsoft.com/office/drawing/2014/main" id="{BE58AE84-15A3-424F-918C-5140AAC3D8FC}"/>
+              </a:ext>
+            </a:extLst>
+          </p:cNvPr>
+          <p:cNvSpPr>
+            <a:spLocks noGrp="1"/>
+          </p:cNvSpPr>
+          <p:nvPr>
+            <p:ph type="title"/>
+          </p:nvPr>
+        </p:nvSpPr>
+        <p:spPr/>
+        <p:txBody>
+          <a:bodyPr/>
+          <a:lstStyle/>
+          <a:p>
+            <a:r>
+              <a:rPr lang="en-150" noProof="0" dirty="0"/>
+              <a:t>O</a:t>
+            </a:r>
+            <a:r>
+              <a:rPr lang="en-GB" noProof="0" dirty="0"/>
+              <a:t>l</a:t>
+            </a:r>
+            <a:r>
+              <a:rPr lang="en-150" noProof="0" dirty="0"/>
+              <a:t>d </a:t>
+            </a:r>
+            <a:r>
+              <a:rPr lang="en-GB" noProof="0" dirty="0"/>
+              <a:t>Results</a:t>
+            </a:r>
+          </a:p>
+        </p:txBody>
+      </p:sp>
+    </p:spTree>
+    <p:extLst>
+      <p:ext uri="{BB962C8B-B14F-4D97-AF65-F5344CB8AC3E}">
+        <p14:creationId xmlns:p14="http://schemas.microsoft.com/office/powerpoint/2010/main" val="632591743"/>
+      </p:ext>
+    </p:extLst>
+  </p:cSld>
+  <p:clrMapOvr>
+    <a:masterClrMapping/>
+  </p:clrMapOvr>
+  <p:timing>
+    <p:tnLst>
+      <p:par>
+        <p:cTn id="1" dur="indefinite" restart="never" nodeType="tmRoot">
+          <p:childTnLst>
+            <p:seq concurrent="1" nextAc="seek">
+              <p:cTn id="2" dur="indefinite" nodeType="mainSeq">
+                <p:childTnLst>
+                  <p:par>
+                    <p:cTn id="3" fill="hold">
+                      <p:stCondLst>
+                        <p:cond delay="indefinite"/>
+                      </p:stCondLst>
+                      <p:childTnLst>
+                        <p:par>
+                          <p:cTn id="4" fill="hold">
+                            <p:stCondLst>
+                              <p:cond delay="0"/>
+                            </p:stCondLst>
+                            <p:childTnLst>
+                              <p:par>
+                                <p:cTn id="5" presetID="1" presetClass="entr" presetSubtype="0" fill="hold" nodeType="clickEffect">
+                                  <p:stCondLst>
+                                    <p:cond delay="0"/>
+                                  </p:stCondLst>
+                                  <p:childTnLst>
+                                    <p:set>
+                                      <p:cBhvr>
+                                        <p:cTn id="6" dur="1" fill="hold">
+                                          <p:stCondLst>
+                                            <p:cond delay="0"/>
+                                          </p:stCondLst>
+                                        </p:cTn>
+                                        <p:tgtEl>
+                                          <p:spTgt spid="22"/>
+                                        </p:tgtEl>
+                                        <p:attrNameLst>
+                                          <p:attrName>style.visibility</p:attrName>
+                                        </p:attrNameLst>
+                                      </p:cBhvr>
+                                      <p:to>
+                                        <p:strVal val="visible"/>
+                                      </p:to>
+                                    </p:set>
+                                  </p:childTnLst>
+                                </p:cTn>
+                              </p:par>
+                            </p:childTnLst>
+                          </p:cTn>
+                        </p:par>
+                      </p:childTnLst>
+                    </p:cTn>
+                  </p:par>
+                  <p:par>
+                    <p:cTn id="7" fill="hold">
+                      <p:stCondLst>
+                        <p:cond delay="indefinite"/>
+                      </p:stCondLst>
+                      <p:childTnLst>
+                        <p:par>
+                          <p:cTn id="8" fill="hold">
+                            <p:stCondLst>
+                              <p:cond delay="0"/>
+                            </p:stCondLst>
+                            <p:childTnLst>
+                              <p:par>
+                                <p:cTn id="9" presetID="1" presetClass="entr" presetSubtype="0" fill="hold" nodeType="clickEffect">
+                                  <p:stCondLst>
+                                    <p:cond delay="0"/>
+                                  </p:stCondLst>
+                                  <p:childTnLst>
+                                    <p:set>
+                                      <p:cBhvr>
+                                        <p:cTn id="10" dur="1" fill="hold">
+                                          <p:stCondLst>
+                                            <p:cond delay="0"/>
+                                          </p:stCondLst>
+                                        </p:cTn>
+                                        <p:tgtEl>
+                                          <p:spTgt spid="7"/>
+                                        </p:tgtEl>
+                                        <p:attrNameLst>
+                                          <p:attrName>style.visibility</p:attrName>
+                                        </p:attrNameLst>
+                                      </p:cBhvr>
+                                      <p:to>
+                                        <p:strVal val="visible"/>
+                                      </p:to>
+                                    </p:set>
+                                  </p:childTnLst>
+                                </p:cTn>
+                              </p:par>
+                            </p:childTnLst>
+                          </p:cTn>
+                        </p:par>
+                      </p:childTnLst>
+                    </p:cTn>
+                  </p:par>
+                </p:childTnLst>
+              </p:cTn>
+              <p:prevCondLst>
+                <p:cond evt="onPrev" delay="0">
+                  <p:tgtEl>
+                    <p:sldTgt/>
+                  </p:tgtEl>
+                </p:cond>
+              </p:prevCondLst>
+              <p:nextCondLst>
+                <p:cond evt="onNext" delay="0">
+                  <p:tgtEl>
+                    <p:sldTgt/>
+                  </p:tgtEl>
+                </p:cond>
+              </p:nextCondLst>
+            </p:seq>
+          </p:childTnLst>
+        </p:cTn>
+      </p:par>
+    </p:tnLst>
+  </p:timing>
+</p:sld>
+</file>
+
+<file path=ppt/slides/slide11.xml><?xml version="1.0" encoding="utf-8"?>
+<p:sld xmlns:a="http://schemas.openxmlformats.org/drawingml/2006/main" xmlns:r="http://schemas.openxmlformats.org/officeDocument/2006/relationships" xmlns:p="http://schemas.openxmlformats.org/presentationml/2006/main">
+  <p:cSld>
+    <p:spTree>
+      <p:nvGrpSpPr>
+        <p:cNvPr id="1" name=""/>
+        <p:cNvGrpSpPr/>
+        <p:nvPr/>
+      </p:nvGrpSpPr>
+      <p:grpSpPr>
+        <a:xfrm>
+          <a:off x="0" y="0"/>
+          <a:ext cx="0" cy="0"/>
+          <a:chOff x="0" y="0"/>
+          <a:chExt cx="0" cy="0"/>
+        </a:xfrm>
+      </p:grpSpPr>
+      <p:sp>
+        <p:nvSpPr>
+          <p:cNvPr id="4" name="Slide Number Placeholder 3">
+            <a:extLst>
+              <a:ext uri="{FF2B5EF4-FFF2-40B4-BE49-F238E27FC236}">
+                <a16:creationId xmlns:a16="http://schemas.microsoft.com/office/drawing/2014/main" id="{E4CAF3CB-DEF0-4E61-A57F-0E095F5BEB96}"/>
+              </a:ext>
+            </a:extLst>
+          </p:cNvPr>
+          <p:cNvSpPr>
+            <a:spLocks noGrp="1"/>
+          </p:cNvSpPr>
+          <p:nvPr>
+            <p:ph type="sldNum" sz="quarter" idx="12"/>
+          </p:nvPr>
+        </p:nvSpPr>
+        <p:spPr/>
+        <p:txBody>
+          <a:bodyPr/>
+          <a:lstStyle/>
+          <a:p>
+            <a:fld id="{6565F0C3-D9E9-4961-A3A4-87F2116D4289}" type="slidenum">
+              <a:rPr lang="en-GB" smtClean="0"/>
+              <a:t>11</a:t>
+            </a:fld>
+            <a:endParaRPr lang="en-GB" dirty="0"/>
+          </a:p>
+        </p:txBody>
+      </p:sp>
+      <p:pic>
+        <p:nvPicPr>
+          <p:cNvPr id="20" name="T=5">
+            <a:extLst>
+              <a:ext uri="{FF2B5EF4-FFF2-40B4-BE49-F238E27FC236}">
+                <a16:creationId xmlns:a16="http://schemas.microsoft.com/office/drawing/2014/main" id="{143C3407-4399-4669-B151-69F408F92191}"/>
+              </a:ext>
+            </a:extLst>
+          </p:cNvPr>
+          <p:cNvPicPr>
+            <a:picLocks noChangeAspect="1"/>
+          </p:cNvPicPr>
+          <p:nvPr/>
+        </p:nvPicPr>
+        <p:blipFill>
+          <a:blip r:embed="rId3">
+            <a:extLst>
+              <a:ext uri="{28A0092B-C50C-407E-A947-70E740481C1C}">
+                <a14:useLocalDpi xmlns:a14="http://schemas.microsoft.com/office/drawing/2010/main" val="0"/>
+              </a:ext>
+            </a:extLst>
+          </a:blip>
+          <a:srcRect/>
+          <a:stretch/>
+        </p:blipFill>
+        <p:spPr>
+          <a:xfrm>
+            <a:off x="2720818" y="643550"/>
             <a:ext cx="6750363" cy="5400290"/>
           </a:xfrm>
           <a:prstGeom prst="rect">
@@ -6798,318 +7123,6 @@
 </p:sld>
 </file>
 
-<file path=ppt/slides/slide11.xml><?xml version="1.0" encoding="utf-8"?>
-<p:sld xmlns:a="http://schemas.openxmlformats.org/drawingml/2006/main" xmlns:r="http://schemas.openxmlformats.org/officeDocument/2006/relationships" xmlns:p="http://schemas.openxmlformats.org/presentationml/2006/main">
-  <p:cSld>
-    <p:spTree>
-      <p:nvGrpSpPr>
-        <p:cNvPr id="1" name=""/>
-        <p:cNvGrpSpPr/>
-        <p:nvPr/>
-      </p:nvGrpSpPr>
-      <p:grpSpPr>
-        <a:xfrm>
-          <a:off x="0" y="0"/>
-          <a:ext cx="0" cy="0"/>
-          <a:chOff x="0" y="0"/>
-          <a:chExt cx="0" cy="0"/>
-        </a:xfrm>
-      </p:grpSpPr>
-      <p:sp>
-        <p:nvSpPr>
-          <p:cNvPr id="4" name="Slide Number Placeholder 3">
-            <a:extLst>
-              <a:ext uri="{FF2B5EF4-FFF2-40B4-BE49-F238E27FC236}">
-                <a16:creationId xmlns:a16="http://schemas.microsoft.com/office/drawing/2014/main" id="{E4CAF3CB-DEF0-4E61-A57F-0E095F5BEB96}"/>
-              </a:ext>
-            </a:extLst>
-          </p:cNvPr>
-          <p:cNvSpPr>
-            <a:spLocks noGrp="1"/>
-          </p:cNvSpPr>
-          <p:nvPr>
-            <p:ph type="sldNum" sz="quarter" idx="12"/>
-          </p:nvPr>
-        </p:nvSpPr>
-        <p:spPr/>
-        <p:txBody>
-          <a:bodyPr/>
-          <a:lstStyle/>
-          <a:p>
-            <a:fld id="{6565F0C3-D9E9-4961-A3A4-87F2116D4289}" type="slidenum">
-              <a:rPr lang="en-GB" smtClean="0"/>
-              <a:t>11</a:t>
-            </a:fld>
-            <a:endParaRPr lang="en-GB" dirty="0"/>
-          </a:p>
-        </p:txBody>
-      </p:sp>
-      <p:pic>
-        <p:nvPicPr>
-          <p:cNvPr id="20" name="T=5">
-            <a:extLst>
-              <a:ext uri="{FF2B5EF4-FFF2-40B4-BE49-F238E27FC236}">
-                <a16:creationId xmlns:a16="http://schemas.microsoft.com/office/drawing/2014/main" id="{143C3407-4399-4669-B151-69F408F92191}"/>
-              </a:ext>
-            </a:extLst>
-          </p:cNvPr>
-          <p:cNvPicPr>
-            <a:picLocks noChangeAspect="1"/>
-          </p:cNvPicPr>
-          <p:nvPr/>
-        </p:nvPicPr>
-        <p:blipFill>
-          <a:blip r:embed="rId3">
-            <a:extLst>
-              <a:ext uri="{28A0092B-C50C-407E-A947-70E740481C1C}">
-                <a14:useLocalDpi xmlns:a14="http://schemas.microsoft.com/office/drawing/2010/main" val="0"/>
-              </a:ext>
-            </a:extLst>
-          </a:blip>
-          <a:srcRect/>
-          <a:stretch/>
-        </p:blipFill>
-        <p:spPr>
-          <a:xfrm>
-            <a:off x="2720818" y="643550"/>
-            <a:ext cx="6750363" cy="5400291"/>
-          </a:xfrm>
-          <a:prstGeom prst="rect">
-            <a:avLst/>
-          </a:prstGeom>
-        </p:spPr>
-      </p:pic>
-      <p:pic>
-        <p:nvPicPr>
-          <p:cNvPr id="22" name="T=10">
-            <a:extLst>
-              <a:ext uri="{FF2B5EF4-FFF2-40B4-BE49-F238E27FC236}">
-                <a16:creationId xmlns:a16="http://schemas.microsoft.com/office/drawing/2014/main" id="{6E051251-16EC-4822-B203-23CB416FA6E9}"/>
-              </a:ext>
-            </a:extLst>
-          </p:cNvPr>
-          <p:cNvPicPr>
-            <a:picLocks noChangeAspect="1"/>
-          </p:cNvPicPr>
-          <p:nvPr/>
-        </p:nvPicPr>
-        <p:blipFill>
-          <a:blip r:embed="rId4">
-            <a:extLst>
-              <a:ext uri="{28A0092B-C50C-407E-A947-70E740481C1C}">
-                <a14:useLocalDpi xmlns:a14="http://schemas.microsoft.com/office/drawing/2010/main" val="0"/>
-              </a:ext>
-            </a:extLst>
-          </a:blip>
-          <a:srcRect/>
-          <a:stretch/>
-        </p:blipFill>
-        <p:spPr>
-          <a:xfrm>
-            <a:off x="2720818" y="643550"/>
-            <a:ext cx="6750363" cy="5400291"/>
-          </a:xfrm>
-          <a:prstGeom prst="rect">
-            <a:avLst/>
-          </a:prstGeom>
-        </p:spPr>
-      </p:pic>
-      <p:pic>
-        <p:nvPicPr>
-          <p:cNvPr id="7" name="T=15">
-            <a:extLst>
-              <a:ext uri="{FF2B5EF4-FFF2-40B4-BE49-F238E27FC236}">
-                <a16:creationId xmlns:a16="http://schemas.microsoft.com/office/drawing/2014/main" id="{41F7FA43-A3FB-48E1-A1D9-436FB6328C73}"/>
-              </a:ext>
-            </a:extLst>
-          </p:cNvPr>
-          <p:cNvPicPr>
-            <a:picLocks noChangeAspect="1"/>
-          </p:cNvPicPr>
-          <p:nvPr/>
-        </p:nvPicPr>
-        <p:blipFill>
-          <a:blip r:embed="rId5">
-            <a:extLst>
-              <a:ext uri="{28A0092B-C50C-407E-A947-70E740481C1C}">
-                <a14:useLocalDpi xmlns:a14="http://schemas.microsoft.com/office/drawing/2010/main" val="0"/>
-              </a:ext>
-            </a:extLst>
-          </a:blip>
-          <a:srcRect/>
-          <a:stretch/>
-        </p:blipFill>
-        <p:spPr>
-          <a:xfrm>
-            <a:off x="2720819" y="643549"/>
-            <a:ext cx="6750363" cy="5400290"/>
-          </a:xfrm>
-          <a:prstGeom prst="rect">
-            <a:avLst/>
-          </a:prstGeom>
-        </p:spPr>
-      </p:pic>
-      <p:sp>
-        <p:nvSpPr>
-          <p:cNvPr id="2" name="Title 1">
-            <a:extLst>
-              <a:ext uri="{FF2B5EF4-FFF2-40B4-BE49-F238E27FC236}">
-                <a16:creationId xmlns:a16="http://schemas.microsoft.com/office/drawing/2014/main" id="{BE58AE84-15A3-424F-918C-5140AAC3D8FC}"/>
-              </a:ext>
-            </a:extLst>
-          </p:cNvPr>
-          <p:cNvSpPr>
-            <a:spLocks noGrp="1"/>
-          </p:cNvSpPr>
-          <p:nvPr>
-            <p:ph type="title"/>
-          </p:nvPr>
-        </p:nvSpPr>
-        <p:spPr/>
-        <p:txBody>
-          <a:bodyPr/>
-          <a:lstStyle/>
-          <a:p>
-            <a:r>
-              <a:rPr lang="en-GB" noProof="0" dirty="0"/>
-              <a:t>Results</a:t>
-            </a:r>
-          </a:p>
-        </p:txBody>
-      </p:sp>
-    </p:spTree>
-    <p:extLst>
-      <p:ext uri="{BB962C8B-B14F-4D97-AF65-F5344CB8AC3E}">
-        <p14:creationId xmlns:p14="http://schemas.microsoft.com/office/powerpoint/2010/main" val="1574872275"/>
-      </p:ext>
-    </p:extLst>
-  </p:cSld>
-  <p:clrMapOvr>
-    <a:masterClrMapping/>
-  </p:clrMapOvr>
-  <p:timing>
-    <p:tnLst>
-      <p:par>
-        <p:cTn id="1" dur="indefinite" restart="never" nodeType="tmRoot">
-          <p:childTnLst>
-            <p:seq concurrent="1" nextAc="seek">
-              <p:cTn id="2" dur="indefinite" nodeType="mainSeq">
-                <p:childTnLst>
-                  <p:par>
-                    <p:cTn id="3" fill="hold">
-                      <p:stCondLst>
-                        <p:cond delay="indefinite"/>
-                      </p:stCondLst>
-                      <p:childTnLst>
-                        <p:par>
-                          <p:cTn id="4" fill="hold">
-                            <p:stCondLst>
-                              <p:cond delay="0"/>
-                            </p:stCondLst>
-                            <p:childTnLst>
-                              <p:par>
-                                <p:cTn id="5" presetID="1" presetClass="entr" presetSubtype="0" fill="hold" nodeType="clickEffect">
-                                  <p:stCondLst>
-                                    <p:cond delay="0"/>
-                                  </p:stCondLst>
-                                  <p:childTnLst>
-                                    <p:set>
-                                      <p:cBhvr>
-                                        <p:cTn id="6" dur="1" fill="hold">
-                                          <p:stCondLst>
-                                            <p:cond delay="0"/>
-                                          </p:stCondLst>
-                                        </p:cTn>
-                                        <p:tgtEl>
-                                          <p:spTgt spid="22"/>
-                                        </p:tgtEl>
-                                        <p:attrNameLst>
-                                          <p:attrName>style.visibility</p:attrName>
-                                        </p:attrNameLst>
-                                      </p:cBhvr>
-                                      <p:to>
-                                        <p:strVal val="visible"/>
-                                      </p:to>
-                                    </p:set>
-                                  </p:childTnLst>
-                                </p:cTn>
-                              </p:par>
-                            </p:childTnLst>
-                          </p:cTn>
-                        </p:par>
-                      </p:childTnLst>
-                    </p:cTn>
-                  </p:par>
-                  <p:par>
-                    <p:cTn id="7" fill="hold">
-                      <p:stCondLst>
-                        <p:cond delay="indefinite"/>
-                      </p:stCondLst>
-                      <p:childTnLst>
-                        <p:par>
-                          <p:cTn id="8" fill="hold">
-                            <p:stCondLst>
-                              <p:cond delay="0"/>
-                            </p:stCondLst>
-                            <p:childTnLst>
-                              <p:par>
-                                <p:cTn id="9" presetID="1" presetClass="entr" presetSubtype="0" fill="hold" nodeType="clickEffect">
-                                  <p:stCondLst>
-                                    <p:cond delay="0"/>
-                                  </p:stCondLst>
-                                  <p:childTnLst>
-                                    <p:set>
-                                      <p:cBhvr>
-                                        <p:cTn id="10" dur="1" fill="hold">
-                                          <p:stCondLst>
-                                            <p:cond delay="0"/>
-                                          </p:stCondLst>
-                                        </p:cTn>
-                                        <p:tgtEl>
-                                          <p:spTgt spid="7"/>
-                                        </p:tgtEl>
-                                        <p:attrNameLst>
-                                          <p:attrName>style.visibility</p:attrName>
-                                        </p:attrNameLst>
-                                      </p:cBhvr>
-                                      <p:to>
-                                        <p:strVal val="visible"/>
-                                      </p:to>
-                                    </p:set>
-                                  </p:childTnLst>
-                                </p:cTn>
-                              </p:par>
-                            </p:childTnLst>
-                          </p:cTn>
-                        </p:par>
-                      </p:childTnLst>
-                    </p:cTn>
-                  </p:par>
-                </p:childTnLst>
-              </p:cTn>
-              <p:prevCondLst>
-                <p:cond evt="onPrev" delay="0">
-                  <p:tgtEl>
-                    <p:sldTgt/>
-                  </p:tgtEl>
-                </p:cond>
-              </p:prevCondLst>
-              <p:nextCondLst>
-                <p:cond evt="onNext" delay="0">
-                  <p:tgtEl>
-                    <p:sldTgt/>
-                  </p:tgtEl>
-                </p:cond>
-              </p:nextCondLst>
-            </p:seq>
-          </p:childTnLst>
-        </p:cTn>
-      </p:par>
-    </p:tnLst>
-  </p:timing>
-</p:sld>
-</file>
-
 <file path=ppt/slides/slide12.xml><?xml version="1.0" encoding="utf-8"?>
 <p:sld xmlns:a="http://schemas.openxmlformats.org/drawingml/2006/main" xmlns:r="http://schemas.openxmlformats.org/officeDocument/2006/relationships" xmlns:p="http://schemas.openxmlformats.org/presentationml/2006/main">
   <p:cSld>
@@ -7184,7 +7197,7 @@
         <p:spPr>
           <a:xfrm>
             <a:off x="2720818" y="643550"/>
-            <a:ext cx="6750363" cy="5400290"/>
+            <a:ext cx="6750363" cy="5400291"/>
           </a:xfrm>
           <a:prstGeom prst="rect">
             <a:avLst/>
@@ -7219,7 +7232,7 @@
         <p:spPr>
           <a:xfrm>
             <a:off x="2720818" y="643550"/>
-            <a:ext cx="6750363" cy="5400290"/>
+            <a:ext cx="6750363" cy="5400291"/>
           </a:xfrm>
           <a:prstGeom prst="rect">
             <a:avLst/>
@@ -7254,7 +7267,7 @@
         <p:spPr>
           <a:xfrm>
             <a:off x="2720819" y="643549"/>
-            <a:ext cx="6750362" cy="5400290"/>
+            <a:ext cx="6750363" cy="5400290"/>
           </a:xfrm>
           <a:prstGeom prst="rect">
             <a:avLst/>
@@ -7292,7 +7305,7 @@
     </p:spTree>
     <p:extLst>
       <p:ext uri="{BB962C8B-B14F-4D97-AF65-F5344CB8AC3E}">
-        <p14:creationId xmlns:p14="http://schemas.microsoft.com/office/powerpoint/2010/main" val="1278218383"/>
+        <p14:creationId xmlns:p14="http://schemas.microsoft.com/office/powerpoint/2010/main" val="1574872275"/>
       </p:ext>
     </p:extLst>
   </p:cSld>
@@ -7441,10 +7454,144 @@
       </p:grpSpPr>
       <p:sp>
         <p:nvSpPr>
+          <p:cNvPr id="4" name="Slide Number Placeholder 3">
+            <a:extLst>
+              <a:ext uri="{FF2B5EF4-FFF2-40B4-BE49-F238E27FC236}">
+                <a16:creationId xmlns:a16="http://schemas.microsoft.com/office/drawing/2014/main" id="{E4CAF3CB-DEF0-4E61-A57F-0E095F5BEB96}"/>
+              </a:ext>
+            </a:extLst>
+          </p:cNvPr>
+          <p:cNvSpPr>
+            <a:spLocks noGrp="1"/>
+          </p:cNvSpPr>
+          <p:nvPr>
+            <p:ph type="sldNum" sz="quarter" idx="12"/>
+          </p:nvPr>
+        </p:nvSpPr>
+        <p:spPr/>
+        <p:txBody>
+          <a:bodyPr/>
+          <a:lstStyle/>
+          <a:p>
+            <a:fld id="{6565F0C3-D9E9-4961-A3A4-87F2116D4289}" type="slidenum">
+              <a:rPr lang="en-GB" smtClean="0"/>
+              <a:t>13</a:t>
+            </a:fld>
+            <a:endParaRPr lang="en-GB" dirty="0"/>
+          </a:p>
+        </p:txBody>
+      </p:sp>
+      <p:pic>
+        <p:nvPicPr>
+          <p:cNvPr id="20" name="T=5">
+            <a:extLst>
+              <a:ext uri="{FF2B5EF4-FFF2-40B4-BE49-F238E27FC236}">
+                <a16:creationId xmlns:a16="http://schemas.microsoft.com/office/drawing/2014/main" id="{143C3407-4399-4669-B151-69F408F92191}"/>
+              </a:ext>
+            </a:extLst>
+          </p:cNvPr>
+          <p:cNvPicPr>
+            <a:picLocks noChangeAspect="1"/>
+          </p:cNvPicPr>
+          <p:nvPr/>
+        </p:nvPicPr>
+        <p:blipFill>
+          <a:blip r:embed="rId3">
+            <a:extLst>
+              <a:ext uri="{28A0092B-C50C-407E-A947-70E740481C1C}">
+                <a14:useLocalDpi xmlns:a14="http://schemas.microsoft.com/office/drawing/2010/main" val="0"/>
+              </a:ext>
+            </a:extLst>
+          </a:blip>
+          <a:srcRect/>
+          <a:stretch/>
+        </p:blipFill>
+        <p:spPr>
+          <a:xfrm>
+            <a:off x="2720818" y="643550"/>
+            <a:ext cx="6750363" cy="5400290"/>
+          </a:xfrm>
+          <a:prstGeom prst="rect">
+            <a:avLst/>
+          </a:prstGeom>
+        </p:spPr>
+      </p:pic>
+      <p:pic>
+        <p:nvPicPr>
+          <p:cNvPr id="22" name="T=10">
+            <a:extLst>
+              <a:ext uri="{FF2B5EF4-FFF2-40B4-BE49-F238E27FC236}">
+                <a16:creationId xmlns:a16="http://schemas.microsoft.com/office/drawing/2014/main" id="{6E051251-16EC-4822-B203-23CB416FA6E9}"/>
+              </a:ext>
+            </a:extLst>
+          </p:cNvPr>
+          <p:cNvPicPr>
+            <a:picLocks noChangeAspect="1"/>
+          </p:cNvPicPr>
+          <p:nvPr/>
+        </p:nvPicPr>
+        <p:blipFill>
+          <a:blip r:embed="rId4">
+            <a:extLst>
+              <a:ext uri="{28A0092B-C50C-407E-A947-70E740481C1C}">
+                <a14:useLocalDpi xmlns:a14="http://schemas.microsoft.com/office/drawing/2010/main" val="0"/>
+              </a:ext>
+            </a:extLst>
+          </a:blip>
+          <a:srcRect/>
+          <a:stretch/>
+        </p:blipFill>
+        <p:spPr>
+          <a:xfrm>
+            <a:off x="2720818" y="643550"/>
+            <a:ext cx="6750363" cy="5400290"/>
+          </a:xfrm>
+          <a:prstGeom prst="rect">
+            <a:avLst/>
+          </a:prstGeom>
+        </p:spPr>
+      </p:pic>
+      <p:pic>
+        <p:nvPicPr>
+          <p:cNvPr id="7" name="T=15">
+            <a:extLst>
+              <a:ext uri="{FF2B5EF4-FFF2-40B4-BE49-F238E27FC236}">
+                <a16:creationId xmlns:a16="http://schemas.microsoft.com/office/drawing/2014/main" id="{41F7FA43-A3FB-48E1-A1D9-436FB6328C73}"/>
+              </a:ext>
+            </a:extLst>
+          </p:cNvPr>
+          <p:cNvPicPr>
+            <a:picLocks noChangeAspect="1"/>
+          </p:cNvPicPr>
+          <p:nvPr/>
+        </p:nvPicPr>
+        <p:blipFill>
+          <a:blip r:embed="rId5">
+            <a:extLst>
+              <a:ext uri="{28A0092B-C50C-407E-A947-70E740481C1C}">
+                <a14:useLocalDpi xmlns:a14="http://schemas.microsoft.com/office/drawing/2010/main" val="0"/>
+              </a:ext>
+            </a:extLst>
+          </a:blip>
+          <a:srcRect/>
+          <a:stretch/>
+        </p:blipFill>
+        <p:spPr>
+          <a:xfrm>
+            <a:off x="2720819" y="643549"/>
+            <a:ext cx="6750362" cy="5400290"/>
+          </a:xfrm>
+          <a:prstGeom prst="rect">
+            <a:avLst/>
+          </a:prstGeom>
+        </p:spPr>
+      </p:pic>
+      <p:sp>
+        <p:nvSpPr>
           <p:cNvPr id="2" name="Title 1">
             <a:extLst>
               <a:ext uri="{FF2B5EF4-FFF2-40B4-BE49-F238E27FC236}">
-                <a16:creationId xmlns:a16="http://schemas.microsoft.com/office/drawing/2014/main" id="{4D710711-00ED-4619-804C-698D6CD50837}"/>
+                <a16:creationId xmlns:a16="http://schemas.microsoft.com/office/drawing/2014/main" id="{BE58AE84-15A3-424F-918C-5140AAC3D8FC}"/>
               </a:ext>
             </a:extLst>
           </p:cNvPr>
@@ -7461,6 +7608,184 @@
           <a:lstStyle/>
           <a:p>
             <a:r>
+              <a:rPr lang="en-GB" noProof="0" dirty="0"/>
+              <a:t>Results</a:t>
+            </a:r>
+          </a:p>
+        </p:txBody>
+      </p:sp>
+    </p:spTree>
+    <p:extLst>
+      <p:ext uri="{BB962C8B-B14F-4D97-AF65-F5344CB8AC3E}">
+        <p14:creationId xmlns:p14="http://schemas.microsoft.com/office/powerpoint/2010/main" val="1278218383"/>
+      </p:ext>
+    </p:extLst>
+  </p:cSld>
+  <p:clrMapOvr>
+    <a:masterClrMapping/>
+  </p:clrMapOvr>
+  <p:timing>
+    <p:tnLst>
+      <p:par>
+        <p:cTn id="1" dur="indefinite" restart="never" nodeType="tmRoot">
+          <p:childTnLst>
+            <p:seq concurrent="1" nextAc="seek">
+              <p:cTn id="2" dur="indefinite" nodeType="mainSeq">
+                <p:childTnLst>
+                  <p:par>
+                    <p:cTn id="3" fill="hold">
+                      <p:stCondLst>
+                        <p:cond delay="indefinite"/>
+                      </p:stCondLst>
+                      <p:childTnLst>
+                        <p:par>
+                          <p:cTn id="4" fill="hold">
+                            <p:stCondLst>
+                              <p:cond delay="0"/>
+                            </p:stCondLst>
+                            <p:childTnLst>
+                              <p:par>
+                                <p:cTn id="5" presetID="1" presetClass="entr" presetSubtype="0" fill="hold" nodeType="clickEffect">
+                                  <p:stCondLst>
+                                    <p:cond delay="0"/>
+                                  </p:stCondLst>
+                                  <p:childTnLst>
+                                    <p:set>
+                                      <p:cBhvr>
+                                        <p:cTn id="6" dur="1" fill="hold">
+                                          <p:stCondLst>
+                                            <p:cond delay="0"/>
+                                          </p:stCondLst>
+                                        </p:cTn>
+                                        <p:tgtEl>
+                                          <p:spTgt spid="22"/>
+                                        </p:tgtEl>
+                                        <p:attrNameLst>
+                                          <p:attrName>style.visibility</p:attrName>
+                                        </p:attrNameLst>
+                                      </p:cBhvr>
+                                      <p:to>
+                                        <p:strVal val="visible"/>
+                                      </p:to>
+                                    </p:set>
+                                  </p:childTnLst>
+                                </p:cTn>
+                              </p:par>
+                            </p:childTnLst>
+                          </p:cTn>
+                        </p:par>
+                      </p:childTnLst>
+                    </p:cTn>
+                  </p:par>
+                  <p:par>
+                    <p:cTn id="7" fill="hold">
+                      <p:stCondLst>
+                        <p:cond delay="indefinite"/>
+                      </p:stCondLst>
+                      <p:childTnLst>
+                        <p:par>
+                          <p:cTn id="8" fill="hold">
+                            <p:stCondLst>
+                              <p:cond delay="0"/>
+                            </p:stCondLst>
+                            <p:childTnLst>
+                              <p:par>
+                                <p:cTn id="9" presetID="1" presetClass="entr" presetSubtype="0" fill="hold" nodeType="clickEffect">
+                                  <p:stCondLst>
+                                    <p:cond delay="0"/>
+                                  </p:stCondLst>
+                                  <p:childTnLst>
+                                    <p:set>
+                                      <p:cBhvr>
+                                        <p:cTn id="10" dur="1" fill="hold">
+                                          <p:stCondLst>
+                                            <p:cond delay="0"/>
+                                          </p:stCondLst>
+                                        </p:cTn>
+                                        <p:tgtEl>
+                                          <p:spTgt spid="7"/>
+                                        </p:tgtEl>
+                                        <p:attrNameLst>
+                                          <p:attrName>style.visibility</p:attrName>
+                                        </p:attrNameLst>
+                                      </p:cBhvr>
+                                      <p:to>
+                                        <p:strVal val="visible"/>
+                                      </p:to>
+                                    </p:set>
+                                  </p:childTnLst>
+                                </p:cTn>
+                              </p:par>
+                            </p:childTnLst>
+                          </p:cTn>
+                        </p:par>
+                      </p:childTnLst>
+                    </p:cTn>
+                  </p:par>
+                </p:childTnLst>
+              </p:cTn>
+              <p:prevCondLst>
+                <p:cond evt="onPrev" delay="0">
+                  <p:tgtEl>
+                    <p:sldTgt/>
+                  </p:tgtEl>
+                </p:cond>
+              </p:prevCondLst>
+              <p:nextCondLst>
+                <p:cond evt="onNext" delay="0">
+                  <p:tgtEl>
+                    <p:sldTgt/>
+                  </p:tgtEl>
+                </p:cond>
+              </p:nextCondLst>
+            </p:seq>
+          </p:childTnLst>
+        </p:cTn>
+      </p:par>
+    </p:tnLst>
+  </p:timing>
+</p:sld>
+</file>
+
+<file path=ppt/slides/slide14.xml><?xml version="1.0" encoding="utf-8"?>
+<p:sld xmlns:a="http://schemas.openxmlformats.org/drawingml/2006/main" xmlns:r="http://schemas.openxmlformats.org/officeDocument/2006/relationships" xmlns:p="http://schemas.openxmlformats.org/presentationml/2006/main">
+  <p:cSld>
+    <p:spTree>
+      <p:nvGrpSpPr>
+        <p:cNvPr id="1" name=""/>
+        <p:cNvGrpSpPr/>
+        <p:nvPr/>
+      </p:nvGrpSpPr>
+      <p:grpSpPr>
+        <a:xfrm>
+          <a:off x="0" y="0"/>
+          <a:ext cx="0" cy="0"/>
+          <a:chOff x="0" y="0"/>
+          <a:chExt cx="0" cy="0"/>
+        </a:xfrm>
+      </p:grpSpPr>
+      <p:sp>
+        <p:nvSpPr>
+          <p:cNvPr id="2" name="Title 1">
+            <a:extLst>
+              <a:ext uri="{FF2B5EF4-FFF2-40B4-BE49-F238E27FC236}">
+                <a16:creationId xmlns:a16="http://schemas.microsoft.com/office/drawing/2014/main" id="{4D710711-00ED-4619-804C-698D6CD50837}"/>
+              </a:ext>
+            </a:extLst>
+          </p:cNvPr>
+          <p:cNvSpPr>
+            <a:spLocks noGrp="1"/>
+          </p:cNvSpPr>
+          <p:nvPr>
+            <p:ph type="title"/>
+          </p:nvPr>
+        </p:nvSpPr>
+        <p:spPr/>
+        <p:txBody>
+          <a:bodyPr/>
+          <a:lstStyle/>
+          <a:p>
+            <a:r>
               <a:rPr lang="en-150" dirty="0"/>
               <a:t>W</a:t>
             </a:r>
@@ -7793,7 +8118,7 @@
           <a:p>
             <a:fld id="{6565F0C3-D9E9-4961-A3A4-87F2116D4289}" type="slidenum">
               <a:rPr lang="en-GB" smtClean="0"/>
-              <a:t>13</a:t>
+              <a:t>14</a:t>
             </a:fld>
             <a:endParaRPr lang="en-GB" dirty="0"/>
           </a:p>
@@ -8451,6 +8776,218 @@
 </file>
 
 <file path=ppt/slides/slide3.xml><?xml version="1.0" encoding="utf-8"?>
+<p:sld xmlns:a="http://schemas.openxmlformats.org/drawingml/2006/main" xmlns:r="http://schemas.openxmlformats.org/officeDocument/2006/relationships" xmlns:p="http://schemas.openxmlformats.org/presentationml/2006/main">
+  <p:cSld>
+    <p:spTree>
+      <p:nvGrpSpPr>
+        <p:cNvPr id="1" name=""/>
+        <p:cNvGrpSpPr/>
+        <p:nvPr/>
+      </p:nvGrpSpPr>
+      <p:grpSpPr>
+        <a:xfrm>
+          <a:off x="0" y="0"/>
+          <a:ext cx="0" cy="0"/>
+          <a:chOff x="0" y="0"/>
+          <a:chExt cx="0" cy="0"/>
+        </a:xfrm>
+      </p:grpSpPr>
+      <p:sp>
+        <p:nvSpPr>
+          <p:cNvPr id="2" name="Title 1">
+            <a:extLst>
+              <a:ext uri="{FF2B5EF4-FFF2-40B4-BE49-F238E27FC236}">
+                <a16:creationId xmlns:a16="http://schemas.microsoft.com/office/drawing/2014/main" id="{E4F7AE00-7CD3-48A4-BFE5-A5734B3E7388}"/>
+              </a:ext>
+            </a:extLst>
+          </p:cNvPr>
+          <p:cNvSpPr>
+            <a:spLocks noGrp="1"/>
+          </p:cNvSpPr>
+          <p:nvPr>
+            <p:ph type="title"/>
+          </p:nvPr>
+        </p:nvSpPr>
+        <p:spPr>
+          <a:xfrm>
+            <a:off x="838200" y="365126"/>
+            <a:ext cx="10515600" cy="1014788"/>
+          </a:xfrm>
+          <a:prstGeom prst="rect">
+            <a:avLst/>
+          </a:prstGeom>
+        </p:spPr>
+        <p:txBody>
+          <a:bodyPr anchor="ctr">
+            <a:normAutofit/>
+          </a:bodyPr>
+          <a:lstStyle/>
+          <a:p>
+            <a:r>
+              <a:rPr lang="en-150" dirty="0"/>
+              <a:t>A</a:t>
+            </a:r>
+            <a:r>
+              <a:rPr lang="en-GB" dirty="0"/>
+              <a:t>l</a:t>
+            </a:r>
+            <a:r>
+              <a:rPr lang="en-150" dirty="0"/>
+              <a:t>g</a:t>
+            </a:r>
+            <a:r>
+              <a:rPr lang="en-GB" dirty="0"/>
+              <a:t>o</a:t>
+            </a:r>
+            <a:r>
+              <a:rPr lang="en-150" dirty="0"/>
+              <a:t>r</a:t>
+            </a:r>
+            <a:r>
+              <a:rPr lang="en-GB" dirty="0"/>
+              <a:t>i</a:t>
+            </a:r>
+            <a:r>
+              <a:rPr lang="en-150" dirty="0"/>
+              <a:t>t</a:t>
+            </a:r>
+            <a:r>
+              <a:rPr lang="en-GB" dirty="0"/>
+              <a:t>h</a:t>
+            </a:r>
+            <a:r>
+              <a:rPr lang="en-150" dirty="0"/>
+              <a:t>m </a:t>
+            </a:r>
+            <a:r>
+              <a:rPr lang="en-GB" dirty="0"/>
+              <a:t>c</a:t>
+            </a:r>
+            <a:r>
+              <a:rPr lang="en-150" dirty="0"/>
+              <a:t>h</a:t>
+            </a:r>
+            <a:r>
+              <a:rPr lang="en-GB" dirty="0"/>
+              <a:t>a</a:t>
+            </a:r>
+            <a:r>
+              <a:rPr lang="en-150" dirty="0"/>
+              <a:t>n</a:t>
+            </a:r>
+            <a:r>
+              <a:rPr lang="en-GB" dirty="0"/>
+              <a:t>g</a:t>
+            </a:r>
+            <a:r>
+              <a:rPr lang="en-150" dirty="0"/>
+              <a:t>e</a:t>
+            </a:r>
+            <a:endParaRPr lang="en-GB" dirty="0"/>
+          </a:p>
+        </p:txBody>
+      </p:sp>
+      <p:pic>
+        <p:nvPicPr>
+          <p:cNvPr id="6" name="Content Placeholder 5">
+            <a:extLst>
+              <a:ext uri="{FF2B5EF4-FFF2-40B4-BE49-F238E27FC236}">
+                <a16:creationId xmlns:a16="http://schemas.microsoft.com/office/drawing/2014/main" id="{FA2A48C8-2DCF-4448-875D-8B6D118F1592}"/>
+              </a:ext>
+            </a:extLst>
+          </p:cNvPr>
+          <p:cNvPicPr>
+            <a:picLocks noGrp="1" noChangeAspect="1"/>
+          </p:cNvPicPr>
+          <p:nvPr>
+            <p:ph idx="1"/>
+          </p:nvPr>
+        </p:nvPicPr>
+        <p:blipFill>
+          <a:blip r:embed="rId2">
+            <a:extLst>
+              <a:ext uri="{28A0092B-C50C-407E-A947-70E740481C1C}">
+                <a14:useLocalDpi xmlns:a14="http://schemas.microsoft.com/office/drawing/2010/main" val="0"/>
+              </a:ext>
+            </a:extLst>
+          </a:blip>
+          <a:srcRect/>
+          <a:stretch/>
+        </p:blipFill>
+        <p:spPr>
+          <a:xfrm>
+            <a:off x="2346072" y="1707531"/>
+            <a:ext cx="7499855" cy="4258189"/>
+          </a:xfrm>
+          <a:prstGeom prst="rect">
+            <a:avLst/>
+          </a:prstGeom>
+          <a:noFill/>
+        </p:spPr>
+      </p:pic>
+      <p:sp>
+        <p:nvSpPr>
+          <p:cNvPr id="4" name="Slide Number Placeholder 3">
+            <a:extLst>
+              <a:ext uri="{FF2B5EF4-FFF2-40B4-BE49-F238E27FC236}">
+                <a16:creationId xmlns:a16="http://schemas.microsoft.com/office/drawing/2014/main" id="{0EF63B9C-78E1-4396-B287-257C3F025F0D}"/>
+              </a:ext>
+            </a:extLst>
+          </p:cNvPr>
+          <p:cNvSpPr>
+            <a:spLocks noGrp="1"/>
+          </p:cNvSpPr>
+          <p:nvPr>
+            <p:ph type="sldNum" sz="quarter" idx="12"/>
+          </p:nvPr>
+        </p:nvSpPr>
+        <p:spPr>
+          <a:xfrm>
+            <a:off x="8610600" y="6356350"/>
+            <a:ext cx="2320636" cy="365125"/>
+          </a:xfrm>
+          <a:prstGeom prst="rect">
+            <a:avLst/>
+          </a:prstGeom>
+        </p:spPr>
+        <p:txBody>
+          <a:bodyPr anchor="ctr">
+            <a:normAutofit/>
+          </a:bodyPr>
+          <a:lstStyle/>
+          <a:p>
+            <a:pPr>
+              <a:spcAft>
+                <a:spcPts val="600"/>
+              </a:spcAft>
+            </a:pPr>
+            <a:fld id="{6565F0C3-D9E9-4961-A3A4-87F2116D4289}" type="slidenum">
+              <a:rPr lang="en-GB" smtClean="0"/>
+              <a:pPr>
+                <a:spcAft>
+                  <a:spcPts val="600"/>
+                </a:spcAft>
+              </a:pPr>
+              <a:t>3</a:t>
+            </a:fld>
+            <a:endParaRPr lang="en-GB"/>
+          </a:p>
+        </p:txBody>
+      </p:sp>
+    </p:spTree>
+    <p:extLst>
+      <p:ext uri="{BB962C8B-B14F-4D97-AF65-F5344CB8AC3E}">
+        <p14:creationId xmlns:p14="http://schemas.microsoft.com/office/powerpoint/2010/main" val="125958833"/>
+      </p:ext>
+    </p:extLst>
+  </p:cSld>
+  <p:clrMapOvr>
+    <a:masterClrMapping/>
+  </p:clrMapOvr>
+</p:sld>
+</file>
+
+<file path=ppt/slides/slide4.xml><?xml version="1.0" encoding="utf-8"?>
 <p:sld xmlns:a="http://schemas.openxmlformats.org/drawingml/2006/main" xmlns:r="http://schemas.openxmlformats.org/officeDocument/2006/relationships" xmlns:p="http://schemas.openxmlformats.org/presentationml/2006/main">
   <p:cSld>
     <p:spTree>
@@ -9805,7 +10342,7 @@
                   <a:spcPts val="600"/>
                 </a:spcAft>
               </a:pPr>
-              <a:t>3</a:t>
+              <a:t>4</a:t>
             </a:fld>
             <a:endParaRPr lang="en-GB"/>
           </a:p>
@@ -9824,7 +10361,7 @@
 </p:sld>
 </file>
 
-<file path=ppt/slides/slide4.xml><?xml version="1.0" encoding="utf-8"?>
+<file path=ppt/slides/slide5.xml><?xml version="1.0" encoding="utf-8"?>
 <p:sld xmlns:a="http://schemas.openxmlformats.org/drawingml/2006/main" xmlns:r="http://schemas.openxmlformats.org/officeDocument/2006/relationships" xmlns:p="http://schemas.openxmlformats.org/presentationml/2006/main">
   <p:cSld>
     <p:spTree>
@@ -11168,7 +11705,7 @@
                   <a:spcPts val="600"/>
                 </a:spcAft>
               </a:pPr>
-              <a:t>4</a:t>
+              <a:t>5</a:t>
             </a:fld>
             <a:endParaRPr lang="en-GB"/>
           </a:p>
@@ -11178,218 +11715,6 @@
     <p:extLst>
       <p:ext uri="{BB962C8B-B14F-4D97-AF65-F5344CB8AC3E}">
         <p14:creationId xmlns:p14="http://schemas.microsoft.com/office/powerpoint/2010/main" val="738119818"/>
-      </p:ext>
-    </p:extLst>
-  </p:cSld>
-  <p:clrMapOvr>
-    <a:masterClrMapping/>
-  </p:clrMapOvr>
-</p:sld>
-</file>
-
-<file path=ppt/slides/slide5.xml><?xml version="1.0" encoding="utf-8"?>
-<p:sld xmlns:a="http://schemas.openxmlformats.org/drawingml/2006/main" xmlns:r="http://schemas.openxmlformats.org/officeDocument/2006/relationships" xmlns:p="http://schemas.openxmlformats.org/presentationml/2006/main">
-  <p:cSld>
-    <p:spTree>
-      <p:nvGrpSpPr>
-        <p:cNvPr id="1" name=""/>
-        <p:cNvGrpSpPr/>
-        <p:nvPr/>
-      </p:nvGrpSpPr>
-      <p:grpSpPr>
-        <a:xfrm>
-          <a:off x="0" y="0"/>
-          <a:ext cx="0" cy="0"/>
-          <a:chOff x="0" y="0"/>
-          <a:chExt cx="0" cy="0"/>
-        </a:xfrm>
-      </p:grpSpPr>
-      <p:sp>
-        <p:nvSpPr>
-          <p:cNvPr id="2" name="Title 1">
-            <a:extLst>
-              <a:ext uri="{FF2B5EF4-FFF2-40B4-BE49-F238E27FC236}">
-                <a16:creationId xmlns:a16="http://schemas.microsoft.com/office/drawing/2014/main" id="{E4F7AE00-7CD3-48A4-BFE5-A5734B3E7388}"/>
-              </a:ext>
-            </a:extLst>
-          </p:cNvPr>
-          <p:cNvSpPr>
-            <a:spLocks noGrp="1"/>
-          </p:cNvSpPr>
-          <p:nvPr>
-            <p:ph type="title"/>
-          </p:nvPr>
-        </p:nvSpPr>
-        <p:spPr>
-          <a:xfrm>
-            <a:off x="838200" y="365126"/>
-            <a:ext cx="10515600" cy="1014788"/>
-          </a:xfrm>
-          <a:prstGeom prst="rect">
-            <a:avLst/>
-          </a:prstGeom>
-        </p:spPr>
-        <p:txBody>
-          <a:bodyPr anchor="ctr">
-            <a:normAutofit/>
-          </a:bodyPr>
-          <a:lstStyle/>
-          <a:p>
-            <a:r>
-              <a:rPr lang="en-150" dirty="0"/>
-              <a:t>A</a:t>
-            </a:r>
-            <a:r>
-              <a:rPr lang="en-GB" dirty="0"/>
-              <a:t>l</a:t>
-            </a:r>
-            <a:r>
-              <a:rPr lang="en-150" dirty="0"/>
-              <a:t>g</a:t>
-            </a:r>
-            <a:r>
-              <a:rPr lang="en-GB" dirty="0"/>
-              <a:t>o</a:t>
-            </a:r>
-            <a:r>
-              <a:rPr lang="en-150" dirty="0"/>
-              <a:t>r</a:t>
-            </a:r>
-            <a:r>
-              <a:rPr lang="en-GB" dirty="0"/>
-              <a:t>i</a:t>
-            </a:r>
-            <a:r>
-              <a:rPr lang="en-150" dirty="0"/>
-              <a:t>t</a:t>
-            </a:r>
-            <a:r>
-              <a:rPr lang="en-GB" dirty="0"/>
-              <a:t>h</a:t>
-            </a:r>
-            <a:r>
-              <a:rPr lang="en-150" dirty="0"/>
-              <a:t>m </a:t>
-            </a:r>
-            <a:r>
-              <a:rPr lang="en-GB" dirty="0"/>
-              <a:t>c</a:t>
-            </a:r>
-            <a:r>
-              <a:rPr lang="en-150" dirty="0"/>
-              <a:t>h</a:t>
-            </a:r>
-            <a:r>
-              <a:rPr lang="en-GB" dirty="0"/>
-              <a:t>a</a:t>
-            </a:r>
-            <a:r>
-              <a:rPr lang="en-150" dirty="0"/>
-              <a:t>n</a:t>
-            </a:r>
-            <a:r>
-              <a:rPr lang="en-GB" dirty="0"/>
-              <a:t>g</a:t>
-            </a:r>
-            <a:r>
-              <a:rPr lang="en-150" dirty="0"/>
-              <a:t>e</a:t>
-            </a:r>
-            <a:endParaRPr lang="en-GB" dirty="0"/>
-          </a:p>
-        </p:txBody>
-      </p:sp>
-      <p:pic>
-        <p:nvPicPr>
-          <p:cNvPr id="6" name="Content Placeholder 5">
-            <a:extLst>
-              <a:ext uri="{FF2B5EF4-FFF2-40B4-BE49-F238E27FC236}">
-                <a16:creationId xmlns:a16="http://schemas.microsoft.com/office/drawing/2014/main" id="{FA2A48C8-2DCF-4448-875D-8B6D118F1592}"/>
-              </a:ext>
-            </a:extLst>
-          </p:cNvPr>
-          <p:cNvPicPr>
-            <a:picLocks noGrp="1" noChangeAspect="1"/>
-          </p:cNvPicPr>
-          <p:nvPr>
-            <p:ph idx="1"/>
-          </p:nvPr>
-        </p:nvPicPr>
-        <p:blipFill>
-          <a:blip r:embed="rId2">
-            <a:extLst>
-              <a:ext uri="{28A0092B-C50C-407E-A947-70E740481C1C}">
-                <a14:useLocalDpi xmlns:a14="http://schemas.microsoft.com/office/drawing/2010/main" val="0"/>
-              </a:ext>
-            </a:extLst>
-          </a:blip>
-          <a:srcRect/>
-          <a:stretch/>
-        </p:blipFill>
-        <p:spPr>
-          <a:xfrm>
-            <a:off x="2346072" y="1707531"/>
-            <a:ext cx="7499855" cy="4258189"/>
-          </a:xfrm>
-          <a:prstGeom prst="rect">
-            <a:avLst/>
-          </a:prstGeom>
-          <a:noFill/>
-        </p:spPr>
-      </p:pic>
-      <p:sp>
-        <p:nvSpPr>
-          <p:cNvPr id="4" name="Slide Number Placeholder 3">
-            <a:extLst>
-              <a:ext uri="{FF2B5EF4-FFF2-40B4-BE49-F238E27FC236}">
-                <a16:creationId xmlns:a16="http://schemas.microsoft.com/office/drawing/2014/main" id="{0EF63B9C-78E1-4396-B287-257C3F025F0D}"/>
-              </a:ext>
-            </a:extLst>
-          </p:cNvPr>
-          <p:cNvSpPr>
-            <a:spLocks noGrp="1"/>
-          </p:cNvSpPr>
-          <p:nvPr>
-            <p:ph type="sldNum" sz="quarter" idx="12"/>
-          </p:nvPr>
-        </p:nvSpPr>
-        <p:spPr>
-          <a:xfrm>
-            <a:off x="8610600" y="6356350"/>
-            <a:ext cx="2320636" cy="365125"/>
-          </a:xfrm>
-          <a:prstGeom prst="rect">
-            <a:avLst/>
-          </a:prstGeom>
-        </p:spPr>
-        <p:txBody>
-          <a:bodyPr anchor="ctr">
-            <a:normAutofit/>
-          </a:bodyPr>
-          <a:lstStyle/>
-          <a:p>
-            <a:pPr>
-              <a:spcAft>
-                <a:spcPts val="600"/>
-              </a:spcAft>
-            </a:pPr>
-            <a:fld id="{6565F0C3-D9E9-4961-A3A4-87F2116D4289}" type="slidenum">
-              <a:rPr lang="en-GB" smtClean="0"/>
-              <a:pPr>
-                <a:spcAft>
-                  <a:spcPts val="600"/>
-                </a:spcAft>
-              </a:pPr>
-              <a:t>5</a:t>
-            </a:fld>
-            <a:endParaRPr lang="en-GB"/>
-          </a:p>
-        </p:txBody>
-      </p:sp>
-    </p:spTree>
-    <p:extLst>
-      <p:ext uri="{BB962C8B-B14F-4D97-AF65-F5344CB8AC3E}">
-        <p14:creationId xmlns:p14="http://schemas.microsoft.com/office/powerpoint/2010/main" val="125958833"/>
       </p:ext>
     </p:extLst>
   </p:cSld>
@@ -11540,8 +11865,8 @@
         </p:blipFill>
         <p:spPr>
           <a:xfrm>
-            <a:off x="2405820" y="1707531"/>
-            <a:ext cx="7380359" cy="4258189"/>
+            <a:off x="2346072" y="1707531"/>
+            <a:ext cx="7499855" cy="4258189"/>
           </a:xfrm>
           <a:prstGeom prst="rect">
             <a:avLst/>
@@ -11601,7 +11926,7 @@
     </p:spTree>
     <p:extLst>
       <p:ext uri="{BB962C8B-B14F-4D97-AF65-F5344CB8AC3E}">
-        <p14:creationId xmlns:p14="http://schemas.microsoft.com/office/powerpoint/2010/main" val="4152250072"/>
+        <p14:creationId xmlns:p14="http://schemas.microsoft.com/office/powerpoint/2010/main" val="2684685681"/>
       </p:ext>
     </p:extLst>
   </p:cSld>
@@ -11630,6 +11955,218 @@
       </p:grpSpPr>
       <p:sp>
         <p:nvSpPr>
+          <p:cNvPr id="2" name="Title 1">
+            <a:extLst>
+              <a:ext uri="{FF2B5EF4-FFF2-40B4-BE49-F238E27FC236}">
+                <a16:creationId xmlns:a16="http://schemas.microsoft.com/office/drawing/2014/main" id="{E4F7AE00-7CD3-48A4-BFE5-A5734B3E7388}"/>
+              </a:ext>
+            </a:extLst>
+          </p:cNvPr>
+          <p:cNvSpPr>
+            <a:spLocks noGrp="1"/>
+          </p:cNvSpPr>
+          <p:nvPr>
+            <p:ph type="title"/>
+          </p:nvPr>
+        </p:nvSpPr>
+        <p:spPr>
+          <a:xfrm>
+            <a:off x="838200" y="365126"/>
+            <a:ext cx="10515600" cy="1014788"/>
+          </a:xfrm>
+          <a:prstGeom prst="rect">
+            <a:avLst/>
+          </a:prstGeom>
+        </p:spPr>
+        <p:txBody>
+          <a:bodyPr anchor="ctr">
+            <a:normAutofit/>
+          </a:bodyPr>
+          <a:lstStyle/>
+          <a:p>
+            <a:r>
+              <a:rPr lang="en-150" dirty="0"/>
+              <a:t>A</a:t>
+            </a:r>
+            <a:r>
+              <a:rPr lang="en-GB" dirty="0"/>
+              <a:t>l</a:t>
+            </a:r>
+            <a:r>
+              <a:rPr lang="en-150" dirty="0"/>
+              <a:t>g</a:t>
+            </a:r>
+            <a:r>
+              <a:rPr lang="en-GB" dirty="0"/>
+              <a:t>o</a:t>
+            </a:r>
+            <a:r>
+              <a:rPr lang="en-150" dirty="0"/>
+              <a:t>r</a:t>
+            </a:r>
+            <a:r>
+              <a:rPr lang="en-GB" dirty="0"/>
+              <a:t>i</a:t>
+            </a:r>
+            <a:r>
+              <a:rPr lang="en-150" dirty="0"/>
+              <a:t>t</a:t>
+            </a:r>
+            <a:r>
+              <a:rPr lang="en-GB" dirty="0"/>
+              <a:t>h</a:t>
+            </a:r>
+            <a:r>
+              <a:rPr lang="en-150" dirty="0"/>
+              <a:t>m </a:t>
+            </a:r>
+            <a:r>
+              <a:rPr lang="en-GB" dirty="0"/>
+              <a:t>c</a:t>
+            </a:r>
+            <a:r>
+              <a:rPr lang="en-150" dirty="0"/>
+              <a:t>h</a:t>
+            </a:r>
+            <a:r>
+              <a:rPr lang="en-GB" dirty="0"/>
+              <a:t>a</a:t>
+            </a:r>
+            <a:r>
+              <a:rPr lang="en-150" dirty="0"/>
+              <a:t>n</a:t>
+            </a:r>
+            <a:r>
+              <a:rPr lang="en-GB" dirty="0"/>
+              <a:t>g</a:t>
+            </a:r>
+            <a:r>
+              <a:rPr lang="en-150" dirty="0"/>
+              <a:t>e</a:t>
+            </a:r>
+            <a:endParaRPr lang="en-GB" dirty="0"/>
+          </a:p>
+        </p:txBody>
+      </p:sp>
+      <p:pic>
+        <p:nvPicPr>
+          <p:cNvPr id="6" name="Content Placeholder 5">
+            <a:extLst>
+              <a:ext uri="{FF2B5EF4-FFF2-40B4-BE49-F238E27FC236}">
+                <a16:creationId xmlns:a16="http://schemas.microsoft.com/office/drawing/2014/main" id="{FA2A48C8-2DCF-4448-875D-8B6D118F1592}"/>
+              </a:ext>
+            </a:extLst>
+          </p:cNvPr>
+          <p:cNvPicPr>
+            <a:picLocks noGrp="1" noChangeAspect="1"/>
+          </p:cNvPicPr>
+          <p:nvPr>
+            <p:ph idx="1"/>
+          </p:nvPr>
+        </p:nvPicPr>
+        <p:blipFill>
+          <a:blip r:embed="rId2">
+            <a:extLst>
+              <a:ext uri="{28A0092B-C50C-407E-A947-70E740481C1C}">
+                <a14:useLocalDpi xmlns:a14="http://schemas.microsoft.com/office/drawing/2010/main" val="0"/>
+              </a:ext>
+            </a:extLst>
+          </a:blip>
+          <a:srcRect/>
+          <a:stretch/>
+        </p:blipFill>
+        <p:spPr>
+          <a:xfrm>
+            <a:off x="2405820" y="1707531"/>
+            <a:ext cx="7380359" cy="4258189"/>
+          </a:xfrm>
+          <a:prstGeom prst="rect">
+            <a:avLst/>
+          </a:prstGeom>
+          <a:noFill/>
+        </p:spPr>
+      </p:pic>
+      <p:sp>
+        <p:nvSpPr>
+          <p:cNvPr id="4" name="Slide Number Placeholder 3">
+            <a:extLst>
+              <a:ext uri="{FF2B5EF4-FFF2-40B4-BE49-F238E27FC236}">
+                <a16:creationId xmlns:a16="http://schemas.microsoft.com/office/drawing/2014/main" id="{0EF63B9C-78E1-4396-B287-257C3F025F0D}"/>
+              </a:ext>
+            </a:extLst>
+          </p:cNvPr>
+          <p:cNvSpPr>
+            <a:spLocks noGrp="1"/>
+          </p:cNvSpPr>
+          <p:nvPr>
+            <p:ph type="sldNum" sz="quarter" idx="12"/>
+          </p:nvPr>
+        </p:nvSpPr>
+        <p:spPr>
+          <a:xfrm>
+            <a:off x="8610600" y="6356350"/>
+            <a:ext cx="2320636" cy="365125"/>
+          </a:xfrm>
+          <a:prstGeom prst="rect">
+            <a:avLst/>
+          </a:prstGeom>
+        </p:spPr>
+        <p:txBody>
+          <a:bodyPr anchor="ctr">
+            <a:normAutofit/>
+          </a:bodyPr>
+          <a:lstStyle/>
+          <a:p>
+            <a:pPr>
+              <a:spcAft>
+                <a:spcPts val="600"/>
+              </a:spcAft>
+            </a:pPr>
+            <a:fld id="{6565F0C3-D9E9-4961-A3A4-87F2116D4289}" type="slidenum">
+              <a:rPr lang="en-GB" smtClean="0"/>
+              <a:pPr>
+                <a:spcAft>
+                  <a:spcPts val="600"/>
+                </a:spcAft>
+              </a:pPr>
+              <a:t>7</a:t>
+            </a:fld>
+            <a:endParaRPr lang="en-GB"/>
+          </a:p>
+        </p:txBody>
+      </p:sp>
+    </p:spTree>
+    <p:extLst>
+      <p:ext uri="{BB962C8B-B14F-4D97-AF65-F5344CB8AC3E}">
+        <p14:creationId xmlns:p14="http://schemas.microsoft.com/office/powerpoint/2010/main" val="4152250072"/>
+      </p:ext>
+    </p:extLst>
+  </p:cSld>
+  <p:clrMapOvr>
+    <a:masterClrMapping/>
+  </p:clrMapOvr>
+</p:sld>
+</file>
+
+<file path=ppt/slides/slide8.xml><?xml version="1.0" encoding="utf-8"?>
+<p:sld xmlns:a="http://schemas.openxmlformats.org/drawingml/2006/main" xmlns:r="http://schemas.openxmlformats.org/officeDocument/2006/relationships" xmlns:p="http://schemas.openxmlformats.org/presentationml/2006/main">
+  <p:cSld>
+    <p:spTree>
+      <p:nvGrpSpPr>
+        <p:cNvPr id="1" name=""/>
+        <p:cNvGrpSpPr/>
+        <p:nvPr/>
+      </p:nvGrpSpPr>
+      <p:grpSpPr>
+        <a:xfrm>
+          <a:off x="0" y="0"/>
+          <a:ext cx="0" cy="0"/>
+          <a:chOff x="0" y="0"/>
+          <a:chExt cx="0" cy="0"/>
+        </a:xfrm>
+      </p:grpSpPr>
+      <p:sp>
+        <p:nvSpPr>
           <p:cNvPr id="4" name="Slide Number Placeholder 3">
             <a:extLst>
               <a:ext uri="{FF2B5EF4-FFF2-40B4-BE49-F238E27FC236}">
@@ -11651,7 +12188,7 @@
           <a:p>
             <a:fld id="{6565F0C3-D9E9-4961-A3A4-87F2116D4289}" type="slidenum">
               <a:rPr lang="en-GB" smtClean="0"/>
-              <a:t>7</a:t>
+              <a:t>8</a:t>
             </a:fld>
             <a:endParaRPr lang="en-GB" dirty="0"/>
           </a:p>
@@ -11980,330 +12517,6 @@
 </p:sld>
 </file>
 
-<file path=ppt/slides/slide8.xml><?xml version="1.0" encoding="utf-8"?>
-<p:sld xmlns:a="http://schemas.openxmlformats.org/drawingml/2006/main" xmlns:r="http://schemas.openxmlformats.org/officeDocument/2006/relationships" xmlns:p="http://schemas.openxmlformats.org/presentationml/2006/main">
-  <p:cSld>
-    <p:spTree>
-      <p:nvGrpSpPr>
-        <p:cNvPr id="1" name=""/>
-        <p:cNvGrpSpPr/>
-        <p:nvPr/>
-      </p:nvGrpSpPr>
-      <p:grpSpPr>
-        <a:xfrm>
-          <a:off x="0" y="0"/>
-          <a:ext cx="0" cy="0"/>
-          <a:chOff x="0" y="0"/>
-          <a:chExt cx="0" cy="0"/>
-        </a:xfrm>
-      </p:grpSpPr>
-      <p:sp>
-        <p:nvSpPr>
-          <p:cNvPr id="4" name="Slide Number Placeholder 3">
-            <a:extLst>
-              <a:ext uri="{FF2B5EF4-FFF2-40B4-BE49-F238E27FC236}">
-                <a16:creationId xmlns:a16="http://schemas.microsoft.com/office/drawing/2014/main" id="{E4CAF3CB-DEF0-4E61-A57F-0E095F5BEB96}"/>
-              </a:ext>
-            </a:extLst>
-          </p:cNvPr>
-          <p:cNvSpPr>
-            <a:spLocks noGrp="1"/>
-          </p:cNvSpPr>
-          <p:nvPr>
-            <p:ph type="sldNum" sz="quarter" idx="12"/>
-          </p:nvPr>
-        </p:nvSpPr>
-        <p:spPr/>
-        <p:txBody>
-          <a:bodyPr/>
-          <a:lstStyle/>
-          <a:p>
-            <a:fld id="{6565F0C3-D9E9-4961-A3A4-87F2116D4289}" type="slidenum">
-              <a:rPr lang="en-GB" smtClean="0"/>
-              <a:t>8</a:t>
-            </a:fld>
-            <a:endParaRPr lang="en-GB" dirty="0"/>
-          </a:p>
-        </p:txBody>
-      </p:sp>
-      <p:pic>
-        <p:nvPicPr>
-          <p:cNvPr id="20" name="T=5">
-            <a:extLst>
-              <a:ext uri="{FF2B5EF4-FFF2-40B4-BE49-F238E27FC236}">
-                <a16:creationId xmlns:a16="http://schemas.microsoft.com/office/drawing/2014/main" id="{143C3407-4399-4669-B151-69F408F92191}"/>
-              </a:ext>
-            </a:extLst>
-          </p:cNvPr>
-          <p:cNvPicPr>
-            <a:picLocks noChangeAspect="1"/>
-          </p:cNvPicPr>
-          <p:nvPr/>
-        </p:nvPicPr>
-        <p:blipFill>
-          <a:blip r:embed="rId3">
-            <a:extLst>
-              <a:ext uri="{28A0092B-C50C-407E-A947-70E740481C1C}">
-                <a14:useLocalDpi xmlns:a14="http://schemas.microsoft.com/office/drawing/2010/main" val="0"/>
-              </a:ext>
-            </a:extLst>
-          </a:blip>
-          <a:srcRect/>
-          <a:stretch/>
-        </p:blipFill>
-        <p:spPr>
-          <a:xfrm>
-            <a:off x="2720818" y="643550"/>
-            <a:ext cx="6750364" cy="5400291"/>
-          </a:xfrm>
-          <a:prstGeom prst="rect">
-            <a:avLst/>
-          </a:prstGeom>
-        </p:spPr>
-      </p:pic>
-      <p:pic>
-        <p:nvPicPr>
-          <p:cNvPr id="22" name="T=10">
-            <a:extLst>
-              <a:ext uri="{FF2B5EF4-FFF2-40B4-BE49-F238E27FC236}">
-                <a16:creationId xmlns:a16="http://schemas.microsoft.com/office/drawing/2014/main" id="{6E051251-16EC-4822-B203-23CB416FA6E9}"/>
-              </a:ext>
-            </a:extLst>
-          </p:cNvPr>
-          <p:cNvPicPr>
-            <a:picLocks noChangeAspect="1"/>
-          </p:cNvPicPr>
-          <p:nvPr/>
-        </p:nvPicPr>
-        <p:blipFill>
-          <a:blip r:embed="rId4">
-            <a:extLst>
-              <a:ext uri="{28A0092B-C50C-407E-A947-70E740481C1C}">
-                <a14:useLocalDpi xmlns:a14="http://schemas.microsoft.com/office/drawing/2010/main" val="0"/>
-              </a:ext>
-            </a:extLst>
-          </a:blip>
-          <a:srcRect/>
-          <a:stretch/>
-        </p:blipFill>
-        <p:spPr>
-          <a:xfrm>
-            <a:off x="2720818" y="643550"/>
-            <a:ext cx="6750364" cy="5400291"/>
-          </a:xfrm>
-          <a:prstGeom prst="rect">
-            <a:avLst/>
-          </a:prstGeom>
-        </p:spPr>
-      </p:pic>
-      <p:pic>
-        <p:nvPicPr>
-          <p:cNvPr id="7" name="T=15">
-            <a:extLst>
-              <a:ext uri="{FF2B5EF4-FFF2-40B4-BE49-F238E27FC236}">
-                <a16:creationId xmlns:a16="http://schemas.microsoft.com/office/drawing/2014/main" id="{41F7FA43-A3FB-48E1-A1D9-436FB6328C73}"/>
-              </a:ext>
-            </a:extLst>
-          </p:cNvPr>
-          <p:cNvPicPr>
-            <a:picLocks noChangeAspect="1"/>
-          </p:cNvPicPr>
-          <p:nvPr/>
-        </p:nvPicPr>
-        <p:blipFill>
-          <a:blip r:embed="rId5">
-            <a:extLst>
-              <a:ext uri="{28A0092B-C50C-407E-A947-70E740481C1C}">
-                <a14:useLocalDpi xmlns:a14="http://schemas.microsoft.com/office/drawing/2010/main" val="0"/>
-              </a:ext>
-            </a:extLst>
-          </a:blip>
-          <a:srcRect/>
-          <a:stretch/>
-        </p:blipFill>
-        <p:spPr>
-          <a:xfrm>
-            <a:off x="2720819" y="643549"/>
-            <a:ext cx="6750363" cy="5400291"/>
-          </a:xfrm>
-          <a:prstGeom prst="rect">
-            <a:avLst/>
-          </a:prstGeom>
-        </p:spPr>
-      </p:pic>
-      <p:sp>
-        <p:nvSpPr>
-          <p:cNvPr id="2" name="Title 1">
-            <a:extLst>
-              <a:ext uri="{FF2B5EF4-FFF2-40B4-BE49-F238E27FC236}">
-                <a16:creationId xmlns:a16="http://schemas.microsoft.com/office/drawing/2014/main" id="{BE58AE84-15A3-424F-918C-5140AAC3D8FC}"/>
-              </a:ext>
-            </a:extLst>
-          </p:cNvPr>
-          <p:cNvSpPr>
-            <a:spLocks noGrp="1"/>
-          </p:cNvSpPr>
-          <p:nvPr>
-            <p:ph type="title"/>
-          </p:nvPr>
-        </p:nvSpPr>
-        <p:spPr/>
-        <p:txBody>
-          <a:bodyPr/>
-          <a:lstStyle/>
-          <a:p>
-            <a:r>
-              <a:rPr lang="en-150" noProof="0" dirty="0"/>
-              <a:t>O</a:t>
-            </a:r>
-            <a:r>
-              <a:rPr lang="en-GB" noProof="0" dirty="0"/>
-              <a:t>l</a:t>
-            </a:r>
-            <a:r>
-              <a:rPr lang="en-150" noProof="0" dirty="0"/>
-              <a:t>d </a:t>
-            </a:r>
-            <a:r>
-              <a:rPr lang="en-GB" noProof="0" dirty="0"/>
-              <a:t>Results</a:t>
-            </a:r>
-          </a:p>
-        </p:txBody>
-      </p:sp>
-    </p:spTree>
-    <p:extLst>
-      <p:ext uri="{BB962C8B-B14F-4D97-AF65-F5344CB8AC3E}">
-        <p14:creationId xmlns:p14="http://schemas.microsoft.com/office/powerpoint/2010/main" val="3568287303"/>
-      </p:ext>
-    </p:extLst>
-  </p:cSld>
-  <p:clrMapOvr>
-    <a:masterClrMapping/>
-  </p:clrMapOvr>
-  <p:timing>
-    <p:tnLst>
-      <p:par>
-        <p:cTn id="1" dur="indefinite" restart="never" nodeType="tmRoot">
-          <p:childTnLst>
-            <p:seq concurrent="1" nextAc="seek">
-              <p:cTn id="2" dur="indefinite" nodeType="mainSeq">
-                <p:childTnLst>
-                  <p:par>
-                    <p:cTn id="3" fill="hold">
-                      <p:stCondLst>
-                        <p:cond delay="indefinite"/>
-                      </p:stCondLst>
-                      <p:childTnLst>
-                        <p:par>
-                          <p:cTn id="4" fill="hold">
-                            <p:stCondLst>
-                              <p:cond delay="0"/>
-                            </p:stCondLst>
-                            <p:childTnLst>
-                              <p:par>
-                                <p:cTn id="5" presetID="1" presetClass="entr" presetSubtype="0" fill="hold" nodeType="clickEffect">
-                                  <p:stCondLst>
-                                    <p:cond delay="0"/>
-                                  </p:stCondLst>
-                                  <p:childTnLst>
-                                    <p:set>
-                                      <p:cBhvr>
-                                        <p:cTn id="6" dur="1" fill="hold">
-                                          <p:stCondLst>
-                                            <p:cond delay="0"/>
-                                          </p:stCondLst>
-                                        </p:cTn>
-                                        <p:tgtEl>
-                                          <p:spTgt spid="22"/>
-                                        </p:tgtEl>
-                                        <p:attrNameLst>
-                                          <p:attrName>style.visibility</p:attrName>
-                                        </p:attrNameLst>
-                                      </p:cBhvr>
-                                      <p:to>
-                                        <p:strVal val="visible"/>
-                                      </p:to>
-                                    </p:set>
-                                  </p:childTnLst>
-                                </p:cTn>
-                              </p:par>
-                            </p:childTnLst>
-                          </p:cTn>
-                        </p:par>
-                      </p:childTnLst>
-                    </p:cTn>
-                  </p:par>
-                  <p:par>
-                    <p:cTn id="7" fill="hold">
-                      <p:stCondLst>
-                        <p:cond delay="indefinite"/>
-                      </p:stCondLst>
-                      <p:childTnLst>
-                        <p:par>
-                          <p:cTn id="8" fill="hold">
-                            <p:stCondLst>
-                              <p:cond delay="0"/>
-                            </p:stCondLst>
-                            <p:childTnLst>
-                              <p:par>
-                                <p:cTn id="9" presetID="1" presetClass="entr" presetSubtype="0" fill="hold" nodeType="clickEffect">
-                                  <p:stCondLst>
-                                    <p:cond delay="0"/>
-                                  </p:stCondLst>
-                                  <p:childTnLst>
-                                    <p:set>
-                                      <p:cBhvr>
-                                        <p:cTn id="10" dur="1" fill="hold">
-                                          <p:stCondLst>
-                                            <p:cond delay="0"/>
-                                          </p:stCondLst>
-                                        </p:cTn>
-                                        <p:tgtEl>
-                                          <p:spTgt spid="7"/>
-                                        </p:tgtEl>
-                                        <p:attrNameLst>
-                                          <p:attrName>style.visibility</p:attrName>
-                                        </p:attrNameLst>
-                                      </p:cBhvr>
-                                      <p:to>
-                                        <p:strVal val="visible"/>
-                                      </p:to>
-                                    </p:set>
-                                  </p:childTnLst>
-                                </p:cTn>
-                              </p:par>
-                            </p:childTnLst>
-                          </p:cTn>
-                        </p:par>
-                      </p:childTnLst>
-                    </p:cTn>
-                  </p:par>
-                </p:childTnLst>
-              </p:cTn>
-              <p:prevCondLst>
-                <p:cond evt="onPrev" delay="0">
-                  <p:tgtEl>
-                    <p:sldTgt/>
-                  </p:tgtEl>
-                </p:cond>
-              </p:prevCondLst>
-              <p:nextCondLst>
-                <p:cond evt="onNext" delay="0">
-                  <p:tgtEl>
-                    <p:sldTgt/>
-                  </p:tgtEl>
-                </p:cond>
-              </p:nextCondLst>
-            </p:seq>
-          </p:childTnLst>
-        </p:cTn>
-      </p:par>
-    </p:tnLst>
-  </p:timing>
-</p:sld>
-</file>
-
 <file path=ppt/slides/slide9.xml><?xml version="1.0" encoding="utf-8"?>
 <p:sld xmlns:a="http://schemas.openxmlformats.org/drawingml/2006/main" xmlns:r="http://schemas.openxmlformats.org/officeDocument/2006/relationships" xmlns:p="http://schemas.openxmlformats.org/presentationml/2006/main">
   <p:cSld>
@@ -12378,7 +12591,7 @@
         <p:spPr>
           <a:xfrm>
             <a:off x="2720818" y="643550"/>
-            <a:ext cx="6750363" cy="5400291"/>
+            <a:ext cx="6750364" cy="5400291"/>
           </a:xfrm>
           <a:prstGeom prst="rect">
             <a:avLst/>
@@ -12413,7 +12626,7 @@
         <p:spPr>
           <a:xfrm>
             <a:off x="2720818" y="643550"/>
-            <a:ext cx="6750363" cy="5400291"/>
+            <a:ext cx="6750364" cy="5400291"/>
           </a:xfrm>
           <a:prstGeom prst="rect">
             <a:avLst/>
@@ -12448,7 +12661,7 @@
         <p:spPr>
           <a:xfrm>
             <a:off x="2720819" y="643549"/>
-            <a:ext cx="6750363" cy="5400290"/>
+            <a:ext cx="6750363" cy="5400291"/>
           </a:xfrm>
           <a:prstGeom prst="rect">
             <a:avLst/>
@@ -12498,7 +12711,7 @@
     </p:spTree>
     <p:extLst>
       <p:ext uri="{BB962C8B-B14F-4D97-AF65-F5344CB8AC3E}">
-        <p14:creationId xmlns:p14="http://schemas.microsoft.com/office/powerpoint/2010/main" val="632591743"/>
+        <p14:creationId xmlns:p14="http://schemas.microsoft.com/office/powerpoint/2010/main" val="3568287303"/>
       </p:ext>
     </p:extLst>
   </p:cSld>
